--- a/Scala First Steps.pptx
+++ b/Scala First Steps.pptx
@@ -5,7 +5,7 @@
     <p:sldMasterId id="2147483648" r:id="rId1"/>
   </p:sldMasterIdLst>
   <p:notesMasterIdLst>
-    <p:notesMasterId r:id="rId36"/>
+    <p:notesMasterId r:id="rId37"/>
   </p:notesMasterIdLst>
   <p:sldIdLst>
     <p:sldId id="256" r:id="rId2"/>
@@ -16,8 +16,8 @@
     <p:sldId id="260" r:id="rId7"/>
     <p:sldId id="264" r:id="rId8"/>
     <p:sldId id="270" r:id="rId9"/>
-    <p:sldId id="271" r:id="rId10"/>
-    <p:sldId id="278" r:id="rId11"/>
+    <p:sldId id="278" r:id="rId10"/>
+    <p:sldId id="271" r:id="rId11"/>
     <p:sldId id="263" r:id="rId12"/>
     <p:sldId id="265" r:id="rId13"/>
     <p:sldId id="267" r:id="rId14"/>
@@ -32,16 +32,17 @@
     <p:sldId id="284" r:id="rId23"/>
     <p:sldId id="286" r:id="rId24"/>
     <p:sldId id="287" r:id="rId25"/>
-    <p:sldId id="288" r:id="rId26"/>
-    <p:sldId id="276" r:id="rId27"/>
-    <p:sldId id="289" r:id="rId28"/>
-    <p:sldId id="290" r:id="rId29"/>
-    <p:sldId id="262" r:id="rId30"/>
-    <p:sldId id="272" r:id="rId31"/>
-    <p:sldId id="280" r:id="rId32"/>
-    <p:sldId id="291" r:id="rId33"/>
-    <p:sldId id="266" r:id="rId34"/>
-    <p:sldId id="274" r:id="rId35"/>
+    <p:sldId id="292" r:id="rId26"/>
+    <p:sldId id="288" r:id="rId27"/>
+    <p:sldId id="276" r:id="rId28"/>
+    <p:sldId id="289" r:id="rId29"/>
+    <p:sldId id="290" r:id="rId30"/>
+    <p:sldId id="262" r:id="rId31"/>
+    <p:sldId id="272" r:id="rId32"/>
+    <p:sldId id="280" r:id="rId33"/>
+    <p:sldId id="291" r:id="rId34"/>
+    <p:sldId id="266" r:id="rId35"/>
+    <p:sldId id="274" r:id="rId36"/>
   </p:sldIdLst>
   <p:sldSz cx="12192000" cy="6858000"/>
   <p:notesSz cx="6858000" cy="9144000"/>
@@ -671,7 +672,7 @@
           <a:p>
             <a:fld id="{539A8F65-3615-4EAF-8EB0-736254C93C8A}" type="slidenum">
               <a:rPr lang="pt-PT" smtClean="0"/>
-              <a:t>21</a:t>
+              <a:t>16</a:t>
             </a:fld>
             <a:endParaRPr lang="pt-PT"/>
           </a:p>
@@ -680,7 +681,7 @@
     </p:spTree>
     <p:extLst>
       <p:ext uri="{BB962C8B-B14F-4D97-AF65-F5344CB8AC3E}">
-        <p14:creationId xmlns:p14="http://schemas.microsoft.com/office/powerpoint/2010/main" val="4098825266"/>
+        <p14:creationId xmlns:p14="http://schemas.microsoft.com/office/powerpoint/2010/main" val="631036680"/>
       </p:ext>
     </p:extLst>
   </p:cSld>
@@ -734,6 +735,18 @@
           <a:bodyPr/>
           <a:lstStyle/>
           <a:p>
+            <a:r>
+              <a:rPr lang="en-US" sz="1200" b="0" i="0" kern="1200" dirty="0" smtClean="0">
+                <a:solidFill>
+                  <a:schemeClr val="tx1"/>
+                </a:solidFill>
+                <a:effectLst/>
+                <a:latin typeface="+mn-lt"/>
+                <a:ea typeface="+mn-ea"/>
+                <a:cs typeface="+mn-cs"/>
+              </a:rPr>
+              <a:t>Auxiliary Constructors in Scala must either call the primary constructor (as in landon9720's) answer, or another auxiliary constructor from the same class</a:t>
+            </a:r>
             <a:endParaRPr lang="pt-PT" dirty="0"/>
           </a:p>
         </p:txBody>
@@ -755,7 +768,91 @@
           <a:p>
             <a:fld id="{539A8F65-3615-4EAF-8EB0-736254C93C8A}" type="slidenum">
               <a:rPr lang="pt-PT" smtClean="0"/>
-              <a:t>29</a:t>
+              <a:t>21</a:t>
+            </a:fld>
+            <a:endParaRPr lang="pt-PT"/>
+          </a:p>
+        </p:txBody>
+      </p:sp>
+    </p:spTree>
+    <p:extLst>
+      <p:ext uri="{BB962C8B-B14F-4D97-AF65-F5344CB8AC3E}">
+        <p14:creationId xmlns:p14="http://schemas.microsoft.com/office/powerpoint/2010/main" val="4098825266"/>
+      </p:ext>
+    </p:extLst>
+  </p:cSld>
+  <p:clrMapOvr>
+    <a:masterClrMapping/>
+  </p:clrMapOvr>
+</p:notes>
+</file>
+
+<file path=ppt/notesSlides/notesSlide4.xml><?xml version="1.0" encoding="utf-8"?>
+<p:notes xmlns:a="http://schemas.openxmlformats.org/drawingml/2006/main" xmlns:r="http://schemas.openxmlformats.org/officeDocument/2006/relationships" xmlns:p="http://schemas.openxmlformats.org/presentationml/2006/main">
+  <p:cSld>
+    <p:spTree>
+      <p:nvGrpSpPr>
+        <p:cNvPr id="1" name=""/>
+        <p:cNvGrpSpPr/>
+        <p:nvPr/>
+      </p:nvGrpSpPr>
+      <p:grpSpPr>
+        <a:xfrm>
+          <a:off x="0" y="0"/>
+          <a:ext cx="0" cy="0"/>
+          <a:chOff x="0" y="0"/>
+          <a:chExt cx="0" cy="0"/>
+        </a:xfrm>
+      </p:grpSpPr>
+      <p:sp>
+        <p:nvSpPr>
+          <p:cNvPr id="2" name="Slide Image Placeholder 1"/>
+          <p:cNvSpPr>
+            <a:spLocks noGrp="1" noRot="1" noChangeAspect="1"/>
+          </p:cNvSpPr>
+          <p:nvPr>
+            <p:ph type="sldImg"/>
+          </p:nvPr>
+        </p:nvSpPr>
+        <p:spPr/>
+      </p:sp>
+      <p:sp>
+        <p:nvSpPr>
+          <p:cNvPr id="3" name="Notes Placeholder 2"/>
+          <p:cNvSpPr>
+            <a:spLocks noGrp="1"/>
+          </p:cNvSpPr>
+          <p:nvPr>
+            <p:ph type="body" idx="1"/>
+          </p:nvPr>
+        </p:nvSpPr>
+        <p:spPr/>
+        <p:txBody>
+          <a:bodyPr/>
+          <a:lstStyle/>
+          <a:p>
+            <a:endParaRPr lang="pt-PT" dirty="0"/>
+          </a:p>
+        </p:txBody>
+      </p:sp>
+      <p:sp>
+        <p:nvSpPr>
+          <p:cNvPr id="4" name="Slide Number Placeholder 3"/>
+          <p:cNvSpPr>
+            <a:spLocks noGrp="1"/>
+          </p:cNvSpPr>
+          <p:nvPr>
+            <p:ph type="sldNum" sz="quarter" idx="10"/>
+          </p:nvPr>
+        </p:nvSpPr>
+        <p:spPr/>
+        <p:txBody>
+          <a:bodyPr/>
+          <a:lstStyle/>
+          <a:p>
+            <a:fld id="{539A8F65-3615-4EAF-8EB0-736254C93C8A}" type="slidenum">
+              <a:rPr lang="pt-PT" smtClean="0"/>
+              <a:t>30</a:t>
             </a:fld>
             <a:endParaRPr lang="pt-PT"/>
           </a:p>
@@ -3790,7 +3887,7 @@
             </a:r>
             <a:r>
               <a:rPr lang="pt-PT" dirty="0" smtClean="0"/>
-              <a:t>Dependencies with SBT</a:t>
+              <a:t>Scala IDE Worksheet</a:t>
             </a:r>
             <a:endParaRPr lang="pt-PT" dirty="0"/>
           </a:p>
@@ -3818,13 +3915,20 @@
     </p:spTree>
     <p:extLst>
       <p:ext uri="{BB962C8B-B14F-4D97-AF65-F5344CB8AC3E}">
-        <p14:creationId xmlns:p14="http://schemas.microsoft.com/office/powerpoint/2010/main" val="1694619590"/>
+        <p14:creationId xmlns:p14="http://schemas.microsoft.com/office/powerpoint/2010/main" val="3078220078"/>
       </p:ext>
     </p:extLst>
   </p:cSld>
   <p:clrMapOvr>
     <a:masterClrMapping/>
   </p:clrMapOvr>
+  <p:timing>
+    <p:tnLst>
+      <p:par>
+        <p:cTn id="1" dur="indefinite" restart="never" nodeType="tmRoot"/>
+      </p:par>
+    </p:tnLst>
+  </p:timing>
 </p:sld>
 </file>
 
@@ -3990,6 +4094,13 @@
   <p:clrMapOvr>
     <a:masterClrMapping/>
   </p:clrMapOvr>
+  <p:timing>
+    <p:tnLst>
+      <p:par>
+        <p:cTn id="1" dur="indefinite" restart="never" nodeType="tmRoot"/>
+      </p:par>
+    </p:tnLst>
+  </p:timing>
 </p:sld>
 </file>
 
@@ -4500,6 +4611,13 @@
   <p:clrMapOvr>
     <a:masterClrMapping/>
   </p:clrMapOvr>
+  <p:timing>
+    <p:tnLst>
+      <p:par>
+        <p:cTn id="1" dur="indefinite" restart="never" nodeType="tmRoot"/>
+      </p:par>
+    </p:tnLst>
+  </p:timing>
 </p:sld>
 </file>
 
@@ -4572,6 +4690,13 @@
   <p:clrMapOvr>
     <a:masterClrMapping/>
   </p:clrMapOvr>
+  <p:timing>
+    <p:tnLst>
+      <p:par>
+        <p:cTn id="1" dur="indefinite" restart="never" nodeType="tmRoot"/>
+      </p:par>
+    </p:tnLst>
+  </p:timing>
 </p:sld>
 </file>
 
@@ -4791,6 +4916,13 @@
   <p:clrMapOvr>
     <a:masterClrMapping/>
   </p:clrMapOvr>
+  <p:timing>
+    <p:tnLst>
+      <p:par>
+        <p:cTn id="1" dur="indefinite" restart="never" nodeType="tmRoot"/>
+      </p:par>
+    </p:tnLst>
+  </p:timing>
 </p:sld>
 </file>
 
@@ -5153,6 +5285,13 @@
   <p:clrMapOvr>
     <a:masterClrMapping/>
   </p:clrMapOvr>
+  <p:timing>
+    <p:tnLst>
+      <p:par>
+        <p:cTn id="1" dur="indefinite" restart="never" nodeType="tmRoot"/>
+      </p:par>
+    </p:tnLst>
+  </p:timing>
 </p:sld>
 </file>
 
@@ -5462,6 +5601,13 @@
   <p:clrMapOvr>
     <a:masterClrMapping/>
   </p:clrMapOvr>
+  <p:timing>
+    <p:tnLst>
+      <p:par>
+        <p:cTn id="1" dur="indefinite" restart="never" nodeType="tmRoot"/>
+      </p:par>
+    </p:tnLst>
+  </p:timing>
 </p:sld>
 </file>
 
@@ -5552,6 +5698,13 @@
   <p:clrMapOvr>
     <a:masterClrMapping/>
   </p:clrMapOvr>
+  <p:timing>
+    <p:tnLst>
+      <p:par>
+        <p:cTn id="1" dur="indefinite" restart="never" nodeType="tmRoot"/>
+      </p:par>
+    </p:tnLst>
+  </p:timing>
 </p:sld>
 </file>
 
@@ -7361,11 +7514,94 @@
               <a:buNone/>
             </a:pPr>
             <a:r>
-              <a:rPr lang="en-US" sz="2400" dirty="0">
+              <a:rPr lang="en-US" sz="2400" dirty="0" smtClean="0">
                 <a:latin typeface="Courier New" panose="02070309020205020404" pitchFamily="49" charset="0"/>
                 <a:cs typeface="Courier New" panose="02070309020205020404" pitchFamily="49" charset="0"/>
               </a:rPr>
               <a:t>}</a:t>
+            </a:r>
+          </a:p>
+          <a:p>
+            <a:pPr marL="0" indent="0">
+              <a:buNone/>
+            </a:pPr>
+            <a:r>
+              <a:rPr lang="en-US" sz="2400" b="1" dirty="0">
+                <a:solidFill>
+                  <a:srgbClr val="990099"/>
+                </a:solidFill>
+                <a:latin typeface="Courier New" panose="02070309020205020404" pitchFamily="49" charset="0"/>
+                <a:cs typeface="Courier New" panose="02070309020205020404" pitchFamily="49" charset="0"/>
+              </a:rPr>
+              <a:t>c</a:t>
+            </a:r>
+            <a:r>
+              <a:rPr lang="en-US" sz="2400" b="1" dirty="0">
+                <a:solidFill>
+                  <a:srgbClr val="990099"/>
+                </a:solidFill>
+                <a:latin typeface="Courier New" panose="02070309020205020404" pitchFamily="49" charset="0"/>
+                <a:cs typeface="Courier New" panose="02070309020205020404" pitchFamily="49" charset="0"/>
+              </a:rPr>
+              <a:t>lass</a:t>
+            </a:r>
+            <a:r>
+              <a:rPr lang="en-US" sz="2400" dirty="0" smtClean="0">
+                <a:latin typeface="Courier New" panose="02070309020205020404" pitchFamily="49" charset="0"/>
+                <a:cs typeface="Courier New" panose="02070309020205020404" pitchFamily="49" charset="0"/>
+              </a:rPr>
+              <a:t> Student </a:t>
+            </a:r>
+            <a:r>
+              <a:rPr lang="en-US" sz="2400" b="1" dirty="0">
+                <a:solidFill>
+                  <a:srgbClr val="990099"/>
+                </a:solidFill>
+                <a:latin typeface="Courier New" panose="02070309020205020404" pitchFamily="49" charset="0"/>
+                <a:cs typeface="Courier New" panose="02070309020205020404" pitchFamily="49" charset="0"/>
+              </a:rPr>
+              <a:t>extends</a:t>
+            </a:r>
+            <a:r>
+              <a:rPr lang="en-US" sz="2400" dirty="0" smtClean="0">
+                <a:latin typeface="Courier New" panose="02070309020205020404" pitchFamily="49" charset="0"/>
+                <a:cs typeface="Courier New" panose="02070309020205020404" pitchFamily="49" charset="0"/>
+              </a:rPr>
+              <a:t> Human </a:t>
+            </a:r>
+            <a:r>
+              <a:rPr lang="en-US" sz="2400" b="1" dirty="0">
+                <a:solidFill>
+                  <a:srgbClr val="990099"/>
+                </a:solidFill>
+                <a:latin typeface="Courier New" panose="02070309020205020404" pitchFamily="49" charset="0"/>
+                <a:cs typeface="Courier New" panose="02070309020205020404" pitchFamily="49" charset="0"/>
+              </a:rPr>
+              <a:t>with</a:t>
+            </a:r>
+            <a:r>
+              <a:rPr lang="en-US" sz="2400" dirty="0" smtClean="0">
+                <a:latin typeface="Courier New" panose="02070309020205020404" pitchFamily="49" charset="0"/>
+                <a:cs typeface="Courier New" panose="02070309020205020404" pitchFamily="49" charset="0"/>
+              </a:rPr>
+              <a:t> Philosophical </a:t>
+            </a:r>
+            <a:r>
+              <a:rPr lang="en-US" sz="2400" b="1" dirty="0">
+                <a:solidFill>
+                  <a:srgbClr val="990099"/>
+                </a:solidFill>
+                <a:latin typeface="Courier New" panose="02070309020205020404" pitchFamily="49" charset="0"/>
+                <a:cs typeface="Courier New" panose="02070309020205020404" pitchFamily="49" charset="0"/>
+              </a:rPr>
+              <a:t>with</a:t>
+            </a:r>
+            <a:r>
+              <a:rPr lang="en-US" sz="2400" dirty="0" smtClean="0">
+                <a:latin typeface="Courier New" panose="02070309020205020404" pitchFamily="49" charset="0"/>
+                <a:cs typeface="Courier New" panose="02070309020205020404" pitchFamily="49" charset="0"/>
+              </a:rPr>
+              <a:t> …</a:t>
             </a:r>
             <a:endParaRPr lang="pt-PT" sz="2400" dirty="0">
               <a:latin typeface="Courier New" panose="02070309020205020404" pitchFamily="49" charset="0"/>
@@ -7421,7 +7657,7 @@
           <a:p>
             <a:r>
               <a:rPr lang="pt-PT" dirty="0" smtClean="0"/>
-              <a:t>Properties</a:t>
+              <a:t>Case class</a:t>
             </a:r>
             <a:endParaRPr lang="pt-PT" dirty="0"/>
           </a:p>
@@ -7440,7 +7676,7 @@
         <p:spPr/>
         <p:txBody>
           <a:bodyPr>
-            <a:noAutofit/>
+            <a:normAutofit/>
           </a:bodyPr>
           <a:lstStyle/>
           <a:p>
@@ -7455,6 +7691,151 @@
                 <a:latin typeface="Courier New" panose="02070309020205020404" pitchFamily="49" charset="0"/>
                 <a:cs typeface="Courier New" panose="02070309020205020404" pitchFamily="49" charset="0"/>
               </a:rPr>
+              <a:t>abstract class</a:t>
+            </a:r>
+            <a:r>
+              <a:rPr lang="en-US" sz="2400" dirty="0">
+                <a:latin typeface="Courier New" panose="02070309020205020404" pitchFamily="49" charset="0"/>
+                <a:cs typeface="Courier New" panose="02070309020205020404" pitchFamily="49" charset="0"/>
+              </a:rPr>
+              <a:t> Term</a:t>
+            </a:r>
+          </a:p>
+          <a:p>
+            <a:pPr marL="0" indent="0">
+              <a:buNone/>
+            </a:pPr>
+            <a:r>
+              <a:rPr lang="en-US" sz="2400" b="1" dirty="0">
+                <a:solidFill>
+                  <a:srgbClr val="990099"/>
+                </a:solidFill>
+                <a:latin typeface="Courier New" panose="02070309020205020404" pitchFamily="49" charset="0"/>
+                <a:cs typeface="Courier New" panose="02070309020205020404" pitchFamily="49" charset="0"/>
+              </a:rPr>
+              <a:t>case class</a:t>
+            </a:r>
+            <a:r>
+              <a:rPr lang="en-US" sz="2400" dirty="0">
+                <a:latin typeface="Courier New" panose="02070309020205020404" pitchFamily="49" charset="0"/>
+                <a:cs typeface="Courier New" panose="02070309020205020404" pitchFamily="49" charset="0"/>
+              </a:rPr>
+              <a:t> </a:t>
+            </a:r>
+            <a:r>
+              <a:rPr lang="en-US" sz="2400" dirty="0" err="1">
+                <a:latin typeface="Courier New" panose="02070309020205020404" pitchFamily="49" charset="0"/>
+                <a:cs typeface="Courier New" panose="02070309020205020404" pitchFamily="49" charset="0"/>
+              </a:rPr>
+              <a:t>Var</a:t>
+            </a:r>
+            <a:r>
+              <a:rPr lang="en-US" sz="2400" dirty="0">
+                <a:latin typeface="Courier New" panose="02070309020205020404" pitchFamily="49" charset="0"/>
+                <a:cs typeface="Courier New" panose="02070309020205020404" pitchFamily="49" charset="0"/>
+              </a:rPr>
+              <a:t>(name: String) </a:t>
+            </a:r>
+            <a:r>
+              <a:rPr lang="en-US" sz="2400" b="1" dirty="0">
+                <a:solidFill>
+                  <a:srgbClr val="990099"/>
+                </a:solidFill>
+                <a:latin typeface="Courier New" panose="02070309020205020404" pitchFamily="49" charset="0"/>
+                <a:cs typeface="Courier New" panose="02070309020205020404" pitchFamily="49" charset="0"/>
+              </a:rPr>
+              <a:t>extends</a:t>
+            </a:r>
+            <a:r>
+              <a:rPr lang="en-US" sz="2400" dirty="0">
+                <a:latin typeface="Courier New" panose="02070309020205020404" pitchFamily="49" charset="0"/>
+                <a:cs typeface="Courier New" panose="02070309020205020404" pitchFamily="49" charset="0"/>
+              </a:rPr>
+              <a:t> Term</a:t>
+            </a:r>
+          </a:p>
+          <a:p>
+            <a:pPr marL="0" indent="0">
+              <a:buNone/>
+            </a:pPr>
+            <a:r>
+              <a:rPr lang="en-US" sz="2400" b="1" dirty="0">
+                <a:solidFill>
+                  <a:srgbClr val="990099"/>
+                </a:solidFill>
+                <a:latin typeface="Courier New" panose="02070309020205020404" pitchFamily="49" charset="0"/>
+                <a:cs typeface="Courier New" panose="02070309020205020404" pitchFamily="49" charset="0"/>
+              </a:rPr>
+              <a:t>case class </a:t>
+            </a:r>
+            <a:r>
+              <a:rPr lang="en-US" sz="2400" dirty="0">
+                <a:latin typeface="Courier New" panose="02070309020205020404" pitchFamily="49" charset="0"/>
+                <a:cs typeface="Courier New" panose="02070309020205020404" pitchFamily="49" charset="0"/>
+              </a:rPr>
+              <a:t>Fun(</a:t>
+            </a:r>
+            <a:r>
+              <a:rPr lang="en-US" sz="2400" dirty="0" err="1">
+                <a:latin typeface="Courier New" panose="02070309020205020404" pitchFamily="49" charset="0"/>
+                <a:cs typeface="Courier New" panose="02070309020205020404" pitchFamily="49" charset="0"/>
+              </a:rPr>
+              <a:t>arg</a:t>
+            </a:r>
+            <a:r>
+              <a:rPr lang="en-US" sz="2400" dirty="0">
+                <a:latin typeface="Courier New" panose="02070309020205020404" pitchFamily="49" charset="0"/>
+                <a:cs typeface="Courier New" panose="02070309020205020404" pitchFamily="49" charset="0"/>
+              </a:rPr>
+              <a:t>: String, body: Term) </a:t>
+            </a:r>
+            <a:r>
+              <a:rPr lang="en-US" sz="2400" b="1" dirty="0">
+                <a:solidFill>
+                  <a:srgbClr val="990099"/>
+                </a:solidFill>
+                <a:latin typeface="Courier New" panose="02070309020205020404" pitchFamily="49" charset="0"/>
+                <a:cs typeface="Courier New" panose="02070309020205020404" pitchFamily="49" charset="0"/>
+              </a:rPr>
+              <a:t>extends</a:t>
+            </a:r>
+            <a:r>
+              <a:rPr lang="en-US" sz="2400" dirty="0">
+                <a:latin typeface="Courier New" panose="02070309020205020404" pitchFamily="49" charset="0"/>
+                <a:cs typeface="Courier New" panose="02070309020205020404" pitchFamily="49" charset="0"/>
+              </a:rPr>
+              <a:t> Term</a:t>
+            </a:r>
+          </a:p>
+          <a:p>
+            <a:pPr marL="0" indent="0">
+              <a:buNone/>
+            </a:pPr>
+            <a:r>
+              <a:rPr lang="en-US" sz="2400" b="1" dirty="0">
+                <a:solidFill>
+                  <a:srgbClr val="990099"/>
+                </a:solidFill>
+                <a:latin typeface="Courier New" panose="02070309020205020404" pitchFamily="49" charset="0"/>
+                <a:cs typeface="Courier New" panose="02070309020205020404" pitchFamily="49" charset="0"/>
+              </a:rPr>
+              <a:t>case</a:t>
+            </a:r>
+            <a:r>
+              <a:rPr lang="en-US" sz="2400" dirty="0">
+                <a:latin typeface="Courier New" panose="02070309020205020404" pitchFamily="49" charset="0"/>
+                <a:cs typeface="Courier New" panose="02070309020205020404" pitchFamily="49" charset="0"/>
+              </a:rPr>
+              <a:t> </a:t>
+            </a:r>
+            <a:r>
+              <a:rPr lang="en-US" sz="2400" b="1" dirty="0">
+                <a:solidFill>
+                  <a:srgbClr val="990099"/>
+                </a:solidFill>
+                <a:latin typeface="Courier New" panose="02070309020205020404" pitchFamily="49" charset="0"/>
+                <a:cs typeface="Courier New" panose="02070309020205020404" pitchFamily="49" charset="0"/>
+              </a:rPr>
               <a:t>class</a:t>
             </a:r>
             <a:r>
@@ -7462,263 +7843,66 @@
                 <a:latin typeface="Courier New" panose="02070309020205020404" pitchFamily="49" charset="0"/>
                 <a:cs typeface="Courier New" panose="02070309020205020404" pitchFamily="49" charset="0"/>
               </a:rPr>
+              <a:t> App(f: Term, v: Term) </a:t>
+            </a:r>
+            <a:r>
+              <a:rPr lang="en-US" sz="2400" b="1" dirty="0">
+                <a:solidFill>
+                  <a:srgbClr val="990099"/>
+                </a:solidFill>
+                <a:latin typeface="Courier New" panose="02070309020205020404" pitchFamily="49" charset="0"/>
+                <a:cs typeface="Courier New" panose="02070309020205020404" pitchFamily="49" charset="0"/>
+              </a:rPr>
+              <a:t>extends</a:t>
+            </a:r>
+            <a:r>
+              <a:rPr lang="en-US" sz="2400" dirty="0">
+                <a:latin typeface="Courier New" panose="02070309020205020404" pitchFamily="49" charset="0"/>
+                <a:cs typeface="Courier New" panose="02070309020205020404" pitchFamily="49" charset="0"/>
+              </a:rPr>
               <a:t> </a:t>
             </a:r>
             <a:r>
-              <a:rPr lang="en-US" sz="2400" b="1" dirty="0">
-                <a:solidFill>
-                  <a:srgbClr val="990099"/>
-                </a:solidFill>
-                <a:latin typeface="Courier New" panose="02070309020205020404" pitchFamily="49" charset="0"/>
-                <a:cs typeface="Courier New" panose="02070309020205020404" pitchFamily="49" charset="0"/>
-              </a:rPr>
-              <a:t>Book</a:t>
-            </a:r>
-            <a:r>
-              <a:rPr lang="en-US" sz="2400" dirty="0">
-                <a:latin typeface="Courier New" panose="02070309020205020404" pitchFamily="49" charset="0"/>
-                <a:cs typeface="Courier New" panose="02070309020205020404" pitchFamily="49" charset="0"/>
-              </a:rPr>
-              <a:t>(</a:t>
-            </a:r>
-            <a:r>
-              <a:rPr lang="en-US" sz="2400" b="1" dirty="0">
-                <a:solidFill>
-                  <a:srgbClr val="990099"/>
-                </a:solidFill>
-                <a:latin typeface="Courier New" panose="02070309020205020404" pitchFamily="49" charset="0"/>
-                <a:cs typeface="Courier New" panose="02070309020205020404" pitchFamily="49" charset="0"/>
-              </a:rPr>
-              <a:t>private </a:t>
-            </a:r>
-            <a:r>
-              <a:rPr lang="en-US" sz="2400" b="1" dirty="0" err="1">
-                <a:solidFill>
-                  <a:srgbClr val="990099"/>
-                </a:solidFill>
-                <a:latin typeface="Courier New" panose="02070309020205020404" pitchFamily="49" charset="0"/>
-                <a:cs typeface="Courier New" panose="02070309020205020404" pitchFamily="49" charset="0"/>
-              </a:rPr>
-              <a:t>var</a:t>
-            </a:r>
-            <a:r>
-              <a:rPr lang="en-US" sz="2400" dirty="0">
-                <a:latin typeface="Courier New" panose="02070309020205020404" pitchFamily="49" charset="0"/>
-                <a:cs typeface="Courier New" panose="02070309020205020404" pitchFamily="49" charset="0"/>
-              </a:rPr>
-              <a:t> _title: String) {</a:t>
+              <a:rPr lang="en-US" sz="2400" dirty="0" smtClean="0">
+                <a:latin typeface="Courier New" panose="02070309020205020404" pitchFamily="49" charset="0"/>
+                <a:cs typeface="Courier New" panose="02070309020205020404" pitchFamily="49" charset="0"/>
+              </a:rPr>
+              <a:t>Term</a:t>
             </a:r>
           </a:p>
           <a:p>
             <a:pPr marL="0" indent="0">
               <a:buNone/>
             </a:pPr>
-            <a:r>
-              <a:rPr lang="en-US" sz="2400" dirty="0">
-                <a:latin typeface="Courier New" panose="02070309020205020404" pitchFamily="49" charset="0"/>
-                <a:cs typeface="Courier New" panose="02070309020205020404" pitchFamily="49" charset="0"/>
-              </a:rPr>
-              <a:t>    </a:t>
-            </a:r>
-            <a:r>
-              <a:rPr lang="en-US" sz="2400" b="1" dirty="0" err="1">
-                <a:solidFill>
-                  <a:srgbClr val="990099"/>
-                </a:solidFill>
-                <a:latin typeface="Courier New" panose="02070309020205020404" pitchFamily="49" charset="0"/>
-                <a:cs typeface="Courier New" panose="02070309020205020404" pitchFamily="49" charset="0"/>
-              </a:rPr>
-              <a:t>def</a:t>
-            </a:r>
-            <a:r>
-              <a:rPr lang="en-US" sz="2400" dirty="0">
-                <a:latin typeface="Courier New" panose="02070309020205020404" pitchFamily="49" charset="0"/>
-                <a:cs typeface="Courier New" panose="02070309020205020404" pitchFamily="49" charset="0"/>
-              </a:rPr>
-              <a:t> title: String = _title</a:t>
-            </a:r>
-          </a:p>
-          <a:p>
-            <a:pPr marL="0" indent="0">
-              <a:buNone/>
-            </a:pPr>
-            <a:r>
-              <a:rPr lang="en-US" sz="2400" dirty="0">
-                <a:latin typeface="Courier New" panose="02070309020205020404" pitchFamily="49" charset="0"/>
-                <a:cs typeface="Courier New" panose="02070309020205020404" pitchFamily="49" charset="0"/>
-              </a:rPr>
-              <a:t>    </a:t>
-            </a:r>
-            <a:r>
-              <a:rPr lang="en-US" sz="2400" b="1" dirty="0" err="1">
-                <a:solidFill>
-                  <a:srgbClr val="990099"/>
-                </a:solidFill>
-                <a:latin typeface="Courier New" panose="02070309020205020404" pitchFamily="49" charset="0"/>
-                <a:cs typeface="Courier New" panose="02070309020205020404" pitchFamily="49" charset="0"/>
-              </a:rPr>
-              <a:t>def</a:t>
-            </a:r>
-            <a:r>
-              <a:rPr lang="en-US" sz="2400" dirty="0">
-                <a:latin typeface="Courier New" panose="02070309020205020404" pitchFamily="49" charset="0"/>
-                <a:cs typeface="Courier New" panose="02070309020205020404" pitchFamily="49" charset="0"/>
-              </a:rPr>
-              <a:t> title_=(v: String) { _title = v }</a:t>
-            </a:r>
-          </a:p>
-          <a:p>
-            <a:pPr marL="0" indent="0">
-              <a:buNone/>
-            </a:pPr>
-            <a:r>
-              <a:rPr lang="en-US" sz="2400" dirty="0">
-                <a:latin typeface="Courier New" panose="02070309020205020404" pitchFamily="49" charset="0"/>
-                <a:cs typeface="Courier New" panose="02070309020205020404" pitchFamily="49" charset="0"/>
-              </a:rPr>
-              <a:t>}</a:t>
-            </a:r>
-          </a:p>
-          <a:p>
-            <a:pPr marL="0" indent="0">
-              <a:buNone/>
-            </a:pPr>
-            <a:r>
-              <a:rPr lang="en-US" sz="2400" dirty="0">
-                <a:latin typeface="Courier New" panose="02070309020205020404" pitchFamily="49" charset="0"/>
-                <a:cs typeface="Courier New" panose="02070309020205020404" pitchFamily="49" charset="0"/>
-              </a:rPr>
-              <a:t>  </a:t>
-            </a:r>
-          </a:p>
-          <a:p>
-            <a:pPr marL="0" indent="0">
-              <a:buNone/>
-            </a:pPr>
-            <a:r>
-              <a:rPr lang="en-US" sz="2400" b="1" dirty="0" err="1">
-                <a:solidFill>
-                  <a:srgbClr val="990099"/>
-                </a:solidFill>
-                <a:latin typeface="Courier New" panose="02070309020205020404" pitchFamily="49" charset="0"/>
-                <a:cs typeface="Courier New" panose="02070309020205020404" pitchFamily="49" charset="0"/>
-              </a:rPr>
-              <a:t>val</a:t>
-            </a:r>
-            <a:r>
-              <a:rPr lang="en-US" sz="2400" dirty="0">
-                <a:latin typeface="Courier New" panose="02070309020205020404" pitchFamily="49" charset="0"/>
-                <a:cs typeface="Courier New" panose="02070309020205020404" pitchFamily="49" charset="0"/>
-              </a:rPr>
-              <a:t> book = </a:t>
-            </a:r>
-            <a:r>
-              <a:rPr lang="en-US" sz="2400" b="1" dirty="0">
-                <a:solidFill>
-                  <a:srgbClr val="990099"/>
-                </a:solidFill>
-                <a:latin typeface="Courier New" panose="02070309020205020404" pitchFamily="49" charset="0"/>
-                <a:cs typeface="Courier New" panose="02070309020205020404" pitchFamily="49" charset="0"/>
-              </a:rPr>
-              <a:t>new</a:t>
-            </a:r>
-            <a:r>
-              <a:rPr lang="en-US" sz="2400" dirty="0">
-                <a:latin typeface="Courier New" panose="02070309020205020404" pitchFamily="49" charset="0"/>
-                <a:cs typeface="Courier New" panose="02070309020205020404" pitchFamily="49" charset="0"/>
-              </a:rPr>
-              <a:t> Book("1984")      </a:t>
-            </a:r>
-          </a:p>
-          <a:p>
-            <a:pPr marL="0" indent="0">
-              <a:buNone/>
-            </a:pPr>
-            <a:r>
-              <a:rPr lang="en-US" sz="2400" dirty="0">
-                <a:latin typeface="Courier New" panose="02070309020205020404" pitchFamily="49" charset="0"/>
-                <a:cs typeface="Courier New" panose="02070309020205020404" pitchFamily="49" charset="0"/>
-              </a:rPr>
-              <a:t>                                   </a:t>
-            </a:r>
-          </a:p>
-          <a:p>
-            <a:pPr marL="0" indent="0">
-              <a:buNone/>
-            </a:pPr>
-            <a:r>
-              <a:rPr lang="en-US" sz="2400" b="1" dirty="0" err="1">
-                <a:solidFill>
-                  <a:srgbClr val="990099"/>
-                </a:solidFill>
-                <a:latin typeface="Courier New" panose="02070309020205020404" pitchFamily="49" charset="0"/>
-                <a:cs typeface="Courier New" panose="02070309020205020404" pitchFamily="49" charset="0"/>
-              </a:rPr>
-              <a:t>val</a:t>
-            </a:r>
-            <a:r>
-              <a:rPr lang="en-US" sz="2400" dirty="0">
-                <a:latin typeface="Courier New" panose="02070309020205020404" pitchFamily="49" charset="0"/>
-                <a:cs typeface="Courier New" panose="02070309020205020404" pitchFamily="49" charset="0"/>
-              </a:rPr>
-              <a:t> title = </a:t>
-            </a:r>
-            <a:r>
-              <a:rPr lang="en-US" sz="2400" dirty="0" err="1">
-                <a:latin typeface="Courier New" panose="02070309020205020404" pitchFamily="49" charset="0"/>
-                <a:cs typeface="Courier New" panose="02070309020205020404" pitchFamily="49" charset="0"/>
-              </a:rPr>
-              <a:t>book.title</a:t>
-            </a:r>
-            <a:r>
-              <a:rPr lang="en-US" sz="2400" dirty="0">
-                <a:latin typeface="Courier New" panose="02070309020205020404" pitchFamily="49" charset="0"/>
-                <a:cs typeface="Courier New" panose="02070309020205020404" pitchFamily="49" charset="0"/>
-              </a:rPr>
-              <a:t>           </a:t>
-            </a:r>
-          </a:p>
-          <a:p>
-            <a:pPr marL="0" indent="0">
-              <a:buNone/>
-            </a:pPr>
-            <a:r>
-              <a:rPr lang="en-US" sz="2400" dirty="0" err="1">
-                <a:latin typeface="Courier New" panose="02070309020205020404" pitchFamily="49" charset="0"/>
-                <a:cs typeface="Courier New" panose="02070309020205020404" pitchFamily="49" charset="0"/>
-              </a:rPr>
-              <a:t>book.title</a:t>
-            </a:r>
-            <a:r>
-              <a:rPr lang="en-US" sz="2400" dirty="0">
-                <a:latin typeface="Courier New" panose="02070309020205020404" pitchFamily="49" charset="0"/>
-                <a:cs typeface="Courier New" panose="02070309020205020404" pitchFamily="49" charset="0"/>
-              </a:rPr>
-              <a:t> = "Animal Farm"</a:t>
-            </a:r>
-          </a:p>
-          <a:p>
-            <a:pPr marL="0" indent="0">
-              <a:buNone/>
-            </a:pPr>
-            <a:r>
-              <a:rPr lang="en-US" sz="2400" dirty="0" err="1">
-                <a:latin typeface="Courier New" panose="02070309020205020404" pitchFamily="49" charset="0"/>
-                <a:cs typeface="Courier New" panose="02070309020205020404" pitchFamily="49" charset="0"/>
-              </a:rPr>
-              <a:t>book.title</a:t>
-            </a:r>
-            <a:endParaRPr lang="pt-PT" sz="2400" dirty="0">
+            <a:endParaRPr lang="en-US" sz="2400" dirty="0" smtClean="0">
               <a:latin typeface="Courier New" panose="02070309020205020404" pitchFamily="49" charset="0"/>
               <a:cs typeface="Courier New" panose="02070309020205020404" pitchFamily="49" charset="0"/>
             </a:endParaRPr>
           </a:p>
+          <a:p>
+            <a:pPr marL="0" indent="0">
+              <a:buNone/>
+            </a:pPr>
+            <a:r>
+              <a:rPr lang="en-US" dirty="0" smtClean="0"/>
+              <a:t>“Case </a:t>
+            </a:r>
+            <a:r>
+              <a:rPr lang="en-US" dirty="0"/>
+              <a:t>classes are regular classes which export their constructor parameters and which provide a recursive decomposition mechanism via pattern matching</a:t>
+            </a:r>
+            <a:r>
+              <a:rPr lang="en-US" dirty="0" smtClean="0"/>
+              <a:t>.”</a:t>
+            </a:r>
+            <a:endParaRPr lang="en-US" dirty="0"/>
+          </a:p>
         </p:txBody>
       </p:sp>
     </p:spTree>
     <p:extLst>
       <p:ext uri="{BB962C8B-B14F-4D97-AF65-F5344CB8AC3E}">
-        <p14:creationId xmlns:p14="http://schemas.microsoft.com/office/powerpoint/2010/main" val="544704127"/>
+        <p14:creationId xmlns:p14="http://schemas.microsoft.com/office/powerpoint/2010/main" val="985422679"/>
       </p:ext>
     </p:extLst>
   </p:cSld>
@@ -7762,6 +7946,347 @@
           <a:p>
             <a:r>
               <a:rPr lang="pt-PT" dirty="0" smtClean="0"/>
+              <a:t>Properties</a:t>
+            </a:r>
+            <a:endParaRPr lang="pt-PT" dirty="0"/>
+          </a:p>
+        </p:txBody>
+      </p:sp>
+      <p:sp>
+        <p:nvSpPr>
+          <p:cNvPr id="3" name="Content Placeholder 2"/>
+          <p:cNvSpPr>
+            <a:spLocks noGrp="1"/>
+          </p:cNvSpPr>
+          <p:nvPr>
+            <p:ph idx="1"/>
+          </p:nvPr>
+        </p:nvSpPr>
+        <p:spPr/>
+        <p:txBody>
+          <a:bodyPr>
+            <a:noAutofit/>
+          </a:bodyPr>
+          <a:lstStyle/>
+          <a:p>
+            <a:pPr marL="0" indent="0">
+              <a:buNone/>
+            </a:pPr>
+            <a:r>
+              <a:rPr lang="en-US" sz="2400" b="1" dirty="0">
+                <a:solidFill>
+                  <a:srgbClr val="990099"/>
+                </a:solidFill>
+                <a:latin typeface="Courier New" panose="02070309020205020404" pitchFamily="49" charset="0"/>
+                <a:cs typeface="Courier New" panose="02070309020205020404" pitchFamily="49" charset="0"/>
+              </a:rPr>
+              <a:t>class</a:t>
+            </a:r>
+            <a:r>
+              <a:rPr lang="en-US" sz="2400" dirty="0">
+                <a:latin typeface="Courier New" panose="02070309020205020404" pitchFamily="49" charset="0"/>
+                <a:cs typeface="Courier New" panose="02070309020205020404" pitchFamily="49" charset="0"/>
+              </a:rPr>
+              <a:t> </a:t>
+            </a:r>
+            <a:r>
+              <a:rPr lang="en-US" sz="2400" b="1" dirty="0">
+                <a:solidFill>
+                  <a:srgbClr val="990099"/>
+                </a:solidFill>
+                <a:latin typeface="Courier New" panose="02070309020205020404" pitchFamily="49" charset="0"/>
+                <a:cs typeface="Courier New" panose="02070309020205020404" pitchFamily="49" charset="0"/>
+              </a:rPr>
+              <a:t>Book</a:t>
+            </a:r>
+            <a:r>
+              <a:rPr lang="en-US" sz="2400" dirty="0">
+                <a:latin typeface="Courier New" panose="02070309020205020404" pitchFamily="49" charset="0"/>
+                <a:cs typeface="Courier New" panose="02070309020205020404" pitchFamily="49" charset="0"/>
+              </a:rPr>
+              <a:t>(</a:t>
+            </a:r>
+            <a:r>
+              <a:rPr lang="en-US" sz="2400" b="1" dirty="0">
+                <a:solidFill>
+                  <a:srgbClr val="990099"/>
+                </a:solidFill>
+                <a:latin typeface="Courier New" panose="02070309020205020404" pitchFamily="49" charset="0"/>
+                <a:cs typeface="Courier New" panose="02070309020205020404" pitchFamily="49" charset="0"/>
+              </a:rPr>
+              <a:t>private </a:t>
+            </a:r>
+            <a:r>
+              <a:rPr lang="en-US" sz="2400" b="1" dirty="0" err="1">
+                <a:solidFill>
+                  <a:srgbClr val="990099"/>
+                </a:solidFill>
+                <a:latin typeface="Courier New" panose="02070309020205020404" pitchFamily="49" charset="0"/>
+                <a:cs typeface="Courier New" panose="02070309020205020404" pitchFamily="49" charset="0"/>
+              </a:rPr>
+              <a:t>var</a:t>
+            </a:r>
+            <a:r>
+              <a:rPr lang="en-US" sz="2400" dirty="0">
+                <a:latin typeface="Courier New" panose="02070309020205020404" pitchFamily="49" charset="0"/>
+                <a:cs typeface="Courier New" panose="02070309020205020404" pitchFamily="49" charset="0"/>
+              </a:rPr>
+              <a:t> _title: String) {</a:t>
+            </a:r>
+          </a:p>
+          <a:p>
+            <a:pPr marL="0" indent="0">
+              <a:buNone/>
+            </a:pPr>
+            <a:r>
+              <a:rPr lang="en-US" sz="2400" dirty="0">
+                <a:latin typeface="Courier New" panose="02070309020205020404" pitchFamily="49" charset="0"/>
+                <a:cs typeface="Courier New" panose="02070309020205020404" pitchFamily="49" charset="0"/>
+              </a:rPr>
+              <a:t>    </a:t>
+            </a:r>
+            <a:r>
+              <a:rPr lang="en-US" sz="2400" b="1" dirty="0" err="1">
+                <a:solidFill>
+                  <a:srgbClr val="990099"/>
+                </a:solidFill>
+                <a:latin typeface="Courier New" panose="02070309020205020404" pitchFamily="49" charset="0"/>
+                <a:cs typeface="Courier New" panose="02070309020205020404" pitchFamily="49" charset="0"/>
+              </a:rPr>
+              <a:t>def</a:t>
+            </a:r>
+            <a:r>
+              <a:rPr lang="en-US" sz="2400" dirty="0">
+                <a:latin typeface="Courier New" panose="02070309020205020404" pitchFamily="49" charset="0"/>
+                <a:cs typeface="Courier New" panose="02070309020205020404" pitchFamily="49" charset="0"/>
+              </a:rPr>
+              <a:t> title: String = _title</a:t>
+            </a:r>
+          </a:p>
+          <a:p>
+            <a:pPr marL="0" indent="0">
+              <a:buNone/>
+            </a:pPr>
+            <a:r>
+              <a:rPr lang="en-US" sz="2400" dirty="0">
+                <a:latin typeface="Courier New" panose="02070309020205020404" pitchFamily="49" charset="0"/>
+                <a:cs typeface="Courier New" panose="02070309020205020404" pitchFamily="49" charset="0"/>
+              </a:rPr>
+              <a:t>    </a:t>
+            </a:r>
+            <a:r>
+              <a:rPr lang="en-US" sz="2400" b="1" dirty="0" err="1">
+                <a:solidFill>
+                  <a:srgbClr val="990099"/>
+                </a:solidFill>
+                <a:latin typeface="Courier New" panose="02070309020205020404" pitchFamily="49" charset="0"/>
+                <a:cs typeface="Courier New" panose="02070309020205020404" pitchFamily="49" charset="0"/>
+              </a:rPr>
+              <a:t>def</a:t>
+            </a:r>
+            <a:r>
+              <a:rPr lang="en-US" sz="2400" dirty="0">
+                <a:latin typeface="Courier New" panose="02070309020205020404" pitchFamily="49" charset="0"/>
+                <a:cs typeface="Courier New" panose="02070309020205020404" pitchFamily="49" charset="0"/>
+              </a:rPr>
+              <a:t> title_=(v: String) { _title = v }</a:t>
+            </a:r>
+          </a:p>
+          <a:p>
+            <a:pPr marL="0" indent="0">
+              <a:buNone/>
+            </a:pPr>
+            <a:r>
+              <a:rPr lang="en-US" sz="2400" dirty="0">
+                <a:latin typeface="Courier New" panose="02070309020205020404" pitchFamily="49" charset="0"/>
+                <a:cs typeface="Courier New" panose="02070309020205020404" pitchFamily="49" charset="0"/>
+              </a:rPr>
+              <a:t>}</a:t>
+            </a:r>
+          </a:p>
+          <a:p>
+            <a:pPr marL="0" indent="0">
+              <a:buNone/>
+            </a:pPr>
+            <a:r>
+              <a:rPr lang="en-US" sz="2400" dirty="0">
+                <a:latin typeface="Courier New" panose="02070309020205020404" pitchFamily="49" charset="0"/>
+                <a:cs typeface="Courier New" panose="02070309020205020404" pitchFamily="49" charset="0"/>
+              </a:rPr>
+              <a:t>  </a:t>
+            </a:r>
+          </a:p>
+          <a:p>
+            <a:pPr marL="0" indent="0">
+              <a:buNone/>
+            </a:pPr>
+            <a:r>
+              <a:rPr lang="en-US" sz="2400" b="1" dirty="0" err="1">
+                <a:solidFill>
+                  <a:srgbClr val="990099"/>
+                </a:solidFill>
+                <a:latin typeface="Courier New" panose="02070309020205020404" pitchFamily="49" charset="0"/>
+                <a:cs typeface="Courier New" panose="02070309020205020404" pitchFamily="49" charset="0"/>
+              </a:rPr>
+              <a:t>val</a:t>
+            </a:r>
+            <a:r>
+              <a:rPr lang="en-US" sz="2400" dirty="0">
+                <a:latin typeface="Courier New" panose="02070309020205020404" pitchFamily="49" charset="0"/>
+                <a:cs typeface="Courier New" panose="02070309020205020404" pitchFamily="49" charset="0"/>
+              </a:rPr>
+              <a:t> book = </a:t>
+            </a:r>
+            <a:r>
+              <a:rPr lang="en-US" sz="2400" b="1" dirty="0">
+                <a:solidFill>
+                  <a:srgbClr val="990099"/>
+                </a:solidFill>
+                <a:latin typeface="Courier New" panose="02070309020205020404" pitchFamily="49" charset="0"/>
+                <a:cs typeface="Courier New" panose="02070309020205020404" pitchFamily="49" charset="0"/>
+              </a:rPr>
+              <a:t>new</a:t>
+            </a:r>
+            <a:r>
+              <a:rPr lang="en-US" sz="2400" dirty="0">
+                <a:latin typeface="Courier New" panose="02070309020205020404" pitchFamily="49" charset="0"/>
+                <a:cs typeface="Courier New" panose="02070309020205020404" pitchFamily="49" charset="0"/>
+              </a:rPr>
+              <a:t> Book("1984")      </a:t>
+            </a:r>
+          </a:p>
+          <a:p>
+            <a:pPr marL="0" indent="0">
+              <a:buNone/>
+            </a:pPr>
+            <a:r>
+              <a:rPr lang="en-US" sz="2400" dirty="0">
+                <a:latin typeface="Courier New" panose="02070309020205020404" pitchFamily="49" charset="0"/>
+                <a:cs typeface="Courier New" panose="02070309020205020404" pitchFamily="49" charset="0"/>
+              </a:rPr>
+              <a:t>                                   </a:t>
+            </a:r>
+          </a:p>
+          <a:p>
+            <a:pPr marL="0" indent="0">
+              <a:buNone/>
+            </a:pPr>
+            <a:r>
+              <a:rPr lang="en-US" sz="2400" b="1" dirty="0" err="1">
+                <a:solidFill>
+                  <a:srgbClr val="990099"/>
+                </a:solidFill>
+                <a:latin typeface="Courier New" panose="02070309020205020404" pitchFamily="49" charset="0"/>
+                <a:cs typeface="Courier New" panose="02070309020205020404" pitchFamily="49" charset="0"/>
+              </a:rPr>
+              <a:t>val</a:t>
+            </a:r>
+            <a:r>
+              <a:rPr lang="en-US" sz="2400" dirty="0">
+                <a:latin typeface="Courier New" panose="02070309020205020404" pitchFamily="49" charset="0"/>
+                <a:cs typeface="Courier New" panose="02070309020205020404" pitchFamily="49" charset="0"/>
+              </a:rPr>
+              <a:t> title = </a:t>
+            </a:r>
+            <a:r>
+              <a:rPr lang="en-US" sz="2400" dirty="0" err="1">
+                <a:latin typeface="Courier New" panose="02070309020205020404" pitchFamily="49" charset="0"/>
+                <a:cs typeface="Courier New" panose="02070309020205020404" pitchFamily="49" charset="0"/>
+              </a:rPr>
+              <a:t>book.title</a:t>
+            </a:r>
+            <a:r>
+              <a:rPr lang="en-US" sz="2400" dirty="0">
+                <a:latin typeface="Courier New" panose="02070309020205020404" pitchFamily="49" charset="0"/>
+                <a:cs typeface="Courier New" panose="02070309020205020404" pitchFamily="49" charset="0"/>
+              </a:rPr>
+              <a:t>           </a:t>
+            </a:r>
+          </a:p>
+          <a:p>
+            <a:pPr marL="0" indent="0">
+              <a:buNone/>
+            </a:pPr>
+            <a:r>
+              <a:rPr lang="en-US" sz="2400" dirty="0" err="1">
+                <a:latin typeface="Courier New" panose="02070309020205020404" pitchFamily="49" charset="0"/>
+                <a:cs typeface="Courier New" panose="02070309020205020404" pitchFamily="49" charset="0"/>
+              </a:rPr>
+              <a:t>book.title</a:t>
+            </a:r>
+            <a:r>
+              <a:rPr lang="en-US" sz="2400" dirty="0">
+                <a:latin typeface="Courier New" panose="02070309020205020404" pitchFamily="49" charset="0"/>
+                <a:cs typeface="Courier New" panose="02070309020205020404" pitchFamily="49" charset="0"/>
+              </a:rPr>
+              <a:t> = "Animal Farm"</a:t>
+            </a:r>
+          </a:p>
+          <a:p>
+            <a:pPr marL="0" indent="0">
+              <a:buNone/>
+            </a:pPr>
+            <a:r>
+              <a:rPr lang="en-US" sz="2400" dirty="0" err="1">
+                <a:latin typeface="Courier New" panose="02070309020205020404" pitchFamily="49" charset="0"/>
+                <a:cs typeface="Courier New" panose="02070309020205020404" pitchFamily="49" charset="0"/>
+              </a:rPr>
+              <a:t>book.title</a:t>
+            </a:r>
+            <a:endParaRPr lang="pt-PT" sz="2400" dirty="0">
+              <a:latin typeface="Courier New" panose="02070309020205020404" pitchFamily="49" charset="0"/>
+              <a:cs typeface="Courier New" panose="02070309020205020404" pitchFamily="49" charset="0"/>
+            </a:endParaRPr>
+          </a:p>
+        </p:txBody>
+      </p:sp>
+    </p:spTree>
+    <p:extLst>
+      <p:ext uri="{BB962C8B-B14F-4D97-AF65-F5344CB8AC3E}">
+        <p14:creationId xmlns:p14="http://schemas.microsoft.com/office/powerpoint/2010/main" val="544704127"/>
+      </p:ext>
+    </p:extLst>
+  </p:cSld>
+  <p:clrMapOvr>
+    <a:masterClrMapping/>
+  </p:clrMapOvr>
+</p:sld>
+</file>
+
+<file path=ppt/slides/slide27.xml><?xml version="1.0" encoding="utf-8"?>
+<p:sld xmlns:a="http://schemas.openxmlformats.org/drawingml/2006/main" xmlns:r="http://schemas.openxmlformats.org/officeDocument/2006/relationships" xmlns:p="http://schemas.openxmlformats.org/presentationml/2006/main">
+  <p:cSld>
+    <p:spTree>
+      <p:nvGrpSpPr>
+        <p:cNvPr id="1" name=""/>
+        <p:cNvGrpSpPr/>
+        <p:nvPr/>
+      </p:nvGrpSpPr>
+      <p:grpSpPr>
+        <a:xfrm>
+          <a:off x="0" y="0"/>
+          <a:ext cx="0" cy="0"/>
+          <a:chOff x="0" y="0"/>
+          <a:chExt cx="0" cy="0"/>
+        </a:xfrm>
+      </p:grpSpPr>
+      <p:sp>
+        <p:nvSpPr>
+          <p:cNvPr id="2" name="Title 1"/>
+          <p:cNvSpPr>
+            <a:spLocks noGrp="1"/>
+          </p:cNvSpPr>
+          <p:nvPr>
+            <p:ph type="title"/>
+          </p:nvPr>
+        </p:nvSpPr>
+        <p:spPr/>
+        <p:txBody>
+          <a:bodyPr/>
+          <a:lstStyle/>
+          <a:p>
+            <a:r>
+              <a:rPr lang="pt-PT" dirty="0" smtClean="0"/>
               <a:t>Conciseness</a:t>
             </a:r>
             <a:endParaRPr lang="pt-PT" dirty="0"/>
@@ -7840,7 +8365,7 @@
 </p:sld>
 </file>
 
-<file path=ppt/slides/slide27.xml><?xml version="1.0" encoding="utf-8"?>
+<file path=ppt/slides/slide28.xml><?xml version="1.0" encoding="utf-8"?>
 <p:sld xmlns:a="http://schemas.openxmlformats.org/drawingml/2006/main" xmlns:r="http://schemas.openxmlformats.org/officeDocument/2006/relationships" xmlns:p="http://schemas.openxmlformats.org/presentationml/2006/main" show="0">
   <p:cSld>
     <p:spTree>
@@ -7920,7 +8445,7 @@
 </p:sld>
 </file>
 
-<file path=ppt/slides/slide28.xml><?xml version="1.0" encoding="utf-8"?>
+<file path=ppt/slides/slide29.xml><?xml version="1.0" encoding="utf-8"?>
 <p:sld xmlns:a="http://schemas.openxmlformats.org/drawingml/2006/main" xmlns:r="http://schemas.openxmlformats.org/officeDocument/2006/relationships" xmlns:p="http://schemas.openxmlformats.org/presentationml/2006/main" show="0">
   <p:cSld>
     <p:spTree>
@@ -7997,133 +8522,6 @@
       <p:transition spd="slow"/>
     </mc:Fallback>
   </mc:AlternateContent>
-</p:sld>
-</file>
-
-<file path=ppt/slides/slide29.xml><?xml version="1.0" encoding="utf-8"?>
-<p:sld xmlns:a="http://schemas.openxmlformats.org/drawingml/2006/main" xmlns:r="http://schemas.openxmlformats.org/officeDocument/2006/relationships" xmlns:p="http://schemas.openxmlformats.org/presentationml/2006/main">
-  <p:cSld>
-    <p:spTree>
-      <p:nvGrpSpPr>
-        <p:cNvPr id="1" name=""/>
-        <p:cNvGrpSpPr/>
-        <p:nvPr/>
-      </p:nvGrpSpPr>
-      <p:grpSpPr>
-        <a:xfrm>
-          <a:off x="0" y="0"/>
-          <a:ext cx="0" cy="0"/>
-          <a:chOff x="0" y="0"/>
-          <a:chExt cx="0" cy="0"/>
-        </a:xfrm>
-      </p:grpSpPr>
-      <p:sp>
-        <p:nvSpPr>
-          <p:cNvPr id="2" name="Title 1"/>
-          <p:cNvSpPr>
-            <a:spLocks noGrp="1"/>
-          </p:cNvSpPr>
-          <p:nvPr>
-            <p:ph type="title"/>
-          </p:nvPr>
-        </p:nvSpPr>
-        <p:spPr/>
-        <p:txBody>
-          <a:bodyPr/>
-          <a:lstStyle/>
-          <a:p>
-            <a:r>
-              <a:rPr lang="pt-PT" dirty="0" smtClean="0"/>
-              <a:t>The bad</a:t>
-            </a:r>
-            <a:endParaRPr lang="pt-PT" dirty="0"/>
-          </a:p>
-        </p:txBody>
-      </p:sp>
-      <p:sp>
-        <p:nvSpPr>
-          <p:cNvPr id="3" name="Content Placeholder 2"/>
-          <p:cNvSpPr>
-            <a:spLocks noGrp="1"/>
-          </p:cNvSpPr>
-          <p:nvPr>
-            <p:ph idx="1"/>
-          </p:nvPr>
-        </p:nvSpPr>
-        <p:spPr/>
-        <p:txBody>
-          <a:bodyPr/>
-          <a:lstStyle/>
-          <a:p>
-            <a:r>
-              <a:rPr lang="pt-PT" dirty="0" smtClean="0"/>
-              <a:t>Many ways to do the same </a:t>
-            </a:r>
-            <a:r>
-              <a:rPr lang="pt-PT" dirty="0" smtClean="0"/>
-              <a:t>thing (can be confusing especially when you are reading someone else’s code)</a:t>
-            </a:r>
-            <a:endParaRPr lang="pt-PT" dirty="0" smtClean="0"/>
-          </a:p>
-          <a:p>
-            <a:r>
-              <a:rPr lang="pt-PT" dirty="0" smtClean="0"/>
-              <a:t>Easy to do ineficient code if you don’t know what you are doing</a:t>
-            </a:r>
-          </a:p>
-          <a:p>
-            <a:r>
-              <a:rPr lang="pt-PT" dirty="0" smtClean="0"/>
-              <a:t>Many people complain about the build </a:t>
-            </a:r>
-            <a:r>
-              <a:rPr lang="pt-PT" dirty="0" smtClean="0"/>
-              <a:t>times</a:t>
-            </a:r>
-            <a:endParaRPr lang="pt-PT" dirty="0" smtClean="0"/>
-          </a:p>
-          <a:p>
-            <a:r>
-              <a:rPr lang="pt-PT" dirty="0" smtClean="0"/>
-              <a:t>And also complain about the complexity of </a:t>
-            </a:r>
-            <a:r>
-              <a:rPr lang="pt-PT" dirty="0" smtClean="0"/>
-              <a:t>SBT</a:t>
-            </a:r>
-          </a:p>
-          <a:p>
-            <a:r>
-              <a:rPr lang="pt-PT" dirty="0" smtClean="0"/>
-              <a:t>Functions names... (next slide)</a:t>
-            </a:r>
-          </a:p>
-          <a:p>
-            <a:r>
-              <a:rPr lang="pt-PT" dirty="0" smtClean="0"/>
-              <a:t>Tools could be better</a:t>
-            </a:r>
-            <a:endParaRPr lang="pt-PT" dirty="0" smtClean="0"/>
-          </a:p>
-        </p:txBody>
-      </p:sp>
-    </p:spTree>
-    <p:extLst>
-      <p:ext uri="{BB962C8B-B14F-4D97-AF65-F5344CB8AC3E}">
-        <p14:creationId xmlns:p14="http://schemas.microsoft.com/office/powerpoint/2010/main" val="756241714"/>
-      </p:ext>
-    </p:extLst>
-  </p:cSld>
-  <p:clrMapOvr>
-    <a:masterClrMapping/>
-  </p:clrMapOvr>
-  <p:timing>
-    <p:tnLst>
-      <p:par>
-        <p:cTn id="1" dur="indefinite" restart="never" nodeType="tmRoot"/>
-      </p:par>
-    </p:tnLst>
-  </p:timing>
 </p:sld>
 </file>
 
@@ -8401,6 +8799,152 @@
           <a:p>
             <a:r>
               <a:rPr lang="pt-PT" dirty="0" smtClean="0"/>
+              <a:t>The bad</a:t>
+            </a:r>
+            <a:endParaRPr lang="pt-PT" dirty="0"/>
+          </a:p>
+        </p:txBody>
+      </p:sp>
+      <p:sp>
+        <p:nvSpPr>
+          <p:cNvPr id="3" name="Content Placeholder 2"/>
+          <p:cNvSpPr>
+            <a:spLocks noGrp="1"/>
+          </p:cNvSpPr>
+          <p:nvPr>
+            <p:ph idx="1"/>
+          </p:nvPr>
+        </p:nvSpPr>
+        <p:spPr/>
+        <p:txBody>
+          <a:bodyPr/>
+          <a:lstStyle/>
+          <a:p>
+            <a:r>
+              <a:rPr lang="pt-PT" dirty="0" smtClean="0"/>
+              <a:t>Many ways to do the same </a:t>
+            </a:r>
+            <a:r>
+              <a:rPr lang="pt-PT" dirty="0" smtClean="0"/>
+              <a:t>thing (can be confusing especially when you are reading someone else’s code)</a:t>
+            </a:r>
+          </a:p>
+          <a:p>
+            <a:r>
+              <a:rPr lang="pt-PT" dirty="0" smtClean="0"/>
+              <a:t>Big language</a:t>
+            </a:r>
+            <a:endParaRPr lang="pt-PT" dirty="0" smtClean="0"/>
+          </a:p>
+          <a:p>
+            <a:r>
+              <a:rPr lang="pt-PT" dirty="0" smtClean="0"/>
+              <a:t>Easy to do ineficient code if you don’t know what you are </a:t>
+            </a:r>
+            <a:r>
+              <a:rPr lang="pt-PT" dirty="0" smtClean="0"/>
+              <a:t>doing (</a:t>
+            </a:r>
+            <a:r>
+              <a:rPr lang="pt-PT" i="1" dirty="0" smtClean="0"/>
+              <a:t>e.g. </a:t>
+            </a:r>
+            <a:r>
+              <a:rPr lang="pt-PT" dirty="0" smtClean="0"/>
+              <a:t>for expressions are not what you think)</a:t>
+            </a:r>
+            <a:endParaRPr lang="pt-PT" dirty="0" smtClean="0"/>
+          </a:p>
+          <a:p>
+            <a:r>
+              <a:rPr lang="pt-PT" dirty="0" smtClean="0"/>
+              <a:t>Many people complain about the build </a:t>
+            </a:r>
+            <a:r>
+              <a:rPr lang="pt-PT" dirty="0" smtClean="0"/>
+              <a:t>times</a:t>
+            </a:r>
+            <a:endParaRPr lang="pt-PT" dirty="0" smtClean="0"/>
+          </a:p>
+          <a:p>
+            <a:r>
+              <a:rPr lang="pt-PT" dirty="0" smtClean="0"/>
+              <a:t>And also complain about the complexity of </a:t>
+            </a:r>
+            <a:r>
+              <a:rPr lang="pt-PT" dirty="0" smtClean="0"/>
+              <a:t>SBT</a:t>
+            </a:r>
+          </a:p>
+          <a:p>
+            <a:r>
+              <a:rPr lang="pt-PT" dirty="0" smtClean="0"/>
+              <a:t>Functions names... (next slide)</a:t>
+            </a:r>
+          </a:p>
+          <a:p>
+            <a:r>
+              <a:rPr lang="pt-PT" dirty="0" smtClean="0"/>
+              <a:t>Tools could be better</a:t>
+            </a:r>
+            <a:endParaRPr lang="pt-PT" dirty="0" smtClean="0"/>
+          </a:p>
+        </p:txBody>
+      </p:sp>
+    </p:spTree>
+    <p:extLst>
+      <p:ext uri="{BB962C8B-B14F-4D97-AF65-F5344CB8AC3E}">
+        <p14:creationId xmlns:p14="http://schemas.microsoft.com/office/powerpoint/2010/main" val="756241714"/>
+      </p:ext>
+    </p:extLst>
+  </p:cSld>
+  <p:clrMapOvr>
+    <a:masterClrMapping/>
+  </p:clrMapOvr>
+  <p:timing>
+    <p:tnLst>
+      <p:par>
+        <p:cTn id="1" dur="indefinite" restart="never" nodeType="tmRoot"/>
+      </p:par>
+    </p:tnLst>
+  </p:timing>
+</p:sld>
+</file>
+
+<file path=ppt/slides/slide31.xml><?xml version="1.0" encoding="utf-8"?>
+<p:sld xmlns:a="http://schemas.openxmlformats.org/drawingml/2006/main" xmlns:r="http://schemas.openxmlformats.org/officeDocument/2006/relationships" xmlns:p="http://schemas.openxmlformats.org/presentationml/2006/main">
+  <p:cSld>
+    <p:spTree>
+      <p:nvGrpSpPr>
+        <p:cNvPr id="1" name=""/>
+        <p:cNvGrpSpPr/>
+        <p:nvPr/>
+      </p:nvGrpSpPr>
+      <p:grpSpPr>
+        <a:xfrm>
+          <a:off x="0" y="0"/>
+          <a:ext cx="0" cy="0"/>
+          <a:chOff x="0" y="0"/>
+          <a:chExt cx="0" cy="0"/>
+        </a:xfrm>
+      </p:grpSpPr>
+      <p:sp>
+        <p:nvSpPr>
+          <p:cNvPr id="2" name="Title 1"/>
+          <p:cNvSpPr>
+            <a:spLocks noGrp="1"/>
+          </p:cNvSpPr>
+          <p:nvPr>
+            <p:ph type="title"/>
+          </p:nvPr>
+        </p:nvSpPr>
+        <p:spPr/>
+        <p:txBody>
+          <a:bodyPr/>
+          <a:lstStyle/>
+          <a:p>
+            <a:r>
+              <a:rPr lang="pt-PT" dirty="0" smtClean="0"/>
               <a:t>Function names (List)</a:t>
             </a:r>
             <a:endParaRPr lang="pt-PT" dirty="0"/>
@@ -8446,131 +8990,6 @@
 </p:sld>
 </file>
 
-<file path=ppt/slides/slide31.xml><?xml version="1.0" encoding="utf-8"?>
-<p:sld xmlns:a="http://schemas.openxmlformats.org/drawingml/2006/main" xmlns:r="http://schemas.openxmlformats.org/officeDocument/2006/relationships" xmlns:p="http://schemas.openxmlformats.org/presentationml/2006/main">
-  <p:cSld>
-    <p:spTree>
-      <p:nvGrpSpPr>
-        <p:cNvPr id="1" name=""/>
-        <p:cNvGrpSpPr/>
-        <p:nvPr/>
-      </p:nvGrpSpPr>
-      <p:grpSpPr>
-        <a:xfrm>
-          <a:off x="0" y="0"/>
-          <a:ext cx="0" cy="0"/>
-          <a:chOff x="0" y="0"/>
-          <a:chExt cx="0" cy="0"/>
-        </a:xfrm>
-      </p:grpSpPr>
-      <p:sp>
-        <p:nvSpPr>
-          <p:cNvPr id="2" name="Title 1"/>
-          <p:cNvSpPr>
-            <a:spLocks noGrp="1"/>
-          </p:cNvSpPr>
-          <p:nvPr>
-            <p:ph type="title"/>
-          </p:nvPr>
-        </p:nvSpPr>
-        <p:spPr/>
-        <p:txBody>
-          <a:bodyPr/>
-          <a:lstStyle/>
-          <a:p>
-            <a:r>
-              <a:rPr lang="pt-PT" dirty="0" smtClean="0"/>
-              <a:t>Important things this session hasn’t covered</a:t>
-            </a:r>
-            <a:endParaRPr lang="pt-PT" dirty="0"/>
-          </a:p>
-        </p:txBody>
-      </p:sp>
-      <p:sp>
-        <p:nvSpPr>
-          <p:cNvPr id="3" name="Content Placeholder 2"/>
-          <p:cNvSpPr>
-            <a:spLocks noGrp="1"/>
-          </p:cNvSpPr>
-          <p:nvPr>
-            <p:ph idx="1"/>
-          </p:nvPr>
-        </p:nvSpPr>
-        <p:spPr/>
-        <p:txBody>
-          <a:bodyPr>
-            <a:normAutofit lnSpcReduction="10000"/>
-          </a:bodyPr>
-          <a:lstStyle/>
-          <a:p>
-            <a:r>
-              <a:rPr lang="pt-PT" dirty="0" smtClean="0"/>
-              <a:t>Implicit conversions</a:t>
-            </a:r>
-          </a:p>
-          <a:p>
-            <a:r>
-              <a:rPr lang="pt-PT" dirty="0" smtClean="0"/>
-              <a:t>Lazy keyword</a:t>
-            </a:r>
-          </a:p>
-          <a:p>
-            <a:r>
-              <a:rPr lang="pt-PT" dirty="0" smtClean="0"/>
-              <a:t>Streams</a:t>
-            </a:r>
-          </a:p>
-          <a:p>
-            <a:r>
-              <a:rPr lang="pt-PT" dirty="0" smtClean="0"/>
-              <a:t>Apply method</a:t>
-            </a:r>
-          </a:p>
-          <a:p>
-            <a:r>
-              <a:rPr lang="pt-PT" dirty="0" smtClean="0"/>
-              <a:t>Option, Try, Nothing types</a:t>
-            </a:r>
-          </a:p>
-          <a:p>
-            <a:r>
-              <a:rPr lang="pt-PT" dirty="0" smtClean="0"/>
-              <a:t>Companion object</a:t>
-            </a:r>
-          </a:p>
-          <a:p>
-            <a:r>
-              <a:rPr lang="pt-PT" dirty="0" smtClean="0"/>
-              <a:t>For expressions</a:t>
-            </a:r>
-          </a:p>
-          <a:p>
-            <a:r>
-              <a:rPr lang="pt-PT" dirty="0" smtClean="0"/>
-              <a:t>Pattern matching</a:t>
-            </a:r>
-          </a:p>
-          <a:p>
-            <a:r>
-              <a:rPr lang="pt-PT" dirty="0" smtClean="0"/>
-              <a:t>Packages and imports</a:t>
-            </a:r>
-          </a:p>
-        </p:txBody>
-      </p:sp>
-    </p:spTree>
-    <p:extLst>
-      <p:ext uri="{BB962C8B-B14F-4D97-AF65-F5344CB8AC3E}">
-        <p14:creationId xmlns:p14="http://schemas.microsoft.com/office/powerpoint/2010/main" val="908905731"/>
-      </p:ext>
-    </p:extLst>
-  </p:cSld>
-  <p:clrMapOvr>
-    <a:masterClrMapping/>
-  </p:clrMapOvr>
-</p:sld>
-</file>
-
 <file path=ppt/slides/slide32.xml><?xml version="1.0" encoding="utf-8"?>
 <p:sld xmlns:a="http://schemas.openxmlformats.org/drawingml/2006/main" xmlns:r="http://schemas.openxmlformats.org/officeDocument/2006/relationships" xmlns:p="http://schemas.openxmlformats.org/presentationml/2006/main">
   <p:cSld>
@@ -8605,7 +9024,7 @@
           <a:p>
             <a:r>
               <a:rPr lang="pt-PT" dirty="0" smtClean="0"/>
-              <a:t>Resources</a:t>
+              <a:t>Important things this session hasn’t covered</a:t>
             </a:r>
             <a:endParaRPr lang="pt-PT" dirty="0"/>
           </a:p>
@@ -8623,42 +9042,70 @@
         </p:nvSpPr>
         <p:spPr/>
         <p:txBody>
-          <a:bodyPr/>
-          <a:lstStyle/>
-          <a:p>
-            <a:r>
-              <a:rPr lang="pt-PT" dirty="0" smtClean="0"/>
-              <a:t>Programming Scala 2nd Edition – Martin Odersky </a:t>
-            </a:r>
-            <a:r>
-              <a:rPr lang="pt-PT" i="1" dirty="0" smtClean="0"/>
-              <a:t>et al</a:t>
-            </a:r>
-          </a:p>
-          <a:p>
-            <a:r>
-              <a:rPr lang="pt-PT" dirty="0" smtClean="0"/>
-              <a:t>Scala for the impatient – Cay Horstmann</a:t>
-            </a:r>
-          </a:p>
-          <a:p>
-            <a:r>
-              <a:rPr lang="pt-PT" dirty="0" smtClean="0"/>
-              <a:t>Functional Programming principles in Scala course – Coursera</a:t>
-            </a:r>
-          </a:p>
-          <a:p>
-            <a:pPr marL="0" indent="0">
-              <a:buNone/>
-            </a:pPr>
-            <a:endParaRPr lang="pt-PT" dirty="0"/>
+          <a:bodyPr>
+            <a:normAutofit lnSpcReduction="10000"/>
+          </a:bodyPr>
+          <a:lstStyle/>
+          <a:p>
+            <a:r>
+              <a:rPr lang="pt-PT" dirty="0" smtClean="0"/>
+              <a:t>Implicit conversions</a:t>
+            </a:r>
+          </a:p>
+          <a:p>
+            <a:r>
+              <a:rPr lang="pt-PT" dirty="0" smtClean="0"/>
+              <a:t>Lazy keyword</a:t>
+            </a:r>
+          </a:p>
+          <a:p>
+            <a:r>
+              <a:rPr lang="pt-PT" dirty="0" smtClean="0"/>
+              <a:t>Streams</a:t>
+            </a:r>
+          </a:p>
+          <a:p>
+            <a:r>
+              <a:rPr lang="pt-PT" dirty="0" smtClean="0"/>
+              <a:t>Apply method</a:t>
+            </a:r>
+          </a:p>
+          <a:p>
+            <a:r>
+              <a:rPr lang="pt-PT" dirty="0" smtClean="0"/>
+              <a:t>Option, Try, Nothing types</a:t>
+            </a:r>
+          </a:p>
+          <a:p>
+            <a:r>
+              <a:rPr lang="pt-PT" dirty="0" smtClean="0"/>
+              <a:t>Companion object</a:t>
+            </a:r>
+          </a:p>
+          <a:p>
+            <a:r>
+              <a:rPr lang="pt-PT" dirty="0" smtClean="0"/>
+              <a:t>For expressions</a:t>
+            </a:r>
+          </a:p>
+          <a:p>
+            <a:r>
+              <a:rPr lang="pt-PT" dirty="0" smtClean="0"/>
+              <a:t>Pattern matching</a:t>
+            </a:r>
+          </a:p>
+          <a:p>
+            <a:r>
+              <a:rPr lang="pt-PT" dirty="0" smtClean="0"/>
+              <a:t>Packages and imports</a:t>
+            </a:r>
           </a:p>
         </p:txBody>
       </p:sp>
     </p:spTree>
     <p:extLst>
       <p:ext uri="{BB962C8B-B14F-4D97-AF65-F5344CB8AC3E}">
-        <p14:creationId xmlns:p14="http://schemas.microsoft.com/office/powerpoint/2010/main" val="2358681853"/>
+        <p14:creationId xmlns:p14="http://schemas.microsoft.com/office/powerpoint/2010/main" val="908905731"/>
       </p:ext>
     </p:extLst>
   </p:cSld>
@@ -8702,6 +9149,103 @@
           <a:p>
             <a:r>
               <a:rPr lang="pt-PT" dirty="0" smtClean="0"/>
+              <a:t>Resources</a:t>
+            </a:r>
+            <a:endParaRPr lang="pt-PT" dirty="0"/>
+          </a:p>
+        </p:txBody>
+      </p:sp>
+      <p:sp>
+        <p:nvSpPr>
+          <p:cNvPr id="3" name="Content Placeholder 2"/>
+          <p:cNvSpPr>
+            <a:spLocks noGrp="1"/>
+          </p:cNvSpPr>
+          <p:nvPr>
+            <p:ph idx="1"/>
+          </p:nvPr>
+        </p:nvSpPr>
+        <p:spPr/>
+        <p:txBody>
+          <a:bodyPr/>
+          <a:lstStyle/>
+          <a:p>
+            <a:r>
+              <a:rPr lang="pt-PT" dirty="0" smtClean="0"/>
+              <a:t>Programming Scala 2nd Edition – Martin Odersky </a:t>
+            </a:r>
+            <a:r>
+              <a:rPr lang="pt-PT" i="1" dirty="0" smtClean="0"/>
+              <a:t>et al</a:t>
+            </a:r>
+          </a:p>
+          <a:p>
+            <a:r>
+              <a:rPr lang="pt-PT" dirty="0" smtClean="0"/>
+              <a:t>Scala for the impatient – Cay Horstmann</a:t>
+            </a:r>
+          </a:p>
+          <a:p>
+            <a:r>
+              <a:rPr lang="pt-PT" dirty="0" smtClean="0"/>
+              <a:t>Functional Programming principles in Scala course – Coursera</a:t>
+            </a:r>
+          </a:p>
+          <a:p>
+            <a:pPr marL="0" indent="0">
+              <a:buNone/>
+            </a:pPr>
+            <a:endParaRPr lang="pt-PT" dirty="0"/>
+          </a:p>
+        </p:txBody>
+      </p:sp>
+    </p:spTree>
+    <p:extLst>
+      <p:ext uri="{BB962C8B-B14F-4D97-AF65-F5344CB8AC3E}">
+        <p14:creationId xmlns:p14="http://schemas.microsoft.com/office/powerpoint/2010/main" val="2358681853"/>
+      </p:ext>
+    </p:extLst>
+  </p:cSld>
+  <p:clrMapOvr>
+    <a:masterClrMapping/>
+  </p:clrMapOvr>
+</p:sld>
+</file>
+
+<file path=ppt/slides/slide34.xml><?xml version="1.0" encoding="utf-8"?>
+<p:sld xmlns:a="http://schemas.openxmlformats.org/drawingml/2006/main" xmlns:r="http://schemas.openxmlformats.org/officeDocument/2006/relationships" xmlns:p="http://schemas.openxmlformats.org/presentationml/2006/main">
+  <p:cSld>
+    <p:spTree>
+      <p:nvGrpSpPr>
+        <p:cNvPr id="1" name=""/>
+        <p:cNvGrpSpPr/>
+        <p:nvPr/>
+      </p:nvGrpSpPr>
+      <p:grpSpPr>
+        <a:xfrm>
+          <a:off x="0" y="0"/>
+          <a:ext cx="0" cy="0"/>
+          <a:chOff x="0" y="0"/>
+          <a:chExt cx="0" cy="0"/>
+        </a:xfrm>
+      </p:grpSpPr>
+      <p:sp>
+        <p:nvSpPr>
+          <p:cNvPr id="2" name="Title 1"/>
+          <p:cNvSpPr>
+            <a:spLocks noGrp="1"/>
+          </p:cNvSpPr>
+          <p:nvPr>
+            <p:ph type="title"/>
+          </p:nvPr>
+        </p:nvSpPr>
+        <p:spPr/>
+        <p:txBody>
+          <a:bodyPr/>
+          <a:lstStyle/>
+          <a:p>
+            <a:r>
+              <a:rPr lang="pt-PT" dirty="0" smtClean="0"/>
               <a:t>Want to know more?</a:t>
             </a:r>
             <a:endParaRPr lang="pt-PT" dirty="0"/>
@@ -8798,7 +9342,7 @@
 </p:sld>
 </file>
 
-<file path=ppt/slides/slide34.xml><?xml version="1.0" encoding="utf-8"?>
+<file path=ppt/slides/slide35.xml><?xml version="1.0" encoding="utf-8"?>
 <p:sld xmlns:a="http://schemas.openxmlformats.org/drawingml/2006/main" xmlns:r="http://schemas.openxmlformats.org/officeDocument/2006/relationships" xmlns:p="http://schemas.openxmlformats.org/presentationml/2006/main">
   <p:cSld>
     <p:spTree>
@@ -9133,7 +9677,11 @@
           <a:p>
             <a:r>
               <a:rPr lang="pt-PT" dirty="0" smtClean="0"/>
-              <a:t>Finagle (RPC system)</a:t>
+              <a:t>Finagle </a:t>
+            </a:r>
+            <a:r>
+              <a:rPr lang="pt-PT" dirty="0" smtClean="0"/>
+              <a:t>(protocol agnostic RPC)</a:t>
             </a:r>
             <a:endParaRPr lang="pt-PT" dirty="0"/>
           </a:p>
@@ -9398,6 +9946,13 @@
   <p:clrMapOvr>
     <a:masterClrMapping/>
   </p:clrMapOvr>
+  <p:timing>
+    <p:tnLst>
+      <p:par>
+        <p:cTn id="1" dur="indefinite" restart="never" nodeType="tmRoot"/>
+      </p:par>
+    </p:tnLst>
+  </p:timing>
 </p:sld>
 </file>
 
@@ -9451,7 +10006,7 @@
             </a:r>
             <a:r>
               <a:rPr lang="pt-PT" dirty="0" smtClean="0"/>
-              <a:t>Scala IDE Worksheet</a:t>
+              <a:t>Dependencies with SBT</a:t>
             </a:r>
             <a:endParaRPr lang="pt-PT" dirty="0"/>
           </a:p>
@@ -9479,13 +10034,20 @@
     </p:spTree>
     <p:extLst>
       <p:ext uri="{BB962C8B-B14F-4D97-AF65-F5344CB8AC3E}">
-        <p14:creationId xmlns:p14="http://schemas.microsoft.com/office/powerpoint/2010/main" val="3078220078"/>
+        <p14:creationId xmlns:p14="http://schemas.microsoft.com/office/powerpoint/2010/main" val="1694619590"/>
       </p:ext>
     </p:extLst>
   </p:cSld>
   <p:clrMapOvr>
     <a:masterClrMapping/>
   </p:clrMapOvr>
+  <p:timing>
+    <p:tnLst>
+      <p:par>
+        <p:cTn id="1" dur="indefinite" restart="never" nodeType="tmRoot"/>
+      </p:par>
+    </p:tnLst>
+  </p:timing>
 </p:sld>
 </file>
 

--- a/Scala First Steps.pptx
+++ b/Scala First Steps.pptx
@@ -231,7 +231,7 @@
           <a:p>
             <a:fld id="{1D855082-56B6-4FB8-9BA6-FE0702453F35}" type="datetimeFigureOut">
               <a:rPr lang="pt-PT" smtClean="0"/>
-              <a:t>12/01/2014</a:t>
+              <a:t>13/01/2014</a:t>
             </a:fld>
             <a:endParaRPr lang="pt-PT"/>
           </a:p>
@@ -1002,7 +1002,7 @@
           <a:p>
             <a:fld id="{C4F659C4-755D-465E-9236-F52AADEC78B8}" type="datetimeFigureOut">
               <a:rPr lang="pt-PT" smtClean="0"/>
-              <a:t>12/01/2014</a:t>
+              <a:t>13/01/2014</a:t>
             </a:fld>
             <a:endParaRPr lang="pt-PT"/>
           </a:p>
@@ -1172,7 +1172,7 @@
           <a:p>
             <a:fld id="{C4F659C4-755D-465E-9236-F52AADEC78B8}" type="datetimeFigureOut">
               <a:rPr lang="pt-PT" smtClean="0"/>
-              <a:t>12/01/2014</a:t>
+              <a:t>13/01/2014</a:t>
             </a:fld>
             <a:endParaRPr lang="pt-PT"/>
           </a:p>
@@ -1352,7 +1352,7 @@
           <a:p>
             <a:fld id="{C4F659C4-755D-465E-9236-F52AADEC78B8}" type="datetimeFigureOut">
               <a:rPr lang="pt-PT" smtClean="0"/>
-              <a:t>12/01/2014</a:t>
+              <a:t>13/01/2014</a:t>
             </a:fld>
             <a:endParaRPr lang="pt-PT"/>
           </a:p>
@@ -1522,7 +1522,7 @@
           <a:p>
             <a:fld id="{C4F659C4-755D-465E-9236-F52AADEC78B8}" type="datetimeFigureOut">
               <a:rPr lang="pt-PT" smtClean="0"/>
-              <a:t>12/01/2014</a:t>
+              <a:t>13/01/2014</a:t>
             </a:fld>
             <a:endParaRPr lang="pt-PT"/>
           </a:p>
@@ -1768,7 +1768,7 @@
           <a:p>
             <a:fld id="{C4F659C4-755D-465E-9236-F52AADEC78B8}" type="datetimeFigureOut">
               <a:rPr lang="pt-PT" smtClean="0"/>
-              <a:t>12/01/2014</a:t>
+              <a:t>13/01/2014</a:t>
             </a:fld>
             <a:endParaRPr lang="pt-PT"/>
           </a:p>
@@ -2000,7 +2000,7 @@
           <a:p>
             <a:fld id="{C4F659C4-755D-465E-9236-F52AADEC78B8}" type="datetimeFigureOut">
               <a:rPr lang="pt-PT" smtClean="0"/>
-              <a:t>12/01/2014</a:t>
+              <a:t>13/01/2014</a:t>
             </a:fld>
             <a:endParaRPr lang="pt-PT"/>
           </a:p>
@@ -2367,7 +2367,7 @@
           <a:p>
             <a:fld id="{C4F659C4-755D-465E-9236-F52AADEC78B8}" type="datetimeFigureOut">
               <a:rPr lang="pt-PT" smtClean="0"/>
-              <a:t>12/01/2014</a:t>
+              <a:t>13/01/2014</a:t>
             </a:fld>
             <a:endParaRPr lang="pt-PT"/>
           </a:p>
@@ -2485,7 +2485,7 @@
           <a:p>
             <a:fld id="{C4F659C4-755D-465E-9236-F52AADEC78B8}" type="datetimeFigureOut">
               <a:rPr lang="pt-PT" smtClean="0"/>
-              <a:t>12/01/2014</a:t>
+              <a:t>13/01/2014</a:t>
             </a:fld>
             <a:endParaRPr lang="pt-PT"/>
           </a:p>
@@ -2580,7 +2580,7 @@
           <a:p>
             <a:fld id="{C4F659C4-755D-465E-9236-F52AADEC78B8}" type="datetimeFigureOut">
               <a:rPr lang="pt-PT" smtClean="0"/>
-              <a:t>12/01/2014</a:t>
+              <a:t>13/01/2014</a:t>
             </a:fld>
             <a:endParaRPr lang="pt-PT"/>
           </a:p>
@@ -2857,7 +2857,7 @@
           <a:p>
             <a:fld id="{C4F659C4-755D-465E-9236-F52AADEC78B8}" type="datetimeFigureOut">
               <a:rPr lang="pt-PT" smtClean="0"/>
-              <a:t>12/01/2014</a:t>
+              <a:t>13/01/2014</a:t>
             </a:fld>
             <a:endParaRPr lang="pt-PT"/>
           </a:p>
@@ -3110,7 +3110,7 @@
           <a:p>
             <a:fld id="{C4F659C4-755D-465E-9236-F52AADEC78B8}" type="datetimeFigureOut">
               <a:rPr lang="pt-PT" smtClean="0"/>
-              <a:t>12/01/2014</a:t>
+              <a:t>13/01/2014</a:t>
             </a:fld>
             <a:endParaRPr lang="pt-PT"/>
           </a:p>
@@ -3323,7 +3323,7 @@
           <a:p>
             <a:fld id="{C4F659C4-755D-465E-9236-F52AADEC78B8}" type="datetimeFigureOut">
               <a:rPr lang="pt-PT" smtClean="0"/>
-              <a:t>12/01/2014</a:t>
+              <a:t>13/01/2014</a:t>
             </a:fld>
             <a:endParaRPr lang="pt-PT"/>
           </a:p>
@@ -3875,19 +3875,7 @@
           <a:p>
             <a:r>
               <a:rPr lang="pt-PT" dirty="0" smtClean="0"/>
-              <a:t>Demo </a:t>
-            </a:r>
-            <a:r>
-              <a:rPr lang="pt-PT" dirty="0" smtClean="0"/>
-              <a:t>5 </a:t>
-            </a:r>
-            <a:r>
-              <a:rPr lang="pt-PT" dirty="0" smtClean="0"/>
-              <a:t>– </a:t>
-            </a:r>
-            <a:r>
-              <a:rPr lang="pt-PT" dirty="0" smtClean="0"/>
-              <a:t>Scala IDE Worksheet</a:t>
+              <a:t>Demo 5 – Scala IDE Worksheet</a:t>
             </a:r>
             <a:endParaRPr lang="pt-PT" dirty="0"/>
           </a:p>
@@ -4003,15 +3991,7 @@
             </a:r>
             <a:r>
               <a:rPr lang="pt-PT" dirty="0" smtClean="0"/>
-              <a:t>unctions that given some input </a:t>
-            </a:r>
-            <a:r>
-              <a:rPr lang="pt-PT" dirty="0" smtClean="0"/>
-              <a:t>values produce </a:t>
-            </a:r>
-            <a:r>
-              <a:rPr lang="pt-PT" dirty="0" smtClean="0"/>
-              <a:t>a result</a:t>
+              <a:t>unctions that given some input values produce a result</a:t>
             </a:r>
           </a:p>
           <a:p>
@@ -4034,24 +4014,28 @@
               <a:t> </a:t>
             </a:r>
             <a:r>
-              <a:rPr lang="pt-PT" dirty="0" smtClean="0"/>
-              <a:t>methods don’t exist, the closest thing is a </a:t>
-            </a:r>
-            <a:r>
-              <a:rPr lang="pt-PT" dirty="0" smtClean="0"/>
-              <a:t>function </a:t>
-            </a:r>
-            <a:r>
-              <a:rPr lang="pt-PT" dirty="0" smtClean="0"/>
-              <a:t>whose </a:t>
+              <a:rPr lang="pt-PT" dirty="0" err="1" smtClean="0"/>
+              <a:t>methods</a:t>
+            </a:r>
+            <a:r>
+              <a:rPr lang="pt-PT" dirty="0" smtClean="0"/>
+              <a:t> </a:t>
+            </a:r>
+            <a:r>
+              <a:rPr lang="pt-PT" dirty="0" err="1" smtClean="0"/>
+              <a:t>don’t</a:t>
+            </a:r>
+            <a:r>
+              <a:rPr lang="pt-PT" dirty="0" smtClean="0"/>
+              <a:t> </a:t>
+            </a:r>
+            <a:r>
+              <a:rPr lang="pt-PT" dirty="0" smtClean="0"/>
+              <a:t>exist, the closest thing is a function whose </a:t>
             </a:r>
             <a:r>
               <a:rPr lang="pt-PT" b="1" dirty="0" smtClean="0"/>
-              <a:t>result </a:t>
-            </a:r>
-            <a:r>
-              <a:rPr lang="pt-PT" b="1" dirty="0" smtClean="0"/>
-              <a:t>type is </a:t>
+              <a:t>result type is </a:t>
             </a:r>
             <a:r>
               <a:rPr lang="pt-PT" b="1" u="sng" dirty="0" smtClean="0"/>
@@ -4061,11 +4045,7 @@
           <a:p>
             <a:r>
               <a:rPr lang="pt-PT" dirty="0" smtClean="0"/>
-              <a:t>Functions are first-class </a:t>
-            </a:r>
-            <a:r>
-              <a:rPr lang="pt-PT" dirty="0" smtClean="0"/>
-              <a:t>citizens</a:t>
+              <a:t>Functions are first-class citizens</a:t>
             </a:r>
           </a:p>
           <a:p>
@@ -4073,14 +4053,12 @@
               <a:rPr lang="pt-PT" dirty="0" smtClean="0"/>
               <a:t>Write less or none loops (while, do while)</a:t>
             </a:r>
-            <a:endParaRPr lang="pt-PT" dirty="0" smtClean="0"/>
           </a:p>
           <a:p>
             <a:r>
               <a:rPr lang="pt-PT" dirty="0" smtClean="0"/>
               <a:t>Type inference</a:t>
             </a:r>
-            <a:endParaRPr lang="pt-PT" dirty="0" smtClean="0"/>
           </a:p>
         </p:txBody>
       </p:sp>
@@ -4194,15 +4172,79 @@
                 <a:latin typeface="Courier New" panose="02070309020205020404" pitchFamily="49" charset="0"/>
                 <a:cs typeface="Courier New" panose="02070309020205020404" pitchFamily="49" charset="0"/>
               </a:rPr>
+              <a:t> = </a:t>
+            </a:r>
+            <a:r>
+              <a:rPr lang="pt-PT" dirty="0" smtClean="0">
+                <a:latin typeface="Courier New" panose="02070309020205020404" pitchFamily="49" charset="0"/>
+                <a:cs typeface="Courier New" panose="02070309020205020404" pitchFamily="49" charset="0"/>
+              </a:rPr>
+              <a:t>1 </a:t>
+            </a:r>
+            <a:r>
+              <a:rPr lang="pt-PT" dirty="0" smtClean="0">
+                <a:solidFill>
+                  <a:schemeClr val="accent6"/>
+                </a:solidFill>
+                <a:latin typeface="Courier New" panose="02070309020205020404" pitchFamily="49" charset="0"/>
+                <a:cs typeface="Courier New" panose="02070309020205020404" pitchFamily="49" charset="0"/>
+              </a:rPr>
+              <a:t>// </a:t>
+            </a:r>
+            <a:r>
+              <a:rPr lang="pt-PT" dirty="0" err="1" smtClean="0">
+                <a:solidFill>
+                  <a:schemeClr val="accent6"/>
+                </a:solidFill>
+                <a:latin typeface="Courier New" panose="02070309020205020404" pitchFamily="49" charset="0"/>
+                <a:cs typeface="Courier New" panose="02070309020205020404" pitchFamily="49" charset="0"/>
+              </a:rPr>
+              <a:t>Type</a:t>
+            </a:r>
+            <a:r>
+              <a:rPr lang="pt-PT" dirty="0" smtClean="0">
+                <a:solidFill>
+                  <a:schemeClr val="accent6"/>
+                </a:solidFill>
+                <a:latin typeface="Courier New" panose="02070309020205020404" pitchFamily="49" charset="0"/>
+                <a:cs typeface="Courier New" panose="02070309020205020404" pitchFamily="49" charset="0"/>
+              </a:rPr>
               <a:t> </a:t>
             </a:r>
             <a:r>
+              <a:rPr lang="pt-PT" dirty="0" err="1" smtClean="0">
+                <a:solidFill>
+                  <a:schemeClr val="accent6"/>
+                </a:solidFill>
+                <a:latin typeface="Courier New" panose="02070309020205020404" pitchFamily="49" charset="0"/>
+                <a:cs typeface="Courier New" panose="02070309020205020404" pitchFamily="49" charset="0"/>
+              </a:rPr>
+              <a:t>inference</a:t>
+            </a:r>
+            <a:r>
               <a:rPr lang="pt-PT" dirty="0" smtClean="0">
-                <a:latin typeface="Courier New" panose="02070309020205020404" pitchFamily="49" charset="0"/>
-                <a:cs typeface="Courier New" panose="02070309020205020404" pitchFamily="49" charset="0"/>
-              </a:rPr>
-              <a:t>= 1</a:t>
-            </a:r>
+                <a:solidFill>
+                  <a:schemeClr val="accent6"/>
+                </a:solidFill>
+                <a:latin typeface="Courier New" panose="02070309020205020404" pitchFamily="49" charset="0"/>
+                <a:cs typeface="Courier New" panose="02070309020205020404" pitchFamily="49" charset="0"/>
+              </a:rPr>
+              <a:t> </a:t>
+            </a:r>
+            <a:r>
+              <a:rPr lang="pt-PT" dirty="0" err="1" smtClean="0">
+                <a:solidFill>
+                  <a:schemeClr val="accent6"/>
+                </a:solidFill>
+                <a:latin typeface="Courier New" panose="02070309020205020404" pitchFamily="49" charset="0"/>
+                <a:cs typeface="Courier New" panose="02070309020205020404" pitchFamily="49" charset="0"/>
+              </a:rPr>
+              <a:t>here</a:t>
+            </a:r>
+            <a:endParaRPr lang="pt-PT" dirty="0" smtClean="0">
+              <a:latin typeface="Courier New" panose="02070309020205020404" pitchFamily="49" charset="0"/>
+              <a:cs typeface="Courier New" panose="02070309020205020404" pitchFamily="49" charset="0"/>
+            </a:endParaRPr>
           </a:p>
           <a:p>
             <a:pPr marL="0" indent="0">
@@ -4250,8 +4292,65 @@
                 <a:latin typeface="Courier New" panose="02070309020205020404" pitchFamily="49" charset="0"/>
                 <a:cs typeface="Courier New" panose="02070309020205020404" pitchFamily="49" charset="0"/>
               </a:rPr>
-              <a:t>//don’t compile, is like final variables</a:t>
-            </a:r>
+              <a:t>/* </a:t>
+            </a:r>
+            <a:r>
+              <a:rPr lang="pt-PT" dirty="0" err="1" smtClean="0">
+                <a:solidFill>
+                  <a:schemeClr val="accent6"/>
+                </a:solidFill>
+                <a:latin typeface="Courier New" panose="02070309020205020404" pitchFamily="49" charset="0"/>
+                <a:cs typeface="Courier New" panose="02070309020205020404" pitchFamily="49" charset="0"/>
+              </a:rPr>
+              <a:t>doesn’t</a:t>
+            </a:r>
+            <a:r>
+              <a:rPr lang="pt-PT" dirty="0" smtClean="0">
+                <a:solidFill>
+                  <a:schemeClr val="accent6"/>
+                </a:solidFill>
+                <a:latin typeface="Courier New" panose="02070309020205020404" pitchFamily="49" charset="0"/>
+                <a:cs typeface="Courier New" panose="02070309020205020404" pitchFamily="49" charset="0"/>
+              </a:rPr>
+              <a:t> </a:t>
+            </a:r>
+            <a:r>
+              <a:rPr lang="pt-PT" dirty="0" smtClean="0">
+                <a:solidFill>
+                  <a:schemeClr val="accent6"/>
+                </a:solidFill>
+                <a:latin typeface="Courier New" panose="02070309020205020404" pitchFamily="49" charset="0"/>
+                <a:cs typeface="Courier New" panose="02070309020205020404" pitchFamily="49" charset="0"/>
+              </a:rPr>
+              <a:t>compile, is like final </a:t>
+            </a:r>
+            <a:r>
+              <a:rPr lang="pt-PT" dirty="0" err="1" smtClean="0">
+                <a:solidFill>
+                  <a:schemeClr val="accent6"/>
+                </a:solidFill>
+                <a:latin typeface="Courier New" panose="02070309020205020404" pitchFamily="49" charset="0"/>
+                <a:cs typeface="Courier New" panose="02070309020205020404" pitchFamily="49" charset="0"/>
+              </a:rPr>
+              <a:t>variables</a:t>
+            </a:r>
+            <a:r>
+              <a:rPr lang="pt-PT" dirty="0" smtClean="0">
+                <a:solidFill>
+                  <a:schemeClr val="accent6"/>
+                </a:solidFill>
+                <a:latin typeface="Courier New" panose="02070309020205020404" pitchFamily="49" charset="0"/>
+                <a:cs typeface="Courier New" panose="02070309020205020404" pitchFamily="49" charset="0"/>
+              </a:rPr>
+              <a:t> */</a:t>
+            </a:r>
+            <a:endParaRPr lang="pt-PT" dirty="0" smtClean="0">
+              <a:solidFill>
+                <a:schemeClr val="accent6"/>
+              </a:solidFill>
+              <a:latin typeface="Courier New" panose="02070309020205020404" pitchFamily="49" charset="0"/>
+              <a:cs typeface="Courier New" panose="02070309020205020404" pitchFamily="49" charset="0"/>
+            </a:endParaRPr>
           </a:p>
           <a:p>
             <a:pPr marL="0" indent="0">
@@ -4291,6 +4390,49 @@
                 <a:latin typeface="Courier New" panose="02070309020205020404" pitchFamily="49" charset="0"/>
                 <a:cs typeface="Courier New" panose="02070309020205020404" pitchFamily="49" charset="0"/>
               </a:rPr>
+              <a:t>i </a:t>
+            </a:r>
+            <a:r>
+              <a:rPr lang="pt-PT" dirty="0" smtClean="0">
+                <a:latin typeface="Courier New" panose="02070309020205020404" pitchFamily="49" charset="0"/>
+                <a:cs typeface="Courier New" panose="02070309020205020404" pitchFamily="49" charset="0"/>
+              </a:rPr>
+              <a:t>: </a:t>
+            </a:r>
+            <a:r>
+              <a:rPr lang="pt-PT" dirty="0" err="1" smtClean="0">
+                <a:latin typeface="Courier New" panose="02070309020205020404" pitchFamily="49" charset="0"/>
+                <a:cs typeface="Courier New" panose="02070309020205020404" pitchFamily="49" charset="0"/>
+              </a:rPr>
+              <a:t>Int</a:t>
+            </a:r>
+            <a:r>
+              <a:rPr lang="pt-PT" dirty="0" smtClean="0">
+                <a:latin typeface="Courier New" panose="02070309020205020404" pitchFamily="49" charset="0"/>
+                <a:cs typeface="Courier New" panose="02070309020205020404" pitchFamily="49" charset="0"/>
+              </a:rPr>
+              <a:t> = </a:t>
+            </a:r>
+            <a:r>
+              <a:rPr lang="pt-PT" dirty="0" smtClean="0">
+                <a:latin typeface="Courier New" panose="02070309020205020404" pitchFamily="49" charset="0"/>
+                <a:cs typeface="Courier New" panose="02070309020205020404" pitchFamily="49" charset="0"/>
+              </a:rPr>
+              <a:t>1</a:t>
+            </a:r>
+          </a:p>
+          <a:p>
+            <a:pPr marL="0" indent="0">
+              <a:buNone/>
+            </a:pPr>
+            <a:r>
+              <a:rPr lang="pt-PT" dirty="0">
+                <a:solidFill>
+                  <a:srgbClr val="FF0000"/>
+                </a:solidFill>
+                <a:latin typeface="Courier New" panose="02070309020205020404" pitchFamily="49" charset="0"/>
+                <a:cs typeface="Courier New" panose="02070309020205020404" pitchFamily="49" charset="0"/>
+              </a:rPr>
               <a:t>i</a:t>
             </a:r>
             <a:r>
@@ -4298,15 +4440,10 @@
                 <a:latin typeface="Courier New" panose="02070309020205020404" pitchFamily="49" charset="0"/>
                 <a:cs typeface="Courier New" panose="02070309020205020404" pitchFamily="49" charset="0"/>
               </a:rPr>
-              <a:t> = 1</a:t>
-            </a:r>
-          </a:p>
-          <a:p>
-            <a:pPr marL="0" indent="0">
-              <a:buNone/>
-            </a:pPr>
-            <a:r>
-              <a:rPr lang="pt-PT" dirty="0">
+              <a:t> = </a:t>
+            </a:r>
+            <a:r>
+              <a:rPr lang="pt-PT" dirty="0" smtClean="0">
                 <a:solidFill>
                   <a:srgbClr val="FF0000"/>
                 </a:solidFill>
@@ -4320,34 +4457,17 @@
                 <a:latin typeface="Courier New" panose="02070309020205020404" pitchFamily="49" charset="0"/>
                 <a:cs typeface="Courier New" panose="02070309020205020404" pitchFamily="49" charset="0"/>
               </a:rPr>
-              <a:t> = </a:t>
+              <a:t>+1 </a:t>
             </a:r>
             <a:r>
               <a:rPr lang="pt-PT" dirty="0" smtClean="0">
                 <a:solidFill>
-                  <a:srgbClr val="FF0000"/>
-                </a:solidFill>
-                <a:latin typeface="Courier New" panose="02070309020205020404" pitchFamily="49" charset="0"/>
-                <a:cs typeface="Courier New" panose="02070309020205020404" pitchFamily="49" charset="0"/>
-              </a:rPr>
-              <a:t>i</a:t>
-            </a:r>
-            <a:r>
-              <a:rPr lang="pt-PT" dirty="0" smtClean="0">
-                <a:latin typeface="Courier New" panose="02070309020205020404" pitchFamily="49" charset="0"/>
-                <a:cs typeface="Courier New" panose="02070309020205020404" pitchFamily="49" charset="0"/>
-              </a:rPr>
-              <a:t>+1 </a:t>
-            </a:r>
-            <a:r>
-              <a:rPr lang="pt-PT" dirty="0" smtClean="0">
-                <a:solidFill>
                   <a:schemeClr val="accent6"/>
                 </a:solidFill>
                 <a:latin typeface="Courier New" panose="02070309020205020404" pitchFamily="49" charset="0"/>
                 <a:cs typeface="Courier New" panose="02070309020205020404" pitchFamily="49" charset="0"/>
               </a:rPr>
-              <a:t>//compiles</a:t>
+              <a:t>// compiles</a:t>
             </a:r>
             <a:endParaRPr lang="pt-PT" dirty="0">
               <a:solidFill>
@@ -4519,6 +4639,101 @@
             <a:pPr marL="0" indent="0">
               <a:buNone/>
             </a:pPr>
+            <a:endParaRPr lang="pt-PT" dirty="0" smtClean="0">
+              <a:latin typeface="Courier New" panose="02070309020205020404" pitchFamily="49" charset="0"/>
+              <a:cs typeface="Courier New" panose="02070309020205020404" pitchFamily="49" charset="0"/>
+            </a:endParaRPr>
+          </a:p>
+          <a:p>
+            <a:pPr marL="0" indent="0">
+              <a:buNone/>
+            </a:pPr>
+            <a:r>
+              <a:rPr lang="pt-PT" dirty="0" smtClean="0">
+                <a:cs typeface="Courier New" panose="02070309020205020404" pitchFamily="49" charset="0"/>
+              </a:rPr>
+              <a:t>Note: </a:t>
+            </a:r>
+            <a:r>
+              <a:rPr lang="pt-PT" dirty="0" err="1" smtClean="0">
+                <a:cs typeface="Courier New" panose="02070309020205020404" pitchFamily="49" charset="0"/>
+              </a:rPr>
+              <a:t>Curly</a:t>
+            </a:r>
+            <a:r>
+              <a:rPr lang="pt-PT" dirty="0" smtClean="0">
+                <a:cs typeface="Courier New" panose="02070309020205020404" pitchFamily="49" charset="0"/>
+              </a:rPr>
+              <a:t> </a:t>
+            </a:r>
+            <a:r>
+              <a:rPr lang="pt-PT" dirty="0" err="1" smtClean="0">
+                <a:cs typeface="Courier New" panose="02070309020205020404" pitchFamily="49" charset="0"/>
+              </a:rPr>
+              <a:t>braces</a:t>
+            </a:r>
+            <a:r>
+              <a:rPr lang="pt-PT" dirty="0" smtClean="0">
+                <a:cs typeface="Courier New" panose="02070309020205020404" pitchFamily="49" charset="0"/>
+              </a:rPr>
+              <a:t> are </a:t>
+            </a:r>
+            <a:r>
+              <a:rPr lang="pt-PT" dirty="0" err="1" smtClean="0">
+                <a:cs typeface="Courier New" panose="02070309020205020404" pitchFamily="49" charset="0"/>
+              </a:rPr>
+              <a:t>optional</a:t>
+            </a:r>
+            <a:r>
+              <a:rPr lang="pt-PT" dirty="0" smtClean="0">
+                <a:cs typeface="Courier New" panose="02070309020205020404" pitchFamily="49" charset="0"/>
+              </a:rPr>
+              <a:t> in </a:t>
+            </a:r>
+            <a:r>
+              <a:rPr lang="pt-PT" dirty="0" err="1" smtClean="0">
+                <a:cs typeface="Courier New" panose="02070309020205020404" pitchFamily="49" charset="0"/>
+              </a:rPr>
+              <a:t>one</a:t>
+            </a:r>
+            <a:r>
+              <a:rPr lang="pt-PT" dirty="0" smtClean="0">
+                <a:cs typeface="Courier New" panose="02070309020205020404" pitchFamily="49" charset="0"/>
+              </a:rPr>
+              <a:t> </a:t>
+            </a:r>
+            <a:r>
+              <a:rPr lang="pt-PT" dirty="0" err="1" smtClean="0">
+                <a:cs typeface="Courier New" panose="02070309020205020404" pitchFamily="49" charset="0"/>
+              </a:rPr>
+              <a:t>statement</a:t>
+            </a:r>
+            <a:r>
+              <a:rPr lang="pt-PT" dirty="0" smtClean="0">
+                <a:cs typeface="Courier New" panose="02070309020205020404" pitchFamily="49" charset="0"/>
+              </a:rPr>
+              <a:t> </a:t>
+            </a:r>
+            <a:r>
+              <a:rPr lang="pt-PT" dirty="0" err="1" smtClean="0">
+                <a:cs typeface="Courier New" panose="02070309020205020404" pitchFamily="49" charset="0"/>
+              </a:rPr>
+              <a:t>functions</a:t>
+            </a:r>
+            <a:r>
+              <a:rPr lang="pt-PT" dirty="0" smtClean="0">
+                <a:cs typeface="Courier New" panose="02070309020205020404" pitchFamily="49" charset="0"/>
+              </a:rPr>
+              <a:t>.</a:t>
+            </a:r>
+            <a:endParaRPr lang="pt-PT" dirty="0" smtClean="0">
+              <a:cs typeface="Courier New" panose="02070309020205020404" pitchFamily="49" charset="0"/>
+            </a:endParaRPr>
+          </a:p>
+          <a:p>
+            <a:pPr marL="0" indent="0">
+              <a:buNone/>
+            </a:pPr>
             <a:endParaRPr lang="pt-PT" dirty="0">
               <a:latin typeface="Courier New" panose="02070309020205020404" pitchFamily="49" charset="0"/>
               <a:cs typeface="Courier New" panose="02070309020205020404" pitchFamily="49" charset="0"/>
@@ -4816,21 +5031,7 @@
                 <a:latin typeface="Courier New" panose="02070309020205020404" pitchFamily="49" charset="0"/>
                 <a:cs typeface="Courier New" panose="02070309020205020404" pitchFamily="49" charset="0"/>
               </a:rPr>
-              <a:t> </a:t>
-            </a:r>
-            <a:r>
-              <a:rPr lang="pt-PT" dirty="0">
-                <a:latin typeface="Courier New" panose="02070309020205020404" pitchFamily="49" charset="0"/>
-                <a:cs typeface="Courier New" panose="02070309020205020404" pitchFamily="49" charset="0"/>
-              </a:rPr>
-              <a:t>printList[T](l: List[T]): Unit </a:t>
-            </a:r>
-            <a:r>
-              <a:rPr lang="pt-PT" dirty="0">
-                <a:latin typeface="Courier New" panose="02070309020205020404" pitchFamily="49" charset="0"/>
-                <a:cs typeface="Courier New" panose="02070309020205020404" pitchFamily="49" charset="0"/>
-              </a:rPr>
-              <a:t>= </a:t>
+              <a:t> printList[T](l: List[T]): Unit = </a:t>
             </a:r>
             <a:r>
               <a:rPr lang="pt-PT" dirty="0" smtClean="0">
@@ -5090,19 +5291,8 @@
                 <a:latin typeface="Courier New" panose="02070309020205020404" pitchFamily="49" charset="0"/>
                 <a:cs typeface="Courier New" panose="02070309020205020404" pitchFamily="49" charset="0"/>
               </a:rPr>
-              <a:t> and = (a: Boolean, b: Boolean) =&gt; a &amp;&amp; </a:t>
-            </a:r>
-            <a:r>
-              <a:rPr lang="en-US" dirty="0">
-                <a:latin typeface="Courier New" panose="02070309020205020404" pitchFamily="49" charset="0"/>
-                <a:cs typeface="Courier New" panose="02070309020205020404" pitchFamily="49" charset="0"/>
-              </a:rPr>
-              <a:t>b</a:t>
-            </a:r>
-            <a:endParaRPr lang="en-US" dirty="0">
-              <a:latin typeface="Courier New" panose="02070309020205020404" pitchFamily="49" charset="0"/>
-              <a:cs typeface="Courier New" panose="02070309020205020404" pitchFamily="49" charset="0"/>
-            </a:endParaRPr>
+              <a:t> and = (a: Boolean, b: Boolean) =&gt; a &amp;&amp; b</a:t>
+            </a:r>
           </a:p>
           <a:p>
             <a:pPr marL="0" indent="0">
@@ -5167,14 +5357,7 @@
                 <a:latin typeface="Courier New" panose="02070309020205020404" pitchFamily="49" charset="0"/>
                 <a:cs typeface="Courier New" panose="02070309020205020404" pitchFamily="49" charset="0"/>
               </a:rPr>
-              <a:t>and(a, b</a:t>
-            </a:r>
-            <a:r>
-              <a:rPr lang="en-US" dirty="0">
-                <a:latin typeface="Courier New" panose="02070309020205020404" pitchFamily="49" charset="0"/>
-                <a:cs typeface="Courier New" panose="02070309020205020404" pitchFamily="49" charset="0"/>
-              </a:rPr>
-              <a:t>)</a:t>
+              <a:t>and(a, b)</a:t>
             </a:r>
           </a:p>
           <a:p>
@@ -5350,7 +5533,7 @@
         <p:spPr/>
         <p:txBody>
           <a:bodyPr>
-            <a:normAutofit/>
+            <a:normAutofit lnSpcReduction="10000"/>
           </a:bodyPr>
           <a:lstStyle/>
           <a:p>
@@ -5358,7 +5541,35 @@
               <a:buNone/>
             </a:pPr>
             <a:r>
-              <a:rPr lang="pt-PT" b="1" dirty="0">
+              <a:rPr lang="pt-PT" dirty="0">
+                <a:solidFill>
+                  <a:schemeClr val="accent2"/>
+                </a:solidFill>
+              </a:rPr>
+              <a:t>@</a:t>
+            </a:r>
+            <a:r>
+              <a:rPr lang="pt-PT" dirty="0" err="1">
+                <a:solidFill>
+                  <a:schemeClr val="accent2"/>
+                </a:solidFill>
+              </a:rPr>
+              <a:t>tailrec</a:t>
+            </a:r>
+            <a:endParaRPr lang="pt-PT" b="1" dirty="0" smtClean="0">
+              <a:solidFill>
+                <a:srgbClr val="990099"/>
+              </a:solidFill>
+              <a:latin typeface="Courier New" panose="02070309020205020404" pitchFamily="49" charset="0"/>
+              <a:cs typeface="Courier New" panose="02070309020205020404" pitchFamily="49" charset="0"/>
+            </a:endParaRPr>
+          </a:p>
+          <a:p>
+            <a:pPr marL="0" indent="0">
+              <a:buNone/>
+            </a:pPr>
+            <a:r>
+              <a:rPr lang="pt-PT" b="1" dirty="0" err="1" smtClean="0">
                 <a:solidFill>
                   <a:srgbClr val="990099"/>
                 </a:solidFill>
@@ -5368,25 +5579,18 @@
               <a:t>def</a:t>
             </a:r>
             <a:r>
+              <a:rPr lang="pt-PT" dirty="0" smtClean="0">
+                <a:latin typeface="Courier New" panose="02070309020205020404" pitchFamily="49" charset="0"/>
+                <a:cs typeface="Courier New" panose="02070309020205020404" pitchFamily="49" charset="0"/>
+              </a:rPr>
+              <a:t> </a:t>
+            </a:r>
+            <a:r>
               <a:rPr lang="pt-PT" dirty="0">
                 <a:latin typeface="Courier New" panose="02070309020205020404" pitchFamily="49" charset="0"/>
                 <a:cs typeface="Courier New" panose="02070309020205020404" pitchFamily="49" charset="0"/>
               </a:rPr>
-              <a:t> </a:t>
-            </a:r>
-            <a:r>
-              <a:rPr lang="pt-PT" dirty="0">
-                <a:latin typeface="Courier New" panose="02070309020205020404" pitchFamily="49" charset="0"/>
-                <a:cs typeface="Courier New" panose="02070309020205020404" pitchFamily="49" charset="0"/>
-              </a:rPr>
-              <a:t>factorial(n</a:t>
-            </a:r>
-            <a:r>
-              <a:rPr lang="pt-PT" dirty="0">
-                <a:latin typeface="Courier New" panose="02070309020205020404" pitchFamily="49" charset="0"/>
-                <a:cs typeface="Courier New" panose="02070309020205020404" pitchFamily="49" charset="0"/>
-              </a:rPr>
-              <a:t>: BigInt): BigInt = {</a:t>
+              <a:t>factorial(n: BigInt): BigInt = {</a:t>
             </a:r>
           </a:p>
           <a:p>
@@ -5902,8 +6106,13 @@
           <a:p>
             <a:r>
               <a:rPr lang="pt-PT" dirty="0" smtClean="0"/>
-              <a:t>Scala programs compile to JVM bytecodes (.Net too but I think few are using it)</a:t>
-            </a:r>
+              <a:t>Scala programs compile to JVM </a:t>
+            </a:r>
+            <a:r>
+              <a:rPr lang="pt-PT" dirty="0" err="1" smtClean="0"/>
+              <a:t>bytecodes</a:t>
+            </a:r>
+            <a:endParaRPr lang="pt-PT" dirty="0" smtClean="0"/>
           </a:p>
           <a:p>
             <a:endParaRPr lang="pt-PT" dirty="0" smtClean="0"/>
@@ -5966,8 +6175,8 @@
           <a:lstStyle/>
           <a:p>
             <a:r>
-              <a:rPr lang="pt-PT" dirty="0" smtClean="0"/>
-              <a:t>Class (1)</a:t>
+              <a:rPr lang="pt-PT" dirty="0" err="1" smtClean="0"/>
+              <a:t>Class</a:t>
             </a:r>
             <a:endParaRPr lang="pt-PT" dirty="0"/>
           </a:p>
@@ -6030,7 +6239,36 @@
                 <a:latin typeface="Courier New" panose="02070309020205020404" pitchFamily="49" charset="0"/>
                 <a:cs typeface="Courier New" panose="02070309020205020404" pitchFamily="49" charset="0"/>
               </a:rPr>
-              <a:t>private </a:t>
+              <a:t>private val</a:t>
+            </a:r>
+            <a:r>
+              <a:rPr lang="pt-PT" sz="2400" dirty="0">
+                <a:latin typeface="Courier New" panose="02070309020205020404" pitchFamily="49" charset="0"/>
+                <a:cs typeface="Courier New" panose="02070309020205020404" pitchFamily="49" charset="0"/>
+              </a:rPr>
+              <a:t> id: Int = </a:t>
+            </a:r>
+            <a:r>
+              <a:rPr lang="pt-PT" sz="2400" dirty="0">
+                <a:solidFill>
+                  <a:srgbClr val="990099"/>
+                </a:solidFill>
+                <a:latin typeface="Courier New" panose="02070309020205020404" pitchFamily="49" charset="0"/>
+                <a:cs typeface="Courier New" panose="02070309020205020404" pitchFamily="49" charset="0"/>
+              </a:rPr>
+              <a:t>0</a:t>
+            </a:r>
+          </a:p>
+          <a:p>
+            <a:pPr marL="0" indent="0">
+              <a:buNone/>
+            </a:pPr>
+            <a:r>
+              <a:rPr lang="pt-PT" sz="2400" dirty="0" smtClean="0">
+                <a:latin typeface="Courier New" panose="02070309020205020404" pitchFamily="49" charset="0"/>
+                <a:cs typeface="Courier New" panose="02070309020205020404" pitchFamily="49" charset="0"/>
+              </a:rPr>
+              <a:t>	</a:t>
             </a:r>
             <a:r>
               <a:rPr lang="pt-PT" sz="2400" b="1" dirty="0">
@@ -6043,161 +6281,100 @@
               <a:t>val</a:t>
             </a:r>
             <a:r>
+              <a:rPr lang="pt-PT" sz="2400" dirty="0" smtClean="0">
+                <a:latin typeface="Courier New" panose="02070309020205020404" pitchFamily="49" charset="0"/>
+                <a:cs typeface="Courier New" panose="02070309020205020404" pitchFamily="49" charset="0"/>
+              </a:rPr>
+              <a:t> </a:t>
+            </a:r>
+            <a:r>
               <a:rPr lang="pt-PT" sz="2400" dirty="0">
                 <a:latin typeface="Courier New" panose="02070309020205020404" pitchFamily="49" charset="0"/>
                 <a:cs typeface="Courier New" panose="02070309020205020404" pitchFamily="49" charset="0"/>
               </a:rPr>
-              <a:t> id: Int = </a:t>
+              <a:t>title = _title</a:t>
+            </a:r>
+          </a:p>
+          <a:p>
+            <a:pPr marL="0" indent="0">
+              <a:buNone/>
+            </a:pPr>
+            <a:r>
+              <a:rPr lang="pt-PT" sz="2400" dirty="0" smtClean="0">
+                <a:latin typeface="Courier New" panose="02070309020205020404" pitchFamily="49" charset="0"/>
+                <a:cs typeface="Courier New" panose="02070309020205020404" pitchFamily="49" charset="0"/>
+              </a:rPr>
+              <a:t>	</a:t>
+            </a:r>
+            <a:r>
+              <a:rPr lang="pt-PT" sz="2400" b="1" dirty="0">
+                <a:solidFill>
+                  <a:srgbClr val="990099"/>
+                </a:solidFill>
+                <a:latin typeface="Courier New" panose="02070309020205020404" pitchFamily="49" charset="0"/>
+                <a:cs typeface="Courier New" panose="02070309020205020404" pitchFamily="49" charset="0"/>
+              </a:rPr>
+              <a:t>val</a:t>
+            </a:r>
+            <a:r>
+              <a:rPr lang="pt-PT" sz="2400" dirty="0" smtClean="0">
+                <a:latin typeface="Courier New" panose="02070309020205020404" pitchFamily="49" charset="0"/>
+                <a:cs typeface="Courier New" panose="02070309020205020404" pitchFamily="49" charset="0"/>
+              </a:rPr>
+              <a:t> </a:t>
             </a:r>
             <a:r>
               <a:rPr lang="pt-PT" sz="2400" dirty="0">
+                <a:latin typeface="Courier New" panose="02070309020205020404" pitchFamily="49" charset="0"/>
+                <a:cs typeface="Courier New" panose="02070309020205020404" pitchFamily="49" charset="0"/>
+              </a:rPr>
+              <a:t>authors = _authors</a:t>
+            </a:r>
+          </a:p>
+          <a:p>
+            <a:pPr marL="0" indent="0">
+              <a:buNone/>
+            </a:pPr>
+            <a:r>
+              <a:rPr lang="pt-PT" sz="2400" dirty="0">
+                <a:latin typeface="Courier New" panose="02070309020205020404" pitchFamily="49" charset="0"/>
+                <a:cs typeface="Courier New" panose="02070309020205020404" pitchFamily="49" charset="0"/>
+              </a:rPr>
+              <a:t>}</a:t>
+            </a:r>
+          </a:p>
+          <a:p>
+            <a:pPr marL="0" indent="0">
+              <a:buNone/>
+            </a:pPr>
+            <a:r>
+              <a:rPr lang="pt-PT" sz="2400" dirty="0">
+                <a:latin typeface="Courier New" panose="02070309020205020404" pitchFamily="49" charset="0"/>
+                <a:cs typeface="Courier New" panose="02070309020205020404" pitchFamily="49" charset="0"/>
+              </a:rPr>
+              <a:t> </a:t>
+            </a:r>
+          </a:p>
+          <a:p>
+            <a:pPr marL="0" indent="0">
+              <a:buNone/>
+            </a:pPr>
+            <a:r>
+              <a:rPr lang="en-US" sz="2400" b="1" dirty="0" err="1">
                 <a:solidFill>
                   <a:srgbClr val="990099"/>
                 </a:solidFill>
                 <a:latin typeface="Courier New" panose="02070309020205020404" pitchFamily="49" charset="0"/>
                 <a:cs typeface="Courier New" panose="02070309020205020404" pitchFamily="49" charset="0"/>
               </a:rPr>
-              <a:t>0</a:t>
-            </a:r>
-          </a:p>
-          <a:p>
-            <a:pPr marL="0" indent="0">
-              <a:buNone/>
-            </a:pPr>
-            <a:r>
-              <a:rPr lang="pt-PT" sz="2400" dirty="0" smtClean="0">
-                <a:latin typeface="Courier New" panose="02070309020205020404" pitchFamily="49" charset="0"/>
-                <a:cs typeface="Courier New" panose="02070309020205020404" pitchFamily="49" charset="0"/>
-              </a:rPr>
-              <a:t>	</a:t>
-            </a:r>
-            <a:r>
-              <a:rPr lang="pt-PT" sz="2400" b="1" dirty="0">
-                <a:solidFill>
-                  <a:srgbClr val="990099"/>
-                </a:solidFill>
-                <a:latin typeface="Courier New" panose="02070309020205020404" pitchFamily="49" charset="0"/>
-                <a:cs typeface="Courier New" panose="02070309020205020404" pitchFamily="49" charset="0"/>
-              </a:rPr>
               <a:t>val</a:t>
             </a:r>
             <a:r>
-              <a:rPr lang="pt-PT" sz="2400" dirty="0" smtClean="0">
-                <a:latin typeface="Courier New" panose="02070309020205020404" pitchFamily="49" charset="0"/>
-                <a:cs typeface="Courier New" panose="02070309020205020404" pitchFamily="49" charset="0"/>
-              </a:rPr>
-              <a:t> </a:t>
-            </a:r>
-            <a:r>
-              <a:rPr lang="pt-PT" sz="2400" dirty="0">
-                <a:latin typeface="Courier New" panose="02070309020205020404" pitchFamily="49" charset="0"/>
-                <a:cs typeface="Courier New" panose="02070309020205020404" pitchFamily="49" charset="0"/>
-              </a:rPr>
-              <a:t>title = _</a:t>
-            </a:r>
-            <a:r>
-              <a:rPr lang="pt-PT" sz="2400" dirty="0">
-                <a:latin typeface="Courier New" panose="02070309020205020404" pitchFamily="49" charset="0"/>
-                <a:cs typeface="Courier New" panose="02070309020205020404" pitchFamily="49" charset="0"/>
-              </a:rPr>
-              <a:t>title</a:t>
-            </a:r>
-          </a:p>
-          <a:p>
-            <a:pPr marL="0" indent="0">
-              <a:buNone/>
-            </a:pPr>
-            <a:r>
-              <a:rPr lang="pt-PT" sz="2400" dirty="0" smtClean="0">
-                <a:latin typeface="Courier New" panose="02070309020205020404" pitchFamily="49" charset="0"/>
-                <a:cs typeface="Courier New" panose="02070309020205020404" pitchFamily="49" charset="0"/>
-              </a:rPr>
-              <a:t>	</a:t>
-            </a:r>
-            <a:r>
-              <a:rPr lang="pt-PT" sz="2400" b="1" dirty="0">
-                <a:solidFill>
-                  <a:srgbClr val="990099"/>
-                </a:solidFill>
-                <a:latin typeface="Courier New" panose="02070309020205020404" pitchFamily="49" charset="0"/>
-                <a:cs typeface="Courier New" panose="02070309020205020404" pitchFamily="49" charset="0"/>
-              </a:rPr>
-              <a:t>val</a:t>
-            </a:r>
-            <a:r>
-              <a:rPr lang="pt-PT" sz="2400" dirty="0" smtClean="0">
-                <a:latin typeface="Courier New" panose="02070309020205020404" pitchFamily="49" charset="0"/>
-                <a:cs typeface="Courier New" panose="02070309020205020404" pitchFamily="49" charset="0"/>
-              </a:rPr>
-              <a:t> </a:t>
-            </a:r>
-            <a:r>
-              <a:rPr lang="pt-PT" sz="2400" dirty="0">
-                <a:latin typeface="Courier New" panose="02070309020205020404" pitchFamily="49" charset="0"/>
-                <a:cs typeface="Courier New" panose="02070309020205020404" pitchFamily="49" charset="0"/>
-              </a:rPr>
-              <a:t>authors = _authors</a:t>
-            </a:r>
-          </a:p>
-          <a:p>
-            <a:pPr marL="0" indent="0">
-              <a:buNone/>
-            </a:pPr>
-            <a:r>
-              <a:rPr lang="pt-PT" sz="2400" dirty="0">
-                <a:latin typeface="Courier New" panose="02070309020205020404" pitchFamily="49" charset="0"/>
-                <a:cs typeface="Courier New" panose="02070309020205020404" pitchFamily="49" charset="0"/>
-              </a:rPr>
-              <a:t>}</a:t>
-            </a:r>
-            <a:endParaRPr lang="pt-PT" sz="2400" dirty="0">
-              <a:latin typeface="Courier New" panose="02070309020205020404" pitchFamily="49" charset="0"/>
-              <a:cs typeface="Courier New" panose="02070309020205020404" pitchFamily="49" charset="0"/>
-            </a:endParaRPr>
-          </a:p>
-          <a:p>
-            <a:pPr marL="0" indent="0">
-              <a:buNone/>
-            </a:pPr>
-            <a:r>
-              <a:rPr lang="pt-PT" sz="2400" dirty="0">
-                <a:latin typeface="Courier New" panose="02070309020205020404" pitchFamily="49" charset="0"/>
-                <a:cs typeface="Courier New" panose="02070309020205020404" pitchFamily="49" charset="0"/>
-              </a:rPr>
-              <a:t> </a:t>
-            </a:r>
-            <a:endParaRPr lang="pt-PT" sz="2400" dirty="0">
-              <a:latin typeface="Courier New" panose="02070309020205020404" pitchFamily="49" charset="0"/>
-              <a:cs typeface="Courier New" panose="02070309020205020404" pitchFamily="49" charset="0"/>
-            </a:endParaRPr>
-          </a:p>
-          <a:p>
-            <a:pPr marL="0" indent="0">
-              <a:buNone/>
-            </a:pPr>
-            <a:r>
-              <a:rPr lang="en-US" sz="2400" b="1" dirty="0" err="1">
-                <a:solidFill>
-                  <a:srgbClr val="990099"/>
-                </a:solidFill>
-                <a:latin typeface="Courier New" panose="02070309020205020404" pitchFamily="49" charset="0"/>
-                <a:cs typeface="Courier New" panose="02070309020205020404" pitchFamily="49" charset="0"/>
-              </a:rPr>
-              <a:t>val</a:t>
-            </a:r>
-            <a:r>
               <a:rPr lang="en-US" sz="2400" dirty="0">
                 <a:latin typeface="Courier New" panose="02070309020205020404" pitchFamily="49" charset="0"/>
                 <a:cs typeface="Courier New" panose="02070309020205020404" pitchFamily="49" charset="0"/>
               </a:rPr>
-              <a:t> </a:t>
-            </a:r>
-            <a:r>
-              <a:rPr lang="en-US" sz="2400" dirty="0">
-                <a:latin typeface="Courier New" panose="02070309020205020404" pitchFamily="49" charset="0"/>
-                <a:cs typeface="Courier New" panose="02070309020205020404" pitchFamily="49" charset="0"/>
-              </a:rPr>
-              <a:t>book = </a:t>
+              <a:t> book = </a:t>
             </a:r>
             <a:r>
               <a:rPr lang="en-US" sz="2400" b="1" dirty="0">
@@ -6357,8 +6534,8 @@
           <a:lstStyle/>
           <a:p>
             <a:r>
-              <a:rPr lang="pt-PT" dirty="0" smtClean="0"/>
-              <a:t>Class (2)</a:t>
+              <a:rPr lang="pt-PT" dirty="0" err="1" smtClean="0"/>
+              <a:t>Class</a:t>
             </a:r>
             <a:endParaRPr lang="pt-PT" dirty="0"/>
           </a:p>
@@ -6758,8 +6935,28 @@
           <a:lstStyle/>
           <a:p>
             <a:r>
-              <a:rPr lang="pt-PT" dirty="0" smtClean="0"/>
+              <a:rPr lang="pt-PT" dirty="0" err="1" smtClean="0"/>
               <a:t>Object</a:t>
+            </a:r>
+            <a:r>
+              <a:rPr lang="pt-PT" dirty="0" smtClean="0"/>
+              <a:t> (</a:t>
+            </a:r>
+            <a:r>
+              <a:rPr lang="pt-PT" dirty="0" err="1" smtClean="0"/>
+              <a:t>built</a:t>
+            </a:r>
+            <a:r>
+              <a:rPr lang="pt-PT" dirty="0" smtClean="0"/>
+              <a:t>-in </a:t>
+            </a:r>
+            <a:r>
+              <a:rPr lang="pt-PT" dirty="0" err="1" smtClean="0"/>
+              <a:t>Singleton</a:t>
+            </a:r>
+            <a:r>
+              <a:rPr lang="pt-PT" dirty="0" smtClean="0"/>
+              <a:t>)</a:t>
             </a:r>
             <a:endParaRPr lang="pt-PT" dirty="0"/>
           </a:p>
@@ -6946,10 +7143,6 @@
               </a:rPr>
               <a:t>    </a:t>
             </a:r>
-            <a:endParaRPr lang="pt-PT" sz="2400" dirty="0">
-              <a:latin typeface="Courier New" panose="02070309020205020404" pitchFamily="49" charset="0"/>
-              <a:cs typeface="Courier New" panose="02070309020205020404" pitchFamily="49" charset="0"/>
-            </a:endParaRPr>
           </a:p>
           <a:p>
             <a:pPr marL="0" indent="0">
@@ -6962,10 +7155,6 @@
               </a:rPr>
               <a:t>WarAndPeace.title                            </a:t>
             </a:r>
-            <a:endParaRPr lang="pt-PT" sz="2400" dirty="0">
-              <a:latin typeface="Courier New" panose="02070309020205020404" pitchFamily="49" charset="0"/>
-              <a:cs typeface="Courier New" panose="02070309020205020404" pitchFamily="49" charset="0"/>
-            </a:endParaRPr>
           </a:p>
           <a:p>
             <a:pPr marL="0" indent="0">
@@ -7533,17 +7722,7 @@
                 <a:latin typeface="Courier New" panose="02070309020205020404" pitchFamily="49" charset="0"/>
                 <a:cs typeface="Courier New" panose="02070309020205020404" pitchFamily="49" charset="0"/>
               </a:rPr>
-              <a:t>c</a:t>
-            </a:r>
-            <a:r>
-              <a:rPr lang="en-US" sz="2400" b="1" dirty="0">
-                <a:solidFill>
-                  <a:srgbClr val="990099"/>
-                </a:solidFill>
-                <a:latin typeface="Courier New" panose="02070309020205020404" pitchFamily="49" charset="0"/>
-                <a:cs typeface="Courier New" panose="02070309020205020404" pitchFamily="49" charset="0"/>
-              </a:rPr>
-              <a:t>lass</a:t>
+              <a:t>class</a:t>
             </a:r>
             <a:r>
               <a:rPr lang="en-US" sz="2400" dirty="0" smtClean="0">
@@ -8434,11 +8613,11 @@
   <p:clrMapOvr>
     <a:masterClrMapping/>
   </p:clrMapOvr>
-  <mc:AlternateContent xmlns:mc="http://schemas.openxmlformats.org/markup-compatibility/2006">
-    <mc:Choice xmlns:p14="http://schemas.microsoft.com/office/powerpoint/2010/main" Requires="p14">
+  <mc:AlternateContent xmlns:mc="http://schemas.openxmlformats.org/markup-compatibility/2006" xmlns:p14="http://schemas.microsoft.com/office/powerpoint/2010/main">
+    <mc:Choice Requires="p14">
       <p:transition spd="slow" p14:dur="2000"/>
     </mc:Choice>
-    <mc:Fallback>
+    <mc:Fallback xmlns="">
       <p:transition spd="slow"/>
     </mc:Fallback>
   </mc:AlternateContent>
@@ -8514,11 +8693,11 @@
   <p:clrMapOvr>
     <a:masterClrMapping/>
   </p:clrMapOvr>
-  <mc:AlternateContent xmlns:mc="http://schemas.openxmlformats.org/markup-compatibility/2006">
-    <mc:Choice xmlns:p14="http://schemas.microsoft.com/office/powerpoint/2010/main" Requires="p14">
+  <mc:AlternateContent xmlns:mc="http://schemas.openxmlformats.org/markup-compatibility/2006" xmlns:p14="http://schemas.microsoft.com/office/powerpoint/2010/main">
+    <mc:Choice Requires="p14">
       <p:transition spd="slow" p14:dur="2000"/>
     </mc:Choice>
-    <mc:Fallback>
+    <mc:Fallback xmlns="">
       <p:transition spd="slow"/>
     </mc:Fallback>
   </mc:AlternateContent>
@@ -8822,11 +9001,7 @@
           <a:p>
             <a:r>
               <a:rPr lang="pt-PT" dirty="0" smtClean="0"/>
-              <a:t>Many ways to do the same </a:t>
-            </a:r>
-            <a:r>
-              <a:rPr lang="pt-PT" dirty="0" smtClean="0"/>
-              <a:t>thing (can be confusing especially when you are reading someone else’s code)</a:t>
+              <a:t>Many ways to do the same thing (can be confusing especially when you are reading someone else’s code)</a:t>
             </a:r>
           </a:p>
           <a:p>
@@ -8834,16 +9009,11 @@
               <a:rPr lang="pt-PT" dirty="0" smtClean="0"/>
               <a:t>Big language</a:t>
             </a:r>
-            <a:endParaRPr lang="pt-PT" dirty="0" smtClean="0"/>
-          </a:p>
-          <a:p>
-            <a:r>
-              <a:rPr lang="pt-PT" dirty="0" smtClean="0"/>
-              <a:t>Easy to do ineficient code if you don’t know what you are </a:t>
-            </a:r>
-            <a:r>
-              <a:rPr lang="pt-PT" dirty="0" smtClean="0"/>
-              <a:t>doing (</a:t>
+          </a:p>
+          <a:p>
+            <a:r>
+              <a:rPr lang="pt-PT" dirty="0" smtClean="0"/>
+              <a:t>Easy to do ineficient code if you don’t know what you are doing (</a:t>
             </a:r>
             <a:r>
               <a:rPr lang="pt-PT" i="1" dirty="0" smtClean="0"/>
@@ -8853,27 +9023,17 @@
               <a:rPr lang="pt-PT" dirty="0" smtClean="0"/>
               <a:t>for expressions are not what you think)</a:t>
             </a:r>
-            <a:endParaRPr lang="pt-PT" dirty="0" smtClean="0"/>
-          </a:p>
-          <a:p>
-            <a:r>
-              <a:rPr lang="pt-PT" dirty="0" smtClean="0"/>
-              <a:t>Many people complain about the build </a:t>
-            </a:r>
-            <a:r>
-              <a:rPr lang="pt-PT" dirty="0" smtClean="0"/>
-              <a:t>times</a:t>
-            </a:r>
-            <a:endParaRPr lang="pt-PT" dirty="0" smtClean="0"/>
-          </a:p>
-          <a:p>
-            <a:r>
-              <a:rPr lang="pt-PT" dirty="0" smtClean="0"/>
-              <a:t>And also complain about the complexity of </a:t>
-            </a:r>
-            <a:r>
-              <a:rPr lang="pt-PT" dirty="0" smtClean="0"/>
-              <a:t>SBT</a:t>
+          </a:p>
+          <a:p>
+            <a:r>
+              <a:rPr lang="pt-PT" dirty="0" smtClean="0"/>
+              <a:t>Many people complain about the build times</a:t>
+            </a:r>
+          </a:p>
+          <a:p>
+            <a:r>
+              <a:rPr lang="pt-PT" dirty="0" smtClean="0"/>
+              <a:t>And also complain about the complexity of SBT</a:t>
             </a:r>
           </a:p>
           <a:p>
@@ -8887,7 +9047,6 @@
               <a:rPr lang="pt-PT" dirty="0" smtClean="0"/>
               <a:t>Tools could be better</a:t>
             </a:r>
-            <a:endParaRPr lang="pt-PT" dirty="0" smtClean="0"/>
           </a:p>
         </p:txBody>
       </p:sp>
@@ -9475,57 +9634,32 @@
           <a:p>
             <a:r>
               <a:rPr lang="pt-PT" dirty="0" smtClean="0"/>
-              <a:t>Is Scala a better Java</a:t>
-            </a:r>
-            <a:r>
-              <a:rPr lang="pt-PT" dirty="0" smtClean="0"/>
-              <a:t>?</a:t>
-            </a:r>
-            <a:endParaRPr lang="pt-PT" dirty="0" smtClean="0"/>
+              <a:t>Is Scala a better Java?</a:t>
+            </a:r>
           </a:p>
           <a:p>
             <a:r>
               <a:rPr lang="pt-PT" dirty="0" smtClean="0"/>
               <a:t>Is Scala really complex? </a:t>
             </a:r>
-            <a:endParaRPr lang="pt-PT" dirty="0" smtClean="0"/>
-          </a:p>
-          <a:p>
-            <a:r>
-              <a:rPr lang="pt-PT" dirty="0" smtClean="0"/>
-              <a:t>Can </a:t>
-            </a:r>
-            <a:r>
-              <a:rPr lang="pt-PT" dirty="0" smtClean="0"/>
-              <a:t>I start using it without going mad</a:t>
-            </a:r>
-            <a:r>
-              <a:rPr lang="pt-PT" dirty="0" smtClean="0"/>
-              <a:t>?</a:t>
-            </a:r>
-            <a:endParaRPr lang="pt-PT" dirty="0" smtClean="0"/>
-          </a:p>
-          <a:p>
-            <a:r>
-              <a:rPr lang="pt-PT" dirty="0" smtClean="0"/>
-              <a:t>Is it all roses</a:t>
-            </a:r>
-            <a:r>
-              <a:rPr lang="pt-PT" dirty="0" smtClean="0"/>
-              <a:t>?</a:t>
-            </a:r>
-            <a:endParaRPr lang="pt-PT" dirty="0" smtClean="0"/>
-          </a:p>
-          <a:p>
-            <a:r>
-              <a:rPr lang="pt-PT" dirty="0" smtClean="0"/>
-              <a:t>Should my enterprise change all it’s stack to Scala</a:t>
-            </a:r>
-            <a:r>
-              <a:rPr lang="pt-PT" dirty="0" smtClean="0"/>
-              <a:t>?</a:t>
-            </a:r>
-            <a:endParaRPr lang="pt-PT" dirty="0" smtClean="0"/>
+          </a:p>
+          <a:p>
+            <a:r>
+              <a:rPr lang="pt-PT" dirty="0" smtClean="0"/>
+              <a:t>Can I start using it without going mad?</a:t>
+            </a:r>
+          </a:p>
+          <a:p>
+            <a:r>
+              <a:rPr lang="pt-PT" dirty="0" smtClean="0"/>
+              <a:t>Is it all roses?</a:t>
+            </a:r>
+          </a:p>
+          <a:p>
+            <a:r>
+              <a:rPr lang="pt-PT" dirty="0" smtClean="0"/>
+              <a:t>Should my enterprise change all it’s stack to Scala?</a:t>
+            </a:r>
           </a:p>
           <a:p>
             <a:endParaRPr lang="pt-PT" dirty="0"/>
@@ -9643,15 +9777,7 @@
             </a:r>
             <a:r>
               <a:rPr lang="pt-PT" dirty="0" smtClean="0"/>
-              <a:t>Lift, </a:t>
-            </a:r>
-            <a:r>
-              <a:rPr lang="pt-PT" dirty="0" smtClean="0"/>
-              <a:t>Spray, Scalatra (</a:t>
-            </a:r>
-            <a:r>
-              <a:rPr lang="pt-PT" dirty="0" smtClean="0"/>
-              <a:t>Web frameworks and Web API toolkits)</a:t>
+              <a:t>Lift, Spray, Scalatra (Web frameworks and Web API toolkits)</a:t>
             </a:r>
           </a:p>
           <a:p>
@@ -9677,11 +9803,7 @@
           <a:p>
             <a:r>
               <a:rPr lang="pt-PT" dirty="0" smtClean="0"/>
-              <a:t>Finagle </a:t>
-            </a:r>
-            <a:r>
-              <a:rPr lang="pt-PT" dirty="0" smtClean="0"/>
-              <a:t>(protocol agnostic RPC)</a:t>
+              <a:t>Finagle (protocol agnostic RPC)</a:t>
             </a:r>
             <a:endParaRPr lang="pt-PT" dirty="0"/>
           </a:p>
@@ -9899,19 +10021,7 @@
           <a:p>
             <a:r>
               <a:rPr lang="pt-PT" dirty="0" smtClean="0"/>
-              <a:t>Demo </a:t>
-            </a:r>
-            <a:r>
-              <a:rPr lang="pt-PT" dirty="0" smtClean="0"/>
-              <a:t>3 </a:t>
-            </a:r>
-            <a:r>
-              <a:rPr lang="pt-PT" dirty="0" smtClean="0"/>
-              <a:t>– </a:t>
-            </a:r>
-            <a:r>
-              <a:rPr lang="pt-PT" dirty="0" smtClean="0"/>
-              <a:t>REPL</a:t>
+              <a:t>Demo 3 – REPL</a:t>
             </a:r>
             <a:endParaRPr lang="pt-PT" dirty="0"/>
           </a:p>
@@ -9998,15 +10108,7 @@
             </a:r>
             <a:r>
               <a:rPr lang="pt-PT" dirty="0" smtClean="0"/>
-              <a:t> </a:t>
-            </a:r>
-            <a:r>
-              <a:rPr lang="pt-PT" dirty="0" smtClean="0"/>
-              <a:t>– </a:t>
-            </a:r>
-            <a:r>
-              <a:rPr lang="pt-PT" dirty="0" smtClean="0"/>
-              <a:t>Dependencies with SBT</a:t>
+              <a:t> – Dependencies with SBT</a:t>
             </a:r>
             <a:endParaRPr lang="pt-PT" dirty="0"/>
           </a:p>

--- a/Scala First Steps.pptx
+++ b/Scala First Steps.pptx
@@ -33,10 +33,10 @@
     <p:sldId id="286" r:id="rId24"/>
     <p:sldId id="287" r:id="rId25"/>
     <p:sldId id="292" r:id="rId26"/>
-    <p:sldId id="288" r:id="rId27"/>
-    <p:sldId id="276" r:id="rId28"/>
-    <p:sldId id="289" r:id="rId29"/>
-    <p:sldId id="290" r:id="rId30"/>
+    <p:sldId id="293" r:id="rId27"/>
+    <p:sldId id="294" r:id="rId28"/>
+    <p:sldId id="288" r:id="rId29"/>
+    <p:sldId id="276" r:id="rId30"/>
     <p:sldId id="262" r:id="rId31"/>
     <p:sldId id="272" r:id="rId32"/>
     <p:sldId id="280" r:id="rId33"/>
@@ -231,7 +231,7 @@
           <a:p>
             <a:fld id="{1D855082-56B6-4FB8-9BA6-FE0702453F35}" type="datetimeFigureOut">
               <a:rPr lang="pt-PT" smtClean="0"/>
-              <a:t>13/01/2014</a:t>
+              <a:t>20/01/2014</a:t>
             </a:fld>
             <a:endParaRPr lang="pt-PT"/>
           </a:p>
@@ -1002,7 +1002,7 @@
           <a:p>
             <a:fld id="{C4F659C4-755D-465E-9236-F52AADEC78B8}" type="datetimeFigureOut">
               <a:rPr lang="pt-PT" smtClean="0"/>
-              <a:t>13/01/2014</a:t>
+              <a:t>20/01/2014</a:t>
             </a:fld>
             <a:endParaRPr lang="pt-PT"/>
           </a:p>
@@ -1172,7 +1172,7 @@
           <a:p>
             <a:fld id="{C4F659C4-755D-465E-9236-F52AADEC78B8}" type="datetimeFigureOut">
               <a:rPr lang="pt-PT" smtClean="0"/>
-              <a:t>13/01/2014</a:t>
+              <a:t>20/01/2014</a:t>
             </a:fld>
             <a:endParaRPr lang="pt-PT"/>
           </a:p>
@@ -1352,7 +1352,7 @@
           <a:p>
             <a:fld id="{C4F659C4-755D-465E-9236-F52AADEC78B8}" type="datetimeFigureOut">
               <a:rPr lang="pt-PT" smtClean="0"/>
-              <a:t>13/01/2014</a:t>
+              <a:t>20/01/2014</a:t>
             </a:fld>
             <a:endParaRPr lang="pt-PT"/>
           </a:p>
@@ -1522,7 +1522,7 @@
           <a:p>
             <a:fld id="{C4F659C4-755D-465E-9236-F52AADEC78B8}" type="datetimeFigureOut">
               <a:rPr lang="pt-PT" smtClean="0"/>
-              <a:t>13/01/2014</a:t>
+              <a:t>20/01/2014</a:t>
             </a:fld>
             <a:endParaRPr lang="pt-PT"/>
           </a:p>
@@ -1768,7 +1768,7 @@
           <a:p>
             <a:fld id="{C4F659C4-755D-465E-9236-F52AADEC78B8}" type="datetimeFigureOut">
               <a:rPr lang="pt-PT" smtClean="0"/>
-              <a:t>13/01/2014</a:t>
+              <a:t>20/01/2014</a:t>
             </a:fld>
             <a:endParaRPr lang="pt-PT"/>
           </a:p>
@@ -2000,7 +2000,7 @@
           <a:p>
             <a:fld id="{C4F659C4-755D-465E-9236-F52AADEC78B8}" type="datetimeFigureOut">
               <a:rPr lang="pt-PT" smtClean="0"/>
-              <a:t>13/01/2014</a:t>
+              <a:t>20/01/2014</a:t>
             </a:fld>
             <a:endParaRPr lang="pt-PT"/>
           </a:p>
@@ -2367,7 +2367,7 @@
           <a:p>
             <a:fld id="{C4F659C4-755D-465E-9236-F52AADEC78B8}" type="datetimeFigureOut">
               <a:rPr lang="pt-PT" smtClean="0"/>
-              <a:t>13/01/2014</a:t>
+              <a:t>20/01/2014</a:t>
             </a:fld>
             <a:endParaRPr lang="pt-PT"/>
           </a:p>
@@ -2485,7 +2485,7 @@
           <a:p>
             <a:fld id="{C4F659C4-755D-465E-9236-F52AADEC78B8}" type="datetimeFigureOut">
               <a:rPr lang="pt-PT" smtClean="0"/>
-              <a:t>13/01/2014</a:t>
+              <a:t>20/01/2014</a:t>
             </a:fld>
             <a:endParaRPr lang="pt-PT"/>
           </a:p>
@@ -2580,7 +2580,7 @@
           <a:p>
             <a:fld id="{C4F659C4-755D-465E-9236-F52AADEC78B8}" type="datetimeFigureOut">
               <a:rPr lang="pt-PT" smtClean="0"/>
-              <a:t>13/01/2014</a:t>
+              <a:t>20/01/2014</a:t>
             </a:fld>
             <a:endParaRPr lang="pt-PT"/>
           </a:p>
@@ -2857,7 +2857,7 @@
           <a:p>
             <a:fld id="{C4F659C4-755D-465E-9236-F52AADEC78B8}" type="datetimeFigureOut">
               <a:rPr lang="pt-PT" smtClean="0"/>
-              <a:t>13/01/2014</a:t>
+              <a:t>20/01/2014</a:t>
             </a:fld>
             <a:endParaRPr lang="pt-PT"/>
           </a:p>
@@ -3110,7 +3110,7 @@
           <a:p>
             <a:fld id="{C4F659C4-755D-465E-9236-F52AADEC78B8}" type="datetimeFigureOut">
               <a:rPr lang="pt-PT" smtClean="0"/>
-              <a:t>13/01/2014</a:t>
+              <a:t>20/01/2014</a:t>
             </a:fld>
             <a:endParaRPr lang="pt-PT"/>
           </a:p>
@@ -3323,7 +3323,7 @@
           <a:p>
             <a:fld id="{C4F659C4-755D-465E-9236-F52AADEC78B8}" type="datetimeFigureOut">
               <a:rPr lang="pt-PT" smtClean="0"/>
-              <a:t>13/01/2014</a:t>
+              <a:t>20/01/2014</a:t>
             </a:fld>
             <a:endParaRPr lang="pt-PT"/>
           </a:p>
@@ -4027,11 +4027,7 @@
             </a:r>
             <a:r>
               <a:rPr lang="pt-PT" dirty="0" smtClean="0"/>
-              <a:t> </a:t>
-            </a:r>
-            <a:r>
-              <a:rPr lang="pt-PT" dirty="0" smtClean="0"/>
-              <a:t>exist, the closest thing is a function whose </a:t>
+              <a:t> exist, the closest thing is a function whose </a:t>
             </a:r>
             <a:r>
               <a:rPr lang="pt-PT" b="1" dirty="0" smtClean="0"/>
@@ -4172,14 +4168,7 @@
                 <a:latin typeface="Courier New" panose="02070309020205020404" pitchFamily="49" charset="0"/>
                 <a:cs typeface="Courier New" panose="02070309020205020404" pitchFamily="49" charset="0"/>
               </a:rPr>
-              <a:t> = </a:t>
-            </a:r>
-            <a:r>
-              <a:rPr lang="pt-PT" dirty="0" smtClean="0">
-                <a:latin typeface="Courier New" panose="02070309020205020404" pitchFamily="49" charset="0"/>
-                <a:cs typeface="Courier New" panose="02070309020205020404" pitchFamily="49" charset="0"/>
-              </a:rPr>
-              <a:t>1 </a:t>
+              <a:t> = 1 </a:t>
             </a:r>
             <a:r>
               <a:rPr lang="pt-PT" dirty="0" smtClean="0">
@@ -4312,7 +4301,17 @@
                 <a:latin typeface="Courier New" panose="02070309020205020404" pitchFamily="49" charset="0"/>
                 <a:cs typeface="Courier New" panose="02070309020205020404" pitchFamily="49" charset="0"/>
               </a:rPr>
-              <a:t> </a:t>
+              <a:t> compile, is like final </a:t>
+            </a:r>
+            <a:r>
+              <a:rPr lang="pt-PT" dirty="0" err="1" smtClean="0">
+                <a:solidFill>
+                  <a:schemeClr val="accent6"/>
+                </a:solidFill>
+                <a:latin typeface="Courier New" panose="02070309020205020404" pitchFamily="49" charset="0"/>
+                <a:cs typeface="Courier New" panose="02070309020205020404" pitchFamily="49" charset="0"/>
+              </a:rPr>
+              <a:t>variables</a:t>
             </a:r>
             <a:r>
               <a:rPr lang="pt-PT" dirty="0" smtClean="0">
@@ -4322,35 +4321,8 @@
                 <a:latin typeface="Courier New" panose="02070309020205020404" pitchFamily="49" charset="0"/>
                 <a:cs typeface="Courier New" panose="02070309020205020404" pitchFamily="49" charset="0"/>
               </a:rPr>
-              <a:t>compile, is like final </a:t>
-            </a:r>
-            <a:r>
-              <a:rPr lang="pt-PT" dirty="0" err="1" smtClean="0">
-                <a:solidFill>
-                  <a:schemeClr val="accent6"/>
-                </a:solidFill>
-                <a:latin typeface="Courier New" panose="02070309020205020404" pitchFamily="49" charset="0"/>
-                <a:cs typeface="Courier New" panose="02070309020205020404" pitchFamily="49" charset="0"/>
-              </a:rPr>
-              <a:t>variables</a:t>
-            </a:r>
-            <a:r>
-              <a:rPr lang="pt-PT" dirty="0" smtClean="0">
-                <a:solidFill>
-                  <a:schemeClr val="accent6"/>
-                </a:solidFill>
-                <a:latin typeface="Courier New" panose="02070309020205020404" pitchFamily="49" charset="0"/>
-                <a:cs typeface="Courier New" panose="02070309020205020404" pitchFamily="49" charset="0"/>
-              </a:rPr>
               <a:t> */</a:t>
             </a:r>
-            <a:endParaRPr lang="pt-PT" dirty="0" smtClean="0">
-              <a:solidFill>
-                <a:schemeClr val="accent6"/>
-              </a:solidFill>
-              <a:latin typeface="Courier New" panose="02070309020205020404" pitchFamily="49" charset="0"/>
-              <a:cs typeface="Courier New" panose="02070309020205020404" pitchFamily="49" charset="0"/>
-            </a:endParaRPr>
           </a:p>
           <a:p>
             <a:pPr marL="0" indent="0">
@@ -4411,14 +4383,7 @@
                 <a:latin typeface="Courier New" panose="02070309020205020404" pitchFamily="49" charset="0"/>
                 <a:cs typeface="Courier New" panose="02070309020205020404" pitchFamily="49" charset="0"/>
               </a:rPr>
-              <a:t> = </a:t>
-            </a:r>
-            <a:r>
-              <a:rPr lang="pt-PT" dirty="0" smtClean="0">
-                <a:latin typeface="Courier New" panose="02070309020205020404" pitchFamily="49" charset="0"/>
-                <a:cs typeface="Courier New" panose="02070309020205020404" pitchFamily="49" charset="0"/>
-              </a:rPr>
-              <a:t>1</a:t>
+              <a:t> = 1</a:t>
             </a:r>
           </a:p>
           <a:p>
@@ -4726,9 +4691,6 @@
               </a:rPr>
               <a:t>.</a:t>
             </a:r>
-            <a:endParaRPr lang="pt-PT" dirty="0" smtClean="0">
-              <a:cs typeface="Courier New" panose="02070309020205020404" pitchFamily="49" charset="0"/>
-            </a:endParaRPr>
           </a:p>
           <a:p>
             <a:pPr marL="0" indent="0">
@@ -7197,6 +7159,13 @@
   <p:clrMapOvr>
     <a:masterClrMapping/>
   </p:clrMapOvr>
+  <p:timing>
+    <p:tnLst>
+      <p:par>
+        <p:cTn id="1" dur="indefinite" restart="never" nodeType="tmRoot"/>
+      </p:par>
+    </p:tnLst>
+  </p:timing>
 </p:sld>
 </file>
 
@@ -7479,6 +7448,13 @@
   <p:clrMapOvr>
     <a:masterClrMapping/>
   </p:clrMapOvr>
+  <p:timing>
+    <p:tnLst>
+      <p:par>
+        <p:cTn id="1" dur="indefinite" restart="never" nodeType="tmRoot"/>
+      </p:par>
+    </p:tnLst>
+  </p:timing>
 </p:sld>
 </file>
 
@@ -7799,6 +7775,13 @@
   <p:clrMapOvr>
     <a:masterClrMapping/>
   </p:clrMapOvr>
+  <p:timing>
+    <p:tnLst>
+      <p:par>
+        <p:cTn id="1" dur="indefinite" restart="never" nodeType="tmRoot"/>
+      </p:par>
+    </p:tnLst>
+  </p:timing>
 </p:sld>
 </file>
 
@@ -8088,6 +8071,13 @@
   <p:clrMapOvr>
     <a:masterClrMapping/>
   </p:clrMapOvr>
+  <p:timing>
+    <p:tnLst>
+      <p:par>
+        <p:cTn id="1" dur="indefinite" restart="never" nodeType="tmRoot"/>
+      </p:par>
+    </p:tnLst>
+  </p:timing>
 </p:sld>
 </file>
 
@@ -8125,7 +8115,7 @@
           <a:p>
             <a:r>
               <a:rPr lang="pt-PT" dirty="0" smtClean="0"/>
-              <a:t>Properties</a:t>
+              <a:t>Case class</a:t>
             </a:r>
             <a:endParaRPr lang="pt-PT" dirty="0"/>
           </a:p>
@@ -8143,292 +8133,79 @@
         </p:nvSpPr>
         <p:spPr/>
         <p:txBody>
-          <a:bodyPr>
-            <a:noAutofit/>
-          </a:bodyPr>
+          <a:bodyPr/>
           <a:lstStyle/>
           <a:p>
             <a:pPr marL="0" indent="0">
               <a:buNone/>
             </a:pPr>
             <a:r>
-              <a:rPr lang="en-US" sz="2400" b="1" dirty="0">
-                <a:solidFill>
-                  <a:srgbClr val="990099"/>
-                </a:solidFill>
-                <a:latin typeface="Courier New" panose="02070309020205020404" pitchFamily="49" charset="0"/>
-                <a:cs typeface="Courier New" panose="02070309020205020404" pitchFamily="49" charset="0"/>
-              </a:rPr>
-              <a:t>class</a:t>
-            </a:r>
-            <a:r>
-              <a:rPr lang="en-US" sz="2400" dirty="0">
-                <a:latin typeface="Courier New" panose="02070309020205020404" pitchFamily="49" charset="0"/>
-                <a:cs typeface="Courier New" panose="02070309020205020404" pitchFamily="49" charset="0"/>
-              </a:rPr>
-              <a:t> </a:t>
-            </a:r>
-            <a:r>
-              <a:rPr lang="en-US" sz="2400" b="1" dirty="0">
-                <a:solidFill>
-                  <a:srgbClr val="990099"/>
-                </a:solidFill>
-                <a:latin typeface="Courier New" panose="02070309020205020404" pitchFamily="49" charset="0"/>
-                <a:cs typeface="Courier New" panose="02070309020205020404" pitchFamily="49" charset="0"/>
-              </a:rPr>
-              <a:t>Book</a:t>
-            </a:r>
-            <a:r>
-              <a:rPr lang="en-US" sz="2400" dirty="0">
-                <a:latin typeface="Courier New" panose="02070309020205020404" pitchFamily="49" charset="0"/>
-                <a:cs typeface="Courier New" panose="02070309020205020404" pitchFamily="49" charset="0"/>
-              </a:rPr>
-              <a:t>(</a:t>
-            </a:r>
-            <a:r>
-              <a:rPr lang="en-US" sz="2400" b="1" dirty="0">
-                <a:solidFill>
-                  <a:srgbClr val="990099"/>
-                </a:solidFill>
-                <a:latin typeface="Courier New" panose="02070309020205020404" pitchFamily="49" charset="0"/>
-                <a:cs typeface="Courier New" panose="02070309020205020404" pitchFamily="49" charset="0"/>
-              </a:rPr>
-              <a:t>private </a:t>
-            </a:r>
-            <a:r>
-              <a:rPr lang="en-US" sz="2400" b="1" dirty="0" err="1">
-                <a:solidFill>
-                  <a:srgbClr val="990099"/>
-                </a:solidFill>
-                <a:latin typeface="Courier New" panose="02070309020205020404" pitchFamily="49" charset="0"/>
-                <a:cs typeface="Courier New" panose="02070309020205020404" pitchFamily="49" charset="0"/>
-              </a:rPr>
-              <a:t>var</a:t>
-            </a:r>
-            <a:r>
-              <a:rPr lang="en-US" sz="2400" dirty="0">
-                <a:latin typeface="Courier New" panose="02070309020205020404" pitchFamily="49" charset="0"/>
-                <a:cs typeface="Courier New" panose="02070309020205020404" pitchFamily="49" charset="0"/>
-              </a:rPr>
-              <a:t> _title: String) {</a:t>
-            </a:r>
-          </a:p>
-          <a:p>
-            <a:pPr marL="0" indent="0">
-              <a:buNone/>
-            </a:pPr>
-            <a:r>
-              <a:rPr lang="en-US" sz="2400" dirty="0">
-                <a:latin typeface="Courier New" panose="02070309020205020404" pitchFamily="49" charset="0"/>
-                <a:cs typeface="Courier New" panose="02070309020205020404" pitchFamily="49" charset="0"/>
-              </a:rPr>
-              <a:t>    </a:t>
-            </a:r>
-            <a:r>
-              <a:rPr lang="en-US" sz="2400" b="1" dirty="0" err="1">
-                <a:solidFill>
-                  <a:srgbClr val="990099"/>
-                </a:solidFill>
-                <a:latin typeface="Courier New" panose="02070309020205020404" pitchFamily="49" charset="0"/>
-                <a:cs typeface="Courier New" panose="02070309020205020404" pitchFamily="49" charset="0"/>
-              </a:rPr>
-              <a:t>def</a:t>
-            </a:r>
-            <a:r>
-              <a:rPr lang="en-US" sz="2400" dirty="0">
-                <a:latin typeface="Courier New" panose="02070309020205020404" pitchFamily="49" charset="0"/>
-                <a:cs typeface="Courier New" panose="02070309020205020404" pitchFamily="49" charset="0"/>
-              </a:rPr>
-              <a:t> title: String = _title</a:t>
-            </a:r>
-          </a:p>
-          <a:p>
-            <a:pPr marL="0" indent="0">
-              <a:buNone/>
-            </a:pPr>
-            <a:r>
-              <a:rPr lang="en-US" sz="2400" dirty="0">
-                <a:latin typeface="Courier New" panose="02070309020205020404" pitchFamily="49" charset="0"/>
-                <a:cs typeface="Courier New" panose="02070309020205020404" pitchFamily="49" charset="0"/>
-              </a:rPr>
-              <a:t>    </a:t>
-            </a:r>
-            <a:r>
-              <a:rPr lang="en-US" sz="2400" b="1" dirty="0" err="1">
-                <a:solidFill>
-                  <a:srgbClr val="990099"/>
-                </a:solidFill>
-                <a:latin typeface="Courier New" panose="02070309020205020404" pitchFamily="49" charset="0"/>
-                <a:cs typeface="Courier New" panose="02070309020205020404" pitchFamily="49" charset="0"/>
-              </a:rPr>
-              <a:t>def</a:t>
-            </a:r>
-            <a:r>
-              <a:rPr lang="en-US" sz="2400" dirty="0">
-                <a:latin typeface="Courier New" panose="02070309020205020404" pitchFamily="49" charset="0"/>
-                <a:cs typeface="Courier New" panose="02070309020205020404" pitchFamily="49" charset="0"/>
-              </a:rPr>
-              <a:t> title_=(v: String) { _title = v }</a:t>
-            </a:r>
-          </a:p>
-          <a:p>
-            <a:pPr marL="0" indent="0">
-              <a:buNone/>
-            </a:pPr>
-            <a:r>
-              <a:rPr lang="en-US" sz="2400" dirty="0">
-                <a:latin typeface="Courier New" panose="02070309020205020404" pitchFamily="49" charset="0"/>
-                <a:cs typeface="Courier New" panose="02070309020205020404" pitchFamily="49" charset="0"/>
-              </a:rPr>
-              <a:t>}</a:t>
-            </a:r>
-          </a:p>
-          <a:p>
-            <a:pPr marL="0" indent="0">
-              <a:buNone/>
-            </a:pPr>
-            <a:r>
-              <a:rPr lang="en-US" sz="2400" dirty="0">
-                <a:latin typeface="Courier New" panose="02070309020205020404" pitchFamily="49" charset="0"/>
-                <a:cs typeface="Courier New" panose="02070309020205020404" pitchFamily="49" charset="0"/>
-              </a:rPr>
-              <a:t>  </a:t>
-            </a:r>
-          </a:p>
-          <a:p>
-            <a:pPr marL="0" indent="0">
-              <a:buNone/>
-            </a:pPr>
-            <a:r>
-              <a:rPr lang="en-US" sz="2400" b="1" dirty="0" err="1">
-                <a:solidFill>
-                  <a:srgbClr val="990099"/>
-                </a:solidFill>
-                <a:latin typeface="Courier New" panose="02070309020205020404" pitchFamily="49" charset="0"/>
-                <a:cs typeface="Courier New" panose="02070309020205020404" pitchFamily="49" charset="0"/>
-              </a:rPr>
+              <a:rPr lang="pt-PT" dirty="0" smtClean="0"/>
+              <a:t>Scala compiler add some syntactic conveniences to your class:</a:t>
+            </a:r>
+          </a:p>
+          <a:p>
+            <a:r>
+              <a:rPr lang="pt-PT" dirty="0" smtClean="0"/>
+              <a:t>Factory method with the name of the class</a:t>
+            </a:r>
+          </a:p>
+          <a:p>
+            <a:r>
+              <a:rPr lang="pt-PT" dirty="0" smtClean="0"/>
+              <a:t>All arguments in the parameter list get a </a:t>
+            </a:r>
+            <a:r>
+              <a:rPr lang="pt-PT" b="1" u="sng" dirty="0" smtClean="0"/>
               <a:t>val</a:t>
             </a:r>
             <a:r>
-              <a:rPr lang="en-US" sz="2400" dirty="0">
-                <a:latin typeface="Courier New" panose="02070309020205020404" pitchFamily="49" charset="0"/>
-                <a:cs typeface="Courier New" panose="02070309020205020404" pitchFamily="49" charset="0"/>
-              </a:rPr>
-              <a:t> book = </a:t>
-            </a:r>
-            <a:r>
-              <a:rPr lang="en-US" sz="2400" b="1" dirty="0">
-                <a:solidFill>
-                  <a:srgbClr val="990099"/>
-                </a:solidFill>
-                <a:latin typeface="Courier New" panose="02070309020205020404" pitchFamily="49" charset="0"/>
-                <a:cs typeface="Courier New" panose="02070309020205020404" pitchFamily="49" charset="0"/>
-              </a:rPr>
-              <a:t>new</a:t>
-            </a:r>
-            <a:r>
-              <a:rPr lang="en-US" sz="2400" dirty="0">
-                <a:latin typeface="Courier New" panose="02070309020205020404" pitchFamily="49" charset="0"/>
-                <a:cs typeface="Courier New" panose="02070309020205020404" pitchFamily="49" charset="0"/>
-              </a:rPr>
-              <a:t> Book("1984")      </a:t>
-            </a:r>
-          </a:p>
-          <a:p>
-            <a:pPr marL="0" indent="0">
-              <a:buNone/>
-            </a:pPr>
-            <a:r>
-              <a:rPr lang="en-US" sz="2400" dirty="0">
-                <a:latin typeface="Courier New" panose="02070309020205020404" pitchFamily="49" charset="0"/>
-                <a:cs typeface="Courier New" panose="02070309020205020404" pitchFamily="49" charset="0"/>
-              </a:rPr>
-              <a:t>                                   </a:t>
-            </a:r>
-          </a:p>
-          <a:p>
-            <a:pPr marL="0" indent="0">
-              <a:buNone/>
-            </a:pPr>
-            <a:r>
-              <a:rPr lang="en-US" sz="2400" b="1" dirty="0" err="1">
-                <a:solidFill>
-                  <a:srgbClr val="990099"/>
-                </a:solidFill>
-                <a:latin typeface="Courier New" panose="02070309020205020404" pitchFamily="49" charset="0"/>
-                <a:cs typeface="Courier New" panose="02070309020205020404" pitchFamily="49" charset="0"/>
-              </a:rPr>
-              <a:t>val</a:t>
-            </a:r>
-            <a:r>
-              <a:rPr lang="en-US" sz="2400" dirty="0">
-                <a:latin typeface="Courier New" panose="02070309020205020404" pitchFamily="49" charset="0"/>
-                <a:cs typeface="Courier New" panose="02070309020205020404" pitchFamily="49" charset="0"/>
-              </a:rPr>
-              <a:t> title = </a:t>
-            </a:r>
-            <a:r>
-              <a:rPr lang="en-US" sz="2400" dirty="0" err="1">
-                <a:latin typeface="Courier New" panose="02070309020205020404" pitchFamily="49" charset="0"/>
-                <a:cs typeface="Courier New" panose="02070309020205020404" pitchFamily="49" charset="0"/>
-              </a:rPr>
-              <a:t>book.title</a:t>
-            </a:r>
-            <a:r>
-              <a:rPr lang="en-US" sz="2400" dirty="0">
-                <a:latin typeface="Courier New" panose="02070309020205020404" pitchFamily="49" charset="0"/>
-                <a:cs typeface="Courier New" panose="02070309020205020404" pitchFamily="49" charset="0"/>
-              </a:rPr>
-              <a:t>           </a:t>
-            </a:r>
-          </a:p>
-          <a:p>
-            <a:pPr marL="0" indent="0">
-              <a:buNone/>
-            </a:pPr>
-            <a:r>
-              <a:rPr lang="en-US" sz="2400" dirty="0" err="1">
-                <a:latin typeface="Courier New" panose="02070309020205020404" pitchFamily="49" charset="0"/>
-                <a:cs typeface="Courier New" panose="02070309020205020404" pitchFamily="49" charset="0"/>
-              </a:rPr>
-              <a:t>book.title</a:t>
-            </a:r>
-            <a:r>
-              <a:rPr lang="en-US" sz="2400" dirty="0">
-                <a:latin typeface="Courier New" panose="02070309020205020404" pitchFamily="49" charset="0"/>
-                <a:cs typeface="Courier New" panose="02070309020205020404" pitchFamily="49" charset="0"/>
-              </a:rPr>
-              <a:t> = "Animal Farm"</a:t>
-            </a:r>
-          </a:p>
-          <a:p>
-            <a:pPr marL="0" indent="0">
-              <a:buNone/>
-            </a:pPr>
-            <a:r>
-              <a:rPr lang="en-US" sz="2400" dirty="0" err="1">
-                <a:latin typeface="Courier New" panose="02070309020205020404" pitchFamily="49" charset="0"/>
-                <a:cs typeface="Courier New" panose="02070309020205020404" pitchFamily="49" charset="0"/>
-              </a:rPr>
-              <a:t>book.title</a:t>
-            </a:r>
-            <a:endParaRPr lang="pt-PT" sz="2400" dirty="0">
-              <a:latin typeface="Courier New" panose="02070309020205020404" pitchFamily="49" charset="0"/>
-              <a:cs typeface="Courier New" panose="02070309020205020404" pitchFamily="49" charset="0"/>
-            </a:endParaRPr>
+              <a:rPr lang="pt-PT" dirty="0" smtClean="0"/>
+              <a:t> prefix, so they are maintained as fields</a:t>
+            </a:r>
+          </a:p>
+          <a:p>
+            <a:r>
+              <a:rPr lang="pt-PT" dirty="0" smtClean="0"/>
+              <a:t>“Natural” implementations of methods </a:t>
+            </a:r>
+            <a:r>
+              <a:rPr lang="pt-PT" dirty="0" smtClean="0"/>
+              <a:t>toString</a:t>
+            </a:r>
+            <a:r>
+              <a:rPr lang="pt-PT" dirty="0" smtClean="0"/>
+              <a:t>, hashCode and equals</a:t>
+            </a:r>
+          </a:p>
+          <a:p>
+            <a:r>
+              <a:rPr lang="pt-PT" dirty="0" smtClean="0"/>
+              <a:t>Copy function for making modified copies </a:t>
+            </a:r>
+          </a:p>
+          <a:p>
+            <a:endParaRPr lang="pt-PT" dirty="0"/>
           </a:p>
         </p:txBody>
       </p:sp>
     </p:spTree>
     <p:extLst>
       <p:ext uri="{BB962C8B-B14F-4D97-AF65-F5344CB8AC3E}">
-        <p14:creationId xmlns:p14="http://schemas.microsoft.com/office/powerpoint/2010/main" val="544704127"/>
+        <p14:creationId xmlns:p14="http://schemas.microsoft.com/office/powerpoint/2010/main" val="3693222082"/>
       </p:ext>
     </p:extLst>
   </p:cSld>
   <p:clrMapOvr>
     <a:masterClrMapping/>
   </p:clrMapOvr>
+  <p:timing>
+    <p:tnLst>
+      <p:par>
+        <p:cTn id="1" dur="indefinite" restart="never" nodeType="tmRoot"/>
+      </p:par>
+    </p:tnLst>
+  </p:timing>
 </p:sld>
 </file>
 
@@ -8466,7 +8243,7 @@
           <a:p>
             <a:r>
               <a:rPr lang="pt-PT" dirty="0" smtClean="0"/>
-              <a:t>Conciseness</a:t>
+              <a:t>Case class and Pattern Matching</a:t>
             </a:r>
             <a:endParaRPr lang="pt-PT" dirty="0"/>
           </a:p>
@@ -8484,68 +8261,382 @@
         </p:nvSpPr>
         <p:spPr/>
         <p:txBody>
-          <a:bodyPr/>
-          <a:lstStyle/>
-          <a:p>
-            <a:r>
-              <a:rPr lang="pt-PT" dirty="0" smtClean="0">
-                <a:solidFill>
-                  <a:schemeClr val="bg1">
-                    <a:lumMod val="65000"/>
-                  </a:schemeClr>
-                </a:solidFill>
-              </a:rPr>
-              <a:t>Type inference (Is that good?)</a:t>
-            </a:r>
-          </a:p>
-          <a:p>
-            <a:r>
-              <a:rPr lang="pt-PT" dirty="0" smtClean="0">
-                <a:solidFill>
-                  <a:schemeClr val="bg1">
-                    <a:lumMod val="65000"/>
-                  </a:schemeClr>
-                </a:solidFill>
-              </a:rPr>
-              <a:t>Semi-colon inference</a:t>
-            </a:r>
-          </a:p>
-          <a:p>
-            <a:r>
-              <a:rPr lang="pt-PT" dirty="0" smtClean="0">
-                <a:solidFill>
-                  <a:schemeClr val="bg1">
-                    <a:lumMod val="65000"/>
-                  </a:schemeClr>
-                </a:solidFill>
-              </a:rPr>
-              <a:t>Optional curly braces</a:t>
-            </a:r>
-          </a:p>
-          <a:p>
-            <a:r>
-              <a:rPr lang="pt-PT" dirty="0" smtClean="0"/>
-              <a:t>Class and constructors</a:t>
-            </a:r>
-            <a:endParaRPr lang="pt-PT" dirty="0"/>
+          <a:bodyPr>
+            <a:normAutofit/>
+          </a:bodyPr>
+          <a:lstStyle/>
+          <a:p>
+            <a:pPr marL="0" indent="0">
+              <a:buNone/>
+            </a:pPr>
+            <a:r>
+              <a:rPr lang="pt-PT" sz="2400" b="1" dirty="0">
+                <a:solidFill>
+                  <a:srgbClr val="990099"/>
+                </a:solidFill>
+                <a:latin typeface="Courier New" panose="02070309020205020404" pitchFamily="49" charset="0"/>
+                <a:cs typeface="Courier New" panose="02070309020205020404" pitchFamily="49" charset="0"/>
+              </a:rPr>
+              <a:t>def</a:t>
+            </a:r>
+            <a:r>
+              <a:rPr lang="pt-PT" sz="2400" dirty="0">
+                <a:latin typeface="Courier New" panose="02070309020205020404" pitchFamily="49" charset="0"/>
+                <a:cs typeface="Courier New" panose="02070309020205020404" pitchFamily="49" charset="0"/>
+              </a:rPr>
+              <a:t> simplifyTop(expr: Expr): Expr = expr </a:t>
+            </a:r>
+            <a:r>
+              <a:rPr lang="pt-PT" sz="2400" b="1" dirty="0">
+                <a:solidFill>
+                  <a:srgbClr val="990099"/>
+                </a:solidFill>
+                <a:latin typeface="Courier New" panose="02070309020205020404" pitchFamily="49" charset="0"/>
+                <a:cs typeface="Courier New" panose="02070309020205020404" pitchFamily="49" charset="0"/>
+              </a:rPr>
+              <a:t>match</a:t>
+            </a:r>
+            <a:r>
+              <a:rPr lang="pt-PT" sz="2400" dirty="0">
+                <a:latin typeface="Courier New" panose="02070309020205020404" pitchFamily="49" charset="0"/>
+                <a:cs typeface="Courier New" panose="02070309020205020404" pitchFamily="49" charset="0"/>
+              </a:rPr>
+              <a:t> {</a:t>
+            </a:r>
+          </a:p>
+          <a:p>
+            <a:pPr marL="0" indent="0">
+              <a:buNone/>
+            </a:pPr>
+            <a:r>
+              <a:rPr lang="pt-PT" sz="2400" dirty="0" smtClean="0">
+                <a:latin typeface="Courier New" panose="02070309020205020404" pitchFamily="49" charset="0"/>
+                <a:cs typeface="Courier New" panose="02070309020205020404" pitchFamily="49" charset="0"/>
+              </a:rPr>
+              <a:t>  </a:t>
+            </a:r>
+            <a:r>
+              <a:rPr lang="pt-PT" sz="2400" b="1" dirty="0">
+                <a:solidFill>
+                  <a:srgbClr val="990099"/>
+                </a:solidFill>
+                <a:latin typeface="Courier New" panose="02070309020205020404" pitchFamily="49" charset="0"/>
+                <a:cs typeface="Courier New" panose="02070309020205020404" pitchFamily="49" charset="0"/>
+              </a:rPr>
+              <a:t>case</a:t>
+            </a:r>
+            <a:r>
+              <a:rPr lang="pt-PT" sz="2400" dirty="0" smtClean="0">
+                <a:latin typeface="Courier New" panose="02070309020205020404" pitchFamily="49" charset="0"/>
+                <a:cs typeface="Courier New" panose="02070309020205020404" pitchFamily="49" charset="0"/>
+              </a:rPr>
+              <a:t> </a:t>
+            </a:r>
+            <a:r>
+              <a:rPr lang="pt-PT" sz="2400" dirty="0">
+                <a:latin typeface="Courier New" panose="02070309020205020404" pitchFamily="49" charset="0"/>
+                <a:cs typeface="Courier New" panose="02070309020205020404" pitchFamily="49" charset="0"/>
+              </a:rPr>
+              <a:t>UnOp(</a:t>
+            </a:r>
+            <a:r>
+              <a:rPr lang="pt-PT" sz="2400" dirty="0">
+                <a:solidFill>
+                  <a:srgbClr val="0070C0"/>
+                </a:solidFill>
+                <a:latin typeface="Courier New" panose="02070309020205020404" pitchFamily="49" charset="0"/>
+                <a:cs typeface="Courier New" panose="02070309020205020404" pitchFamily="49" charset="0"/>
+              </a:rPr>
+              <a:t>"-"</a:t>
+            </a:r>
+            <a:r>
+              <a:rPr lang="pt-PT" sz="2400" dirty="0">
+                <a:latin typeface="Courier New" panose="02070309020205020404" pitchFamily="49" charset="0"/>
+                <a:cs typeface="Courier New" panose="02070309020205020404" pitchFamily="49" charset="0"/>
+              </a:rPr>
+              <a:t>, UnOp(</a:t>
+            </a:r>
+            <a:r>
+              <a:rPr lang="pt-PT" sz="2400" dirty="0">
+                <a:solidFill>
+                  <a:srgbClr val="0070C0"/>
+                </a:solidFill>
+                <a:latin typeface="Courier New" panose="02070309020205020404" pitchFamily="49" charset="0"/>
+                <a:cs typeface="Courier New" panose="02070309020205020404" pitchFamily="49" charset="0"/>
+              </a:rPr>
+              <a:t>"-"</a:t>
+            </a:r>
+            <a:r>
+              <a:rPr lang="pt-PT" sz="2400" dirty="0">
+                <a:latin typeface="Courier New" panose="02070309020205020404" pitchFamily="49" charset="0"/>
+                <a:cs typeface="Courier New" panose="02070309020205020404" pitchFamily="49" charset="0"/>
+              </a:rPr>
+              <a:t>, e)) =&gt; e </a:t>
+            </a:r>
+            <a:r>
+              <a:rPr lang="pt-PT" sz="2400" dirty="0">
+                <a:solidFill>
+                  <a:schemeClr val="accent6"/>
+                </a:solidFill>
+                <a:latin typeface="Courier New" panose="02070309020205020404" pitchFamily="49" charset="0"/>
+                <a:cs typeface="Courier New" panose="02070309020205020404" pitchFamily="49" charset="0"/>
+              </a:rPr>
+              <a:t>// Double negation</a:t>
+            </a:r>
+          </a:p>
+          <a:p>
+            <a:pPr marL="0" indent="0">
+              <a:buNone/>
+            </a:pPr>
+            <a:r>
+              <a:rPr lang="pt-PT" sz="2400" dirty="0">
+                <a:latin typeface="Courier New" panose="02070309020205020404" pitchFamily="49" charset="0"/>
+                <a:cs typeface="Courier New" panose="02070309020205020404" pitchFamily="49" charset="0"/>
+              </a:rPr>
+              <a:t> </a:t>
+            </a:r>
+            <a:r>
+              <a:rPr lang="pt-PT" sz="2400" dirty="0" smtClean="0">
+                <a:latin typeface="Courier New" panose="02070309020205020404" pitchFamily="49" charset="0"/>
+                <a:cs typeface="Courier New" panose="02070309020205020404" pitchFamily="49" charset="0"/>
+              </a:rPr>
+              <a:t> </a:t>
+            </a:r>
+            <a:r>
+              <a:rPr lang="pt-PT" sz="2400" b="1" dirty="0">
+                <a:solidFill>
+                  <a:srgbClr val="990099"/>
+                </a:solidFill>
+                <a:latin typeface="Courier New" panose="02070309020205020404" pitchFamily="49" charset="0"/>
+                <a:cs typeface="Courier New" panose="02070309020205020404" pitchFamily="49" charset="0"/>
+              </a:rPr>
+              <a:t>case</a:t>
+            </a:r>
+            <a:r>
+              <a:rPr lang="pt-PT" sz="2400" dirty="0" smtClean="0">
+                <a:latin typeface="Courier New" panose="02070309020205020404" pitchFamily="49" charset="0"/>
+                <a:cs typeface="Courier New" panose="02070309020205020404" pitchFamily="49" charset="0"/>
+              </a:rPr>
+              <a:t> </a:t>
+            </a:r>
+            <a:r>
+              <a:rPr lang="pt-PT" sz="2400" dirty="0">
+                <a:latin typeface="Courier New" panose="02070309020205020404" pitchFamily="49" charset="0"/>
+                <a:cs typeface="Courier New" panose="02070309020205020404" pitchFamily="49" charset="0"/>
+              </a:rPr>
+              <a:t>BinOp(</a:t>
+            </a:r>
+            <a:r>
+              <a:rPr lang="pt-PT" sz="2400" dirty="0">
+                <a:solidFill>
+                  <a:srgbClr val="0070C0"/>
+                </a:solidFill>
+                <a:latin typeface="Courier New" panose="02070309020205020404" pitchFamily="49" charset="0"/>
+                <a:cs typeface="Courier New" panose="02070309020205020404" pitchFamily="49" charset="0"/>
+              </a:rPr>
+              <a:t>"+"</a:t>
+            </a:r>
+            <a:r>
+              <a:rPr lang="pt-PT" sz="2400" dirty="0">
+                <a:latin typeface="Courier New" panose="02070309020205020404" pitchFamily="49" charset="0"/>
+                <a:cs typeface="Courier New" panose="02070309020205020404" pitchFamily="49" charset="0"/>
+              </a:rPr>
+              <a:t>, e, Number(</a:t>
+            </a:r>
+            <a:r>
+              <a:rPr lang="pt-PT" sz="2400" dirty="0">
+                <a:solidFill>
+                  <a:srgbClr val="990099"/>
+                </a:solidFill>
+                <a:latin typeface="Courier New" panose="02070309020205020404" pitchFamily="49" charset="0"/>
+                <a:cs typeface="Courier New" panose="02070309020205020404" pitchFamily="49" charset="0"/>
+              </a:rPr>
+              <a:t>0</a:t>
+            </a:r>
+            <a:r>
+              <a:rPr lang="pt-PT" sz="2400" dirty="0">
+                <a:latin typeface="Courier New" panose="02070309020205020404" pitchFamily="49" charset="0"/>
+                <a:cs typeface="Courier New" panose="02070309020205020404" pitchFamily="49" charset="0"/>
+              </a:rPr>
+              <a:t>)) =&gt; e </a:t>
+            </a:r>
+            <a:r>
+              <a:rPr lang="pt-PT" sz="2400" dirty="0">
+                <a:solidFill>
+                  <a:schemeClr val="accent6"/>
+                </a:solidFill>
+                <a:latin typeface="Courier New" panose="02070309020205020404" pitchFamily="49" charset="0"/>
+                <a:cs typeface="Courier New" panose="02070309020205020404" pitchFamily="49" charset="0"/>
+              </a:rPr>
+              <a:t>// Adding 0</a:t>
+            </a:r>
+          </a:p>
+          <a:p>
+            <a:pPr marL="0" indent="0">
+              <a:buNone/>
+            </a:pPr>
+            <a:r>
+              <a:rPr lang="pt-PT" sz="2400" dirty="0">
+                <a:latin typeface="Courier New" panose="02070309020205020404" pitchFamily="49" charset="0"/>
+                <a:cs typeface="Courier New" panose="02070309020205020404" pitchFamily="49" charset="0"/>
+              </a:rPr>
+              <a:t> </a:t>
+            </a:r>
+            <a:r>
+              <a:rPr lang="pt-PT" sz="2400" dirty="0" smtClean="0">
+                <a:latin typeface="Courier New" panose="02070309020205020404" pitchFamily="49" charset="0"/>
+                <a:cs typeface="Courier New" panose="02070309020205020404" pitchFamily="49" charset="0"/>
+              </a:rPr>
+              <a:t> </a:t>
+            </a:r>
+            <a:r>
+              <a:rPr lang="pt-PT" sz="2400" b="1" dirty="0">
+                <a:solidFill>
+                  <a:srgbClr val="990099"/>
+                </a:solidFill>
+                <a:latin typeface="Courier New" panose="02070309020205020404" pitchFamily="49" charset="0"/>
+                <a:cs typeface="Courier New" panose="02070309020205020404" pitchFamily="49" charset="0"/>
+              </a:rPr>
+              <a:t>case</a:t>
+            </a:r>
+            <a:r>
+              <a:rPr lang="pt-PT" sz="2400" dirty="0" smtClean="0">
+                <a:latin typeface="Courier New" panose="02070309020205020404" pitchFamily="49" charset="0"/>
+                <a:cs typeface="Courier New" panose="02070309020205020404" pitchFamily="49" charset="0"/>
+              </a:rPr>
+              <a:t> </a:t>
+            </a:r>
+            <a:r>
+              <a:rPr lang="pt-PT" sz="2400" dirty="0">
+                <a:latin typeface="Courier New" panose="02070309020205020404" pitchFamily="49" charset="0"/>
+                <a:cs typeface="Courier New" panose="02070309020205020404" pitchFamily="49" charset="0"/>
+              </a:rPr>
+              <a:t>BinOp(</a:t>
+            </a:r>
+            <a:r>
+              <a:rPr lang="pt-PT" sz="2400" dirty="0">
+                <a:solidFill>
+                  <a:srgbClr val="0070C0"/>
+                </a:solidFill>
+                <a:latin typeface="Courier New" panose="02070309020205020404" pitchFamily="49" charset="0"/>
+                <a:cs typeface="Courier New" panose="02070309020205020404" pitchFamily="49" charset="0"/>
+              </a:rPr>
+              <a:t>"*</a:t>
+            </a:r>
+            <a:r>
+              <a:rPr lang="pt-PT" sz="2400" dirty="0">
+                <a:latin typeface="Courier New" panose="02070309020205020404" pitchFamily="49" charset="0"/>
+                <a:cs typeface="Courier New" panose="02070309020205020404" pitchFamily="49" charset="0"/>
+              </a:rPr>
+              <a:t>", e, Number(</a:t>
+            </a:r>
+            <a:r>
+              <a:rPr lang="pt-PT" sz="2400" dirty="0">
+                <a:solidFill>
+                  <a:srgbClr val="990099"/>
+                </a:solidFill>
+                <a:latin typeface="Courier New" panose="02070309020205020404" pitchFamily="49" charset="0"/>
+                <a:cs typeface="Courier New" panose="02070309020205020404" pitchFamily="49" charset="0"/>
+              </a:rPr>
+              <a:t>1</a:t>
+            </a:r>
+            <a:r>
+              <a:rPr lang="pt-PT" sz="2400" dirty="0">
+                <a:latin typeface="Courier New" panose="02070309020205020404" pitchFamily="49" charset="0"/>
+                <a:cs typeface="Courier New" panose="02070309020205020404" pitchFamily="49" charset="0"/>
+              </a:rPr>
+              <a:t>)) =&gt; e </a:t>
+            </a:r>
+            <a:r>
+              <a:rPr lang="pt-PT" sz="2400" dirty="0">
+                <a:solidFill>
+                  <a:schemeClr val="accent6"/>
+                </a:solidFill>
+                <a:latin typeface="Courier New" panose="02070309020205020404" pitchFamily="49" charset="0"/>
+                <a:cs typeface="Courier New" panose="02070309020205020404" pitchFamily="49" charset="0"/>
+              </a:rPr>
+              <a:t>// Multiplying by 1</a:t>
+            </a:r>
+          </a:p>
+          <a:p>
+            <a:pPr marL="0" indent="0">
+              <a:buNone/>
+            </a:pPr>
+            <a:r>
+              <a:rPr lang="pt-PT" sz="2400" dirty="0">
+                <a:latin typeface="Courier New" panose="02070309020205020404" pitchFamily="49" charset="0"/>
+                <a:cs typeface="Courier New" panose="02070309020205020404" pitchFamily="49" charset="0"/>
+              </a:rPr>
+              <a:t> </a:t>
+            </a:r>
+            <a:r>
+              <a:rPr lang="pt-PT" sz="2400" dirty="0" smtClean="0">
+                <a:latin typeface="Courier New" panose="02070309020205020404" pitchFamily="49" charset="0"/>
+                <a:cs typeface="Courier New" panose="02070309020205020404" pitchFamily="49" charset="0"/>
+              </a:rPr>
+              <a:t> </a:t>
+            </a:r>
+            <a:r>
+              <a:rPr lang="pt-PT" sz="2400" b="1" dirty="0">
+                <a:solidFill>
+                  <a:srgbClr val="990099"/>
+                </a:solidFill>
+                <a:latin typeface="Courier New" panose="02070309020205020404" pitchFamily="49" charset="0"/>
+                <a:cs typeface="Courier New" panose="02070309020205020404" pitchFamily="49" charset="0"/>
+              </a:rPr>
+              <a:t>case</a:t>
+            </a:r>
+            <a:r>
+              <a:rPr lang="pt-PT" sz="2400" dirty="0" smtClean="0">
+                <a:latin typeface="Courier New" panose="02070309020205020404" pitchFamily="49" charset="0"/>
+                <a:cs typeface="Courier New" panose="02070309020205020404" pitchFamily="49" charset="0"/>
+              </a:rPr>
+              <a:t> </a:t>
+            </a:r>
+            <a:r>
+              <a:rPr lang="pt-PT" sz="2400" dirty="0">
+                <a:latin typeface="Courier New" panose="02070309020205020404" pitchFamily="49" charset="0"/>
+                <a:cs typeface="Courier New" panose="02070309020205020404" pitchFamily="49" charset="0"/>
+              </a:rPr>
+              <a:t>_ =&gt; expr</a:t>
+            </a:r>
+          </a:p>
+          <a:p>
+            <a:pPr marL="0" indent="0">
+              <a:buNone/>
+            </a:pPr>
+            <a:r>
+              <a:rPr lang="pt-PT" sz="2400" dirty="0">
+                <a:latin typeface="Courier New" panose="02070309020205020404" pitchFamily="49" charset="0"/>
+                <a:cs typeface="Courier New" panose="02070309020205020404" pitchFamily="49" charset="0"/>
+              </a:rPr>
+              <a:t>}</a:t>
+            </a:r>
           </a:p>
         </p:txBody>
       </p:sp>
     </p:spTree>
     <p:extLst>
       <p:ext uri="{BB962C8B-B14F-4D97-AF65-F5344CB8AC3E}">
-        <p14:creationId xmlns:p14="http://schemas.microsoft.com/office/powerpoint/2010/main" val="4059779854"/>
+        <p14:creationId xmlns:p14="http://schemas.microsoft.com/office/powerpoint/2010/main" val="1105576571"/>
       </p:ext>
     </p:extLst>
   </p:cSld>
   <p:clrMapOvr>
     <a:masterClrMapping/>
   </p:clrMapOvr>
+  <p:timing>
+    <p:tnLst>
+      <p:par>
+        <p:cTn id="1" dur="indefinite" restart="never" nodeType="tmRoot"/>
+      </p:par>
+    </p:tnLst>
+  </p:timing>
 </p:sld>
 </file>
 
 <file path=ppt/slides/slide28.xml><?xml version="1.0" encoding="utf-8"?>
-<p:sld xmlns:a="http://schemas.openxmlformats.org/drawingml/2006/main" xmlns:r="http://schemas.openxmlformats.org/officeDocument/2006/relationships" xmlns:p="http://schemas.openxmlformats.org/presentationml/2006/main" show="0">
+<p:sld xmlns:a="http://schemas.openxmlformats.org/drawingml/2006/main" xmlns:r="http://schemas.openxmlformats.org/officeDocument/2006/relationships" xmlns:p="http://schemas.openxmlformats.org/presentationml/2006/main">
   <p:cSld>
     <p:spTree>
       <p:nvGrpSpPr>
@@ -8578,7 +8669,7 @@
           <a:p>
             <a:r>
               <a:rPr lang="pt-PT" dirty="0" smtClean="0"/>
-              <a:t>Closure</a:t>
+              <a:t>Properties</a:t>
             </a:r>
             <a:endParaRPr lang="pt-PT" dirty="0"/>
           </a:p>
@@ -8596,36 +8687,318 @@
         </p:nvSpPr>
         <p:spPr/>
         <p:txBody>
-          <a:bodyPr/>
-          <a:lstStyle/>
-          <a:p>
-            <a:endParaRPr lang="pt-PT" dirty="0"/>
+          <a:bodyPr>
+            <a:noAutofit/>
+          </a:bodyPr>
+          <a:lstStyle/>
+          <a:p>
+            <a:pPr marL="0" indent="0">
+              <a:buNone/>
+            </a:pPr>
+            <a:r>
+              <a:rPr lang="en-US" sz="2400" b="1" dirty="0">
+                <a:solidFill>
+                  <a:srgbClr val="990099"/>
+                </a:solidFill>
+                <a:latin typeface="Courier New" panose="02070309020205020404" pitchFamily="49" charset="0"/>
+                <a:cs typeface="Courier New" panose="02070309020205020404" pitchFamily="49" charset="0"/>
+              </a:rPr>
+              <a:t>class</a:t>
+            </a:r>
+            <a:r>
+              <a:rPr lang="en-US" sz="2400" dirty="0">
+                <a:latin typeface="Courier New" panose="02070309020205020404" pitchFamily="49" charset="0"/>
+                <a:cs typeface="Courier New" panose="02070309020205020404" pitchFamily="49" charset="0"/>
+              </a:rPr>
+              <a:t> </a:t>
+            </a:r>
+            <a:r>
+              <a:rPr lang="en-US" sz="2400" b="1" dirty="0">
+                <a:solidFill>
+                  <a:srgbClr val="990099"/>
+                </a:solidFill>
+                <a:latin typeface="Courier New" panose="02070309020205020404" pitchFamily="49" charset="0"/>
+                <a:cs typeface="Courier New" panose="02070309020205020404" pitchFamily="49" charset="0"/>
+              </a:rPr>
+              <a:t>Book</a:t>
+            </a:r>
+            <a:r>
+              <a:rPr lang="en-US" sz="2400" dirty="0">
+                <a:latin typeface="Courier New" panose="02070309020205020404" pitchFamily="49" charset="0"/>
+                <a:cs typeface="Courier New" panose="02070309020205020404" pitchFamily="49" charset="0"/>
+              </a:rPr>
+              <a:t>(</a:t>
+            </a:r>
+            <a:r>
+              <a:rPr lang="en-US" sz="2400" b="1" dirty="0">
+                <a:solidFill>
+                  <a:srgbClr val="990099"/>
+                </a:solidFill>
+                <a:latin typeface="Courier New" panose="02070309020205020404" pitchFamily="49" charset="0"/>
+                <a:cs typeface="Courier New" panose="02070309020205020404" pitchFamily="49" charset="0"/>
+              </a:rPr>
+              <a:t>private </a:t>
+            </a:r>
+            <a:r>
+              <a:rPr lang="en-US" sz="2400" b="1" dirty="0" err="1">
+                <a:solidFill>
+                  <a:srgbClr val="990099"/>
+                </a:solidFill>
+                <a:latin typeface="Courier New" panose="02070309020205020404" pitchFamily="49" charset="0"/>
+                <a:cs typeface="Courier New" panose="02070309020205020404" pitchFamily="49" charset="0"/>
+              </a:rPr>
+              <a:t>var</a:t>
+            </a:r>
+            <a:r>
+              <a:rPr lang="en-US" sz="2400" dirty="0">
+                <a:latin typeface="Courier New" panose="02070309020205020404" pitchFamily="49" charset="0"/>
+                <a:cs typeface="Courier New" panose="02070309020205020404" pitchFamily="49" charset="0"/>
+              </a:rPr>
+              <a:t> _title: String) {</a:t>
+            </a:r>
+          </a:p>
+          <a:p>
+            <a:pPr marL="0" indent="0">
+              <a:buNone/>
+            </a:pPr>
+            <a:r>
+              <a:rPr lang="en-US" sz="2400" dirty="0">
+                <a:latin typeface="Courier New" panose="02070309020205020404" pitchFamily="49" charset="0"/>
+                <a:cs typeface="Courier New" panose="02070309020205020404" pitchFamily="49" charset="0"/>
+              </a:rPr>
+              <a:t>    </a:t>
+            </a:r>
+            <a:r>
+              <a:rPr lang="en-US" sz="2400" b="1" dirty="0" err="1">
+                <a:solidFill>
+                  <a:srgbClr val="990099"/>
+                </a:solidFill>
+                <a:latin typeface="Courier New" panose="02070309020205020404" pitchFamily="49" charset="0"/>
+                <a:cs typeface="Courier New" panose="02070309020205020404" pitchFamily="49" charset="0"/>
+              </a:rPr>
+              <a:t>def</a:t>
+            </a:r>
+            <a:r>
+              <a:rPr lang="en-US" sz="2400" dirty="0">
+                <a:latin typeface="Courier New" panose="02070309020205020404" pitchFamily="49" charset="0"/>
+                <a:cs typeface="Courier New" panose="02070309020205020404" pitchFamily="49" charset="0"/>
+              </a:rPr>
+              <a:t> title: String = _title</a:t>
+            </a:r>
+          </a:p>
+          <a:p>
+            <a:pPr marL="0" indent="0">
+              <a:buNone/>
+            </a:pPr>
+            <a:r>
+              <a:rPr lang="en-US" sz="2400" dirty="0">
+                <a:latin typeface="Courier New" panose="02070309020205020404" pitchFamily="49" charset="0"/>
+                <a:cs typeface="Courier New" panose="02070309020205020404" pitchFamily="49" charset="0"/>
+              </a:rPr>
+              <a:t>    </a:t>
+            </a:r>
+            <a:r>
+              <a:rPr lang="en-US" sz="2400" b="1" dirty="0" err="1">
+                <a:solidFill>
+                  <a:srgbClr val="990099"/>
+                </a:solidFill>
+                <a:latin typeface="Courier New" panose="02070309020205020404" pitchFamily="49" charset="0"/>
+                <a:cs typeface="Courier New" panose="02070309020205020404" pitchFamily="49" charset="0"/>
+              </a:rPr>
+              <a:t>def</a:t>
+            </a:r>
+            <a:r>
+              <a:rPr lang="en-US" sz="2400" dirty="0">
+                <a:latin typeface="Courier New" panose="02070309020205020404" pitchFamily="49" charset="0"/>
+                <a:cs typeface="Courier New" panose="02070309020205020404" pitchFamily="49" charset="0"/>
+              </a:rPr>
+              <a:t> title</a:t>
+            </a:r>
+            <a:r>
+              <a:rPr lang="en-US" sz="2400" dirty="0" smtClean="0">
+                <a:latin typeface="Courier New" panose="02070309020205020404" pitchFamily="49" charset="0"/>
+                <a:cs typeface="Courier New" panose="02070309020205020404" pitchFamily="49" charset="0"/>
+              </a:rPr>
+              <a:t>_= (</a:t>
+            </a:r>
+            <a:r>
+              <a:rPr lang="en-US" sz="2400" dirty="0">
+                <a:latin typeface="Courier New" panose="02070309020205020404" pitchFamily="49" charset="0"/>
+                <a:cs typeface="Courier New" panose="02070309020205020404" pitchFamily="49" charset="0"/>
+              </a:rPr>
+              <a:t>v: String) { _title = v }</a:t>
+            </a:r>
+          </a:p>
+          <a:p>
+            <a:pPr marL="0" indent="0">
+              <a:buNone/>
+            </a:pPr>
+            <a:r>
+              <a:rPr lang="en-US" sz="2400" dirty="0">
+                <a:latin typeface="Courier New" panose="02070309020205020404" pitchFamily="49" charset="0"/>
+                <a:cs typeface="Courier New" panose="02070309020205020404" pitchFamily="49" charset="0"/>
+              </a:rPr>
+              <a:t>}</a:t>
+            </a:r>
+          </a:p>
+          <a:p>
+            <a:pPr marL="0" indent="0">
+              <a:buNone/>
+            </a:pPr>
+            <a:r>
+              <a:rPr lang="en-US" sz="2400" dirty="0">
+                <a:latin typeface="Courier New" panose="02070309020205020404" pitchFamily="49" charset="0"/>
+                <a:cs typeface="Courier New" panose="02070309020205020404" pitchFamily="49" charset="0"/>
+              </a:rPr>
+              <a:t>  </a:t>
+            </a:r>
+          </a:p>
+          <a:p>
+            <a:pPr marL="0" indent="0">
+              <a:buNone/>
+            </a:pPr>
+            <a:r>
+              <a:rPr lang="en-US" sz="2400" b="1" dirty="0" err="1">
+                <a:solidFill>
+                  <a:srgbClr val="990099"/>
+                </a:solidFill>
+                <a:latin typeface="Courier New" panose="02070309020205020404" pitchFamily="49" charset="0"/>
+                <a:cs typeface="Courier New" panose="02070309020205020404" pitchFamily="49" charset="0"/>
+              </a:rPr>
+              <a:t>val</a:t>
+            </a:r>
+            <a:r>
+              <a:rPr lang="en-US" sz="2400" dirty="0">
+                <a:latin typeface="Courier New" panose="02070309020205020404" pitchFamily="49" charset="0"/>
+                <a:cs typeface="Courier New" panose="02070309020205020404" pitchFamily="49" charset="0"/>
+              </a:rPr>
+              <a:t> book = </a:t>
+            </a:r>
+            <a:r>
+              <a:rPr lang="en-US" sz="2400" b="1" dirty="0">
+                <a:solidFill>
+                  <a:srgbClr val="990099"/>
+                </a:solidFill>
+                <a:latin typeface="Courier New" panose="02070309020205020404" pitchFamily="49" charset="0"/>
+                <a:cs typeface="Courier New" panose="02070309020205020404" pitchFamily="49" charset="0"/>
+              </a:rPr>
+              <a:t>new</a:t>
+            </a:r>
+            <a:r>
+              <a:rPr lang="en-US" sz="2400" dirty="0">
+                <a:latin typeface="Courier New" panose="02070309020205020404" pitchFamily="49" charset="0"/>
+                <a:cs typeface="Courier New" panose="02070309020205020404" pitchFamily="49" charset="0"/>
+              </a:rPr>
+              <a:t> Book("1984")      </a:t>
+            </a:r>
+          </a:p>
+          <a:p>
+            <a:pPr marL="0" indent="0">
+              <a:buNone/>
+            </a:pPr>
+            <a:r>
+              <a:rPr lang="en-US" sz="2400" dirty="0">
+                <a:latin typeface="Courier New" panose="02070309020205020404" pitchFamily="49" charset="0"/>
+                <a:cs typeface="Courier New" panose="02070309020205020404" pitchFamily="49" charset="0"/>
+              </a:rPr>
+              <a:t>                                   </a:t>
+            </a:r>
+          </a:p>
+          <a:p>
+            <a:pPr marL="0" indent="0">
+              <a:buNone/>
+            </a:pPr>
+            <a:r>
+              <a:rPr lang="en-US" sz="2400" b="1" dirty="0" err="1">
+                <a:solidFill>
+                  <a:srgbClr val="990099"/>
+                </a:solidFill>
+                <a:latin typeface="Courier New" panose="02070309020205020404" pitchFamily="49" charset="0"/>
+                <a:cs typeface="Courier New" panose="02070309020205020404" pitchFamily="49" charset="0"/>
+              </a:rPr>
+              <a:t>val</a:t>
+            </a:r>
+            <a:r>
+              <a:rPr lang="en-US" sz="2400" dirty="0">
+                <a:latin typeface="Courier New" panose="02070309020205020404" pitchFamily="49" charset="0"/>
+                <a:cs typeface="Courier New" panose="02070309020205020404" pitchFamily="49" charset="0"/>
+              </a:rPr>
+              <a:t> title = </a:t>
+            </a:r>
+            <a:r>
+              <a:rPr lang="en-US" sz="2400" dirty="0" err="1">
+                <a:latin typeface="Courier New" panose="02070309020205020404" pitchFamily="49" charset="0"/>
+                <a:cs typeface="Courier New" panose="02070309020205020404" pitchFamily="49" charset="0"/>
+              </a:rPr>
+              <a:t>book.title</a:t>
+            </a:r>
+            <a:r>
+              <a:rPr lang="en-US" sz="2400" dirty="0">
+                <a:latin typeface="Courier New" panose="02070309020205020404" pitchFamily="49" charset="0"/>
+                <a:cs typeface="Courier New" panose="02070309020205020404" pitchFamily="49" charset="0"/>
+              </a:rPr>
+              <a:t>           </a:t>
+            </a:r>
+          </a:p>
+          <a:p>
+            <a:pPr marL="0" indent="0">
+              <a:buNone/>
+            </a:pPr>
+            <a:r>
+              <a:rPr lang="en-US" sz="2400" dirty="0" err="1">
+                <a:latin typeface="Courier New" panose="02070309020205020404" pitchFamily="49" charset="0"/>
+                <a:cs typeface="Courier New" panose="02070309020205020404" pitchFamily="49" charset="0"/>
+              </a:rPr>
+              <a:t>book.title</a:t>
+            </a:r>
+            <a:r>
+              <a:rPr lang="en-US" sz="2400" dirty="0">
+                <a:latin typeface="Courier New" panose="02070309020205020404" pitchFamily="49" charset="0"/>
+                <a:cs typeface="Courier New" panose="02070309020205020404" pitchFamily="49" charset="0"/>
+              </a:rPr>
+              <a:t> = "Animal Farm"</a:t>
+            </a:r>
+          </a:p>
+          <a:p>
+            <a:pPr marL="0" indent="0">
+              <a:buNone/>
+            </a:pPr>
+            <a:r>
+              <a:rPr lang="en-US" sz="2400" dirty="0" err="1">
+                <a:latin typeface="Courier New" panose="02070309020205020404" pitchFamily="49" charset="0"/>
+                <a:cs typeface="Courier New" panose="02070309020205020404" pitchFamily="49" charset="0"/>
+              </a:rPr>
+              <a:t>book.title</a:t>
+            </a:r>
+            <a:endParaRPr lang="pt-PT" sz="2400" dirty="0">
+              <a:latin typeface="Courier New" panose="02070309020205020404" pitchFamily="49" charset="0"/>
+              <a:cs typeface="Courier New" panose="02070309020205020404" pitchFamily="49" charset="0"/>
+            </a:endParaRPr>
           </a:p>
         </p:txBody>
       </p:sp>
     </p:spTree>
     <p:extLst>
       <p:ext uri="{BB962C8B-B14F-4D97-AF65-F5344CB8AC3E}">
-        <p14:creationId xmlns:p14="http://schemas.microsoft.com/office/powerpoint/2010/main" val="1925765528"/>
+        <p14:creationId xmlns:p14="http://schemas.microsoft.com/office/powerpoint/2010/main" val="544704127"/>
       </p:ext>
     </p:extLst>
   </p:cSld>
   <p:clrMapOvr>
     <a:masterClrMapping/>
   </p:clrMapOvr>
-  <mc:AlternateContent xmlns:mc="http://schemas.openxmlformats.org/markup-compatibility/2006" xmlns:p14="http://schemas.microsoft.com/office/powerpoint/2010/main">
-    <mc:Choice Requires="p14">
-      <p:transition spd="slow" p14:dur="2000"/>
-    </mc:Choice>
-    <mc:Fallback xmlns="">
-      <p:transition spd="slow"/>
-    </mc:Fallback>
-  </mc:AlternateContent>
+  <p:timing>
+    <p:tnLst>
+      <p:par>
+        <p:cTn id="1" dur="indefinite" restart="never" nodeType="tmRoot"/>
+      </p:par>
+    </p:tnLst>
+  </p:timing>
 </p:sld>
 </file>
 
 <file path=ppt/slides/slide29.xml><?xml version="1.0" encoding="utf-8"?>
-<p:sld xmlns:a="http://schemas.openxmlformats.org/drawingml/2006/main" xmlns:r="http://schemas.openxmlformats.org/officeDocument/2006/relationships" xmlns:p="http://schemas.openxmlformats.org/presentationml/2006/main" show="0">
+<p:sld xmlns:a="http://schemas.openxmlformats.org/drawingml/2006/main" xmlns:r="http://schemas.openxmlformats.org/officeDocument/2006/relationships" xmlns:p="http://schemas.openxmlformats.org/presentationml/2006/main">
   <p:cSld>
     <p:spTree>
       <p:nvGrpSpPr>
@@ -8658,7 +9031,7 @@
           <a:p>
             <a:r>
               <a:rPr lang="pt-PT" dirty="0" smtClean="0"/>
-              <a:t>Tuples</a:t>
+              <a:t>Conciseness</a:t>
             </a:r>
             <a:endParaRPr lang="pt-PT" dirty="0"/>
           </a:p>
@@ -8679,28 +9052,67 @@
           <a:bodyPr/>
           <a:lstStyle/>
           <a:p>
-            <a:endParaRPr lang="pt-PT"/>
+            <a:r>
+              <a:rPr lang="pt-PT" dirty="0" smtClean="0">
+                <a:solidFill>
+                  <a:schemeClr val="bg1">
+                    <a:lumMod val="65000"/>
+                  </a:schemeClr>
+                </a:solidFill>
+              </a:rPr>
+              <a:t>Type inference (Is that good?)</a:t>
+            </a:r>
+          </a:p>
+          <a:p>
+            <a:r>
+              <a:rPr lang="pt-PT" dirty="0" smtClean="0">
+                <a:solidFill>
+                  <a:schemeClr val="bg1">
+                    <a:lumMod val="65000"/>
+                  </a:schemeClr>
+                </a:solidFill>
+              </a:rPr>
+              <a:t>Semi-colon inference</a:t>
+            </a:r>
+          </a:p>
+          <a:p>
+            <a:r>
+              <a:rPr lang="pt-PT" dirty="0" smtClean="0">
+                <a:solidFill>
+                  <a:schemeClr val="bg1">
+                    <a:lumMod val="65000"/>
+                  </a:schemeClr>
+                </a:solidFill>
+              </a:rPr>
+              <a:t>Optional curly braces</a:t>
+            </a:r>
+          </a:p>
+          <a:p>
+            <a:r>
+              <a:rPr lang="pt-PT" dirty="0" smtClean="0"/>
+              <a:t>Class and constructors</a:t>
+            </a:r>
+            <a:endParaRPr lang="pt-PT" dirty="0"/>
           </a:p>
         </p:txBody>
       </p:sp>
     </p:spTree>
     <p:extLst>
       <p:ext uri="{BB962C8B-B14F-4D97-AF65-F5344CB8AC3E}">
-        <p14:creationId xmlns:p14="http://schemas.microsoft.com/office/powerpoint/2010/main" val="2642358488"/>
+        <p14:creationId xmlns:p14="http://schemas.microsoft.com/office/powerpoint/2010/main" val="4059779854"/>
       </p:ext>
     </p:extLst>
   </p:cSld>
   <p:clrMapOvr>
     <a:masterClrMapping/>
   </p:clrMapOvr>
-  <mc:AlternateContent xmlns:mc="http://schemas.openxmlformats.org/markup-compatibility/2006" xmlns:p14="http://schemas.microsoft.com/office/powerpoint/2010/main">
-    <mc:Choice Requires="p14">
-      <p:transition spd="slow" p14:dur="2000"/>
-    </mc:Choice>
-    <mc:Fallback xmlns="">
-      <p:transition spd="slow"/>
-    </mc:Fallback>
-  </mc:AlternateContent>
+  <p:timing>
+    <p:tnLst>
+      <p:par>
+        <p:cTn id="1" dur="indefinite" restart="never" nodeType="tmRoot"/>
+      </p:par>
+    </p:tnLst>
+  </p:timing>
 </p:sld>
 </file>
 
@@ -9021,7 +9433,15 @@
             </a:r>
             <a:r>
               <a:rPr lang="pt-PT" dirty="0" smtClean="0"/>
-              <a:t>for expressions are not what you think)</a:t>
+              <a:t>for expressions are not what </a:t>
+            </a:r>
+            <a:r>
+              <a:rPr lang="pt-PT" dirty="0" smtClean="0"/>
+              <a:t>you may </a:t>
+            </a:r>
+            <a:r>
+              <a:rPr lang="pt-PT" dirty="0" smtClean="0"/>
+              <a:t>think)</a:t>
             </a:r>
           </a:p>
           <a:p>
@@ -9146,6 +9566,13 @@
   <p:clrMapOvr>
     <a:masterClrMapping/>
   </p:clrMapOvr>
+  <p:timing>
+    <p:tnLst>
+      <p:par>
+        <p:cTn id="1" dur="indefinite" restart="never" nodeType="tmRoot"/>
+      </p:par>
+    </p:tnLst>
+  </p:timing>
 </p:sld>
 </file>
 
@@ -9202,7 +9629,7 @@
         <p:spPr/>
         <p:txBody>
           <a:bodyPr>
-            <a:normAutofit lnSpcReduction="10000"/>
+            <a:normAutofit/>
           </a:bodyPr>
           <a:lstStyle/>
           <a:p>
@@ -9244,14 +9671,13 @@
           <a:p>
             <a:r>
               <a:rPr lang="pt-PT" dirty="0" smtClean="0"/>
-              <a:t>For expressions</a:t>
-            </a:r>
-          </a:p>
-          <a:p>
-            <a:r>
-              <a:rPr lang="pt-PT" dirty="0" smtClean="0"/>
-              <a:t>Pattern matching</a:t>
-            </a:r>
+              <a:t>For </a:t>
+            </a:r>
+            <a:r>
+              <a:rPr lang="pt-PT" dirty="0" smtClean="0"/>
+              <a:t>expressions</a:t>
+            </a:r>
+            <a:endParaRPr lang="pt-PT" dirty="0" smtClean="0"/>
           </a:p>
           <a:p>
             <a:r>
@@ -9271,6 +9697,13 @@
   <p:clrMapOvr>
     <a:masterClrMapping/>
   </p:clrMapOvr>
+  <p:timing>
+    <p:tnLst>
+      <p:par>
+        <p:cTn id="1" dur="indefinite" restart="never" nodeType="tmRoot"/>
+      </p:par>
+    </p:tnLst>
+  </p:timing>
 </p:sld>
 </file>
 
